--- a/1.中間報告/3.発表資料/図.pptx
+++ b/1.中間報告/3.発表資料/図.pptx
@@ -5,7 +5,7 @@
     <p:sldMasterId id="2147483648" r:id="rId1"/>
   </p:sldMasterIdLst>
   <p:notesMasterIdLst>
-    <p:notesMasterId r:id="rId21"/>
+    <p:notesMasterId r:id="rId22"/>
   </p:notesMasterIdLst>
   <p:sldIdLst>
     <p:sldId id="257" r:id="rId2"/>
@@ -14,19 +14,20 @@
     <p:sldId id="259" r:id="rId5"/>
     <p:sldId id="261" r:id="rId6"/>
     <p:sldId id="262" r:id="rId7"/>
-    <p:sldId id="263" r:id="rId8"/>
-    <p:sldId id="264" r:id="rId9"/>
-    <p:sldId id="265" r:id="rId10"/>
-    <p:sldId id="266" r:id="rId11"/>
-    <p:sldId id="267" r:id="rId12"/>
-    <p:sldId id="268" r:id="rId13"/>
-    <p:sldId id="269" r:id="rId14"/>
-    <p:sldId id="270" r:id="rId15"/>
-    <p:sldId id="271" r:id="rId16"/>
-    <p:sldId id="272" r:id="rId17"/>
-    <p:sldId id="273" r:id="rId18"/>
-    <p:sldId id="277" r:id="rId19"/>
-    <p:sldId id="278" r:id="rId20"/>
+    <p:sldId id="279" r:id="rId8"/>
+    <p:sldId id="263" r:id="rId9"/>
+    <p:sldId id="264" r:id="rId10"/>
+    <p:sldId id="265" r:id="rId11"/>
+    <p:sldId id="266" r:id="rId12"/>
+    <p:sldId id="267" r:id="rId13"/>
+    <p:sldId id="268" r:id="rId14"/>
+    <p:sldId id="269" r:id="rId15"/>
+    <p:sldId id="270" r:id="rId16"/>
+    <p:sldId id="271" r:id="rId17"/>
+    <p:sldId id="272" r:id="rId18"/>
+    <p:sldId id="273" r:id="rId19"/>
+    <p:sldId id="277" r:id="rId20"/>
+    <p:sldId id="278" r:id="rId21"/>
   </p:sldIdLst>
   <p:sldSz cx="9144000" cy="6858000" type="screen4x3"/>
   <p:notesSz cx="6858000" cy="9144000"/>
@@ -17228,7 +17229,7 @@
             <a:fld id="{768736D5-E0D3-4111-8C4C-E5098B8E037F}" type="datetimeFigureOut">
               <a:rPr kumimoji="1" lang="ja-JP" altLang="en-US" smtClean="0"/>
               <a:pPr/>
-              <a:t>2014/12/8</a:t>
+              <a:t>2015/3/10</a:t>
             </a:fld>
             <a:endParaRPr kumimoji="1" lang="ja-JP" altLang="en-US" dirty="0"/>
           </a:p>
@@ -17972,7 +17973,7 @@
             <a:fld id="{A9FED28E-9910-4CC0-BDE8-5AFA225D5F47}" type="datetime1">
               <a:rPr kumimoji="1" lang="ja-JP" altLang="en-US" smtClean="0"/>
               <a:pPr/>
-              <a:t>2014/12/8</a:t>
+              <a:t>2015/3/10</a:t>
             </a:fld>
             <a:endParaRPr kumimoji="1" lang="ja-JP" altLang="en-US" dirty="0"/>
           </a:p>
@@ -18171,7 +18172,7 @@
             <a:fld id="{6A6F51AD-34C9-47F4-86A8-3B69DA90BEA2}" type="datetime1">
               <a:rPr kumimoji="1" lang="ja-JP" altLang="en-US" smtClean="0"/>
               <a:pPr/>
-              <a:t>2014/12/8</a:t>
+              <a:t>2015/3/10</a:t>
             </a:fld>
             <a:endParaRPr kumimoji="1" lang="ja-JP" altLang="en-US" dirty="0"/>
           </a:p>
@@ -18380,7 +18381,7 @@
             <a:fld id="{7590417E-B2DC-43DB-A4CD-B72741785689}" type="datetime1">
               <a:rPr kumimoji="1" lang="ja-JP" altLang="en-US" smtClean="0"/>
               <a:pPr/>
-              <a:t>2014/12/8</a:t>
+              <a:t>2015/3/10</a:t>
             </a:fld>
             <a:endParaRPr kumimoji="1" lang="ja-JP" altLang="en-US" dirty="0"/>
           </a:p>
@@ -18579,7 +18580,7 @@
             <a:fld id="{BD1CCC0A-69FD-4DB1-8F69-9B7E47B35B06}" type="datetime1">
               <a:rPr kumimoji="1" lang="ja-JP" altLang="en-US" smtClean="0"/>
               <a:pPr/>
-              <a:t>2014/12/8</a:t>
+              <a:t>2015/3/10</a:t>
             </a:fld>
             <a:endParaRPr kumimoji="1" lang="ja-JP" altLang="en-US" dirty="0"/>
           </a:p>
@@ -18831,7 +18832,7 @@
             <a:fld id="{0070CAFA-E75C-41BD-BE36-3967424809FA}" type="datetime1">
               <a:rPr kumimoji="1" lang="ja-JP" altLang="en-US" smtClean="0"/>
               <a:pPr/>
-              <a:t>2014/12/8</a:t>
+              <a:t>2015/3/10</a:t>
             </a:fld>
             <a:endParaRPr kumimoji="1" lang="ja-JP" altLang="en-US" dirty="0"/>
           </a:p>
@@ -19180,7 +19181,7 @@
             <a:fld id="{068F4025-64F1-4470-B5D1-4B3DAE112D35}" type="datetime1">
               <a:rPr kumimoji="1" lang="ja-JP" altLang="en-US" smtClean="0"/>
               <a:pPr/>
-              <a:t>2014/12/8</a:t>
+              <a:t>2015/3/10</a:t>
             </a:fld>
             <a:endParaRPr kumimoji="1" lang="ja-JP" altLang="en-US" dirty="0"/>
           </a:p>
@@ -19663,7 +19664,7 @@
             <a:fld id="{B9D22DCD-7121-4433-9452-1134E9B0F84C}" type="datetime1">
               <a:rPr kumimoji="1" lang="ja-JP" altLang="en-US" smtClean="0"/>
               <a:pPr/>
-              <a:t>2014/12/8</a:t>
+              <a:t>2015/3/10</a:t>
             </a:fld>
             <a:endParaRPr kumimoji="1" lang="ja-JP" altLang="en-US" dirty="0"/>
           </a:p>
@@ -19778,7 +19779,7 @@
             <a:fld id="{C7DC36FC-1499-47BD-B33A-43ABA6D8900D}" type="datetime1">
               <a:rPr kumimoji="1" lang="ja-JP" altLang="en-US" smtClean="0"/>
               <a:pPr/>
-              <a:t>2014/12/8</a:t>
+              <a:t>2015/3/10</a:t>
             </a:fld>
             <a:endParaRPr kumimoji="1" lang="ja-JP" altLang="en-US" dirty="0"/>
           </a:p>
@@ -19870,7 +19871,7 @@
             <a:fld id="{D659CCE9-15B5-4EA3-8B94-9C5237C58DE4}" type="datetime1">
               <a:rPr kumimoji="1" lang="ja-JP" altLang="en-US" smtClean="0"/>
               <a:pPr/>
-              <a:t>2014/12/8</a:t>
+              <a:t>2015/3/10</a:t>
             </a:fld>
             <a:endParaRPr kumimoji="1" lang="ja-JP" altLang="en-US" dirty="0"/>
           </a:p>
@@ -20176,7 +20177,7 @@
             <a:fld id="{E175F6F9-74FF-4910-8619-FBBF32934514}" type="datetime1">
               <a:rPr kumimoji="1" lang="ja-JP" altLang="en-US" smtClean="0"/>
               <a:pPr/>
-              <a:t>2014/12/8</a:t>
+              <a:t>2015/3/10</a:t>
             </a:fld>
             <a:endParaRPr kumimoji="1" lang="ja-JP" altLang="en-US" dirty="0"/>
           </a:p>
@@ -20426,7 +20427,7 @@
             <a:fld id="{F71BFCFD-31AB-4D54-B301-796373502974}" type="datetime1">
               <a:rPr kumimoji="1" lang="ja-JP" altLang="en-US" smtClean="0"/>
               <a:pPr/>
-              <a:t>2014/12/8</a:t>
+              <a:t>2015/3/10</a:t>
             </a:fld>
             <a:endParaRPr kumimoji="1" lang="ja-JP" altLang="en-US" dirty="0"/>
           </a:p>
@@ -20668,7 +20669,7 @@
             <a:fld id="{11B3F5BA-E36A-437C-98D2-FDEE83C185CE}" type="datetime1">
               <a:rPr kumimoji="1" lang="ja-JP" altLang="en-US" smtClean="0"/>
               <a:pPr/>
-              <a:t>2014/12/8</a:t>
+              <a:t>2015/3/10</a:t>
             </a:fld>
             <a:endParaRPr kumimoji="1" lang="ja-JP" altLang="en-US" dirty="0"/>
           </a:p>
@@ -21405,6 +21406,468 @@
           <a:bodyPr/>
           <a:lstStyle/>
           <a:p>
+            <a:r>
+              <a:rPr lang="ja-JP" altLang="en-US" dirty="0" smtClean="0"/>
+              <a:t>双方向データバンディング</a:t>
+            </a:r>
+            <a:endParaRPr kumimoji="1" lang="ja-JP" altLang="en-US" dirty="0"/>
+          </a:p>
+        </p:txBody>
+      </p:sp>
+      <p:graphicFrame>
+        <p:nvGraphicFramePr>
+          <p:cNvPr id="4" name="図表 3"/>
+          <p:cNvGraphicFramePr/>
+          <p:nvPr/>
+        </p:nvGraphicFramePr>
+        <p:xfrm>
+          <a:off x="3203848" y="2204864"/>
+          <a:ext cx="3024336" cy="3312368"/>
+        </p:xfrm>
+        <a:graphic>
+          <a:graphicData uri="http://schemas.openxmlformats.org/drawingml/2006/diagram">
+            <dgm:relIds xmlns:dgm="http://schemas.openxmlformats.org/drawingml/2006/diagram" xmlns:r="http://schemas.openxmlformats.org/officeDocument/2006/relationships" r:dm="rId2" r:lo="rId3" r:qs="rId4" r:cs="rId5"/>
+          </a:graphicData>
+        </a:graphic>
+      </p:graphicFrame>
+      <p:sp>
+        <p:nvSpPr>
+          <p:cNvPr id="5" name="U ターン矢印 4"/>
+          <p:cNvSpPr/>
+          <p:nvPr/>
+        </p:nvSpPr>
+        <p:spPr>
+          <a:xfrm rot="5400000" flipH="1">
+            <a:off x="5832140" y="4113076"/>
+            <a:ext cx="1728192" cy="792088"/>
+          </a:xfrm>
+          <a:prstGeom prst="uturnArrow">
+            <a:avLst>
+              <a:gd name="adj1" fmla="val 37536"/>
+              <a:gd name="adj2" fmla="val 25000"/>
+              <a:gd name="adj3" fmla="val 30879"/>
+              <a:gd name="adj4" fmla="val 60303"/>
+              <a:gd name="adj5" fmla="val 100000"/>
+            </a:avLst>
+          </a:prstGeom>
+          <a:solidFill>
+            <a:srgbClr val="FFC000"/>
+          </a:solidFill>
+          <a:ln>
+            <a:noFill/>
+          </a:ln>
+        </p:spPr>
+        <p:style>
+          <a:lnRef idx="2">
+            <a:schemeClr val="accent1">
+              <a:shade val="50000"/>
+            </a:schemeClr>
+          </a:lnRef>
+          <a:fillRef idx="1">
+            <a:schemeClr val="accent1"/>
+          </a:fillRef>
+          <a:effectRef idx="0">
+            <a:schemeClr val="accent1"/>
+          </a:effectRef>
+          <a:fontRef idx="minor">
+            <a:schemeClr val="lt1"/>
+          </a:fontRef>
+        </p:style>
+        <p:txBody>
+          <a:bodyPr rtlCol="0" anchor="ctr"/>
+          <a:lstStyle/>
+          <a:p>
+            <a:pPr algn="ctr"/>
+            <a:endParaRPr kumimoji="1" lang="ja-JP" altLang="en-US" dirty="0">
+              <a:solidFill>
+                <a:schemeClr val="tx1"/>
+              </a:solidFill>
+            </a:endParaRPr>
+          </a:p>
+        </p:txBody>
+      </p:sp>
+      <p:sp>
+        <p:nvSpPr>
+          <p:cNvPr id="6" name="U ターン矢印 5"/>
+          <p:cNvSpPr/>
+          <p:nvPr/>
+        </p:nvSpPr>
+        <p:spPr>
+          <a:xfrm rot="5400000" flipV="1">
+            <a:off x="1835696" y="4149080"/>
+            <a:ext cx="1728192" cy="864096"/>
+          </a:xfrm>
+          <a:prstGeom prst="uturnArrow">
+            <a:avLst>
+              <a:gd name="adj1" fmla="val 35764"/>
+              <a:gd name="adj2" fmla="val 25000"/>
+              <a:gd name="adj3" fmla="val 35166"/>
+              <a:gd name="adj4" fmla="val 74020"/>
+              <a:gd name="adj5" fmla="val 100000"/>
+            </a:avLst>
+          </a:prstGeom>
+          <a:solidFill>
+            <a:srgbClr val="92D050"/>
+          </a:solidFill>
+          <a:ln>
+            <a:noFill/>
+          </a:ln>
+        </p:spPr>
+        <p:style>
+          <a:lnRef idx="2">
+            <a:schemeClr val="accent1">
+              <a:shade val="50000"/>
+            </a:schemeClr>
+          </a:lnRef>
+          <a:fillRef idx="1">
+            <a:schemeClr val="accent1"/>
+          </a:fillRef>
+          <a:effectRef idx="0">
+            <a:schemeClr val="accent1"/>
+          </a:effectRef>
+          <a:fontRef idx="minor">
+            <a:schemeClr val="lt1"/>
+          </a:fontRef>
+        </p:style>
+        <p:txBody>
+          <a:bodyPr rtlCol="0" anchor="ctr"/>
+          <a:lstStyle/>
+          <a:p>
+            <a:pPr algn="ctr"/>
+            <a:endParaRPr kumimoji="1" lang="ja-JP" altLang="en-US" dirty="0">
+              <a:solidFill>
+                <a:schemeClr val="tx1"/>
+              </a:solidFill>
+            </a:endParaRPr>
+          </a:p>
+        </p:txBody>
+      </p:sp>
+      <p:sp>
+        <p:nvSpPr>
+          <p:cNvPr id="7" name="角丸四角形 6"/>
+          <p:cNvSpPr/>
+          <p:nvPr/>
+        </p:nvSpPr>
+        <p:spPr>
+          <a:xfrm>
+            <a:off x="3203848" y="4149080"/>
+            <a:ext cx="3024336" cy="648072"/>
+          </a:xfrm>
+          <a:prstGeom prst="roundRect">
+            <a:avLst/>
+          </a:prstGeom>
+          <a:ln>
+            <a:solidFill>
+              <a:srgbClr val="00B0F0"/>
+            </a:solidFill>
+            <a:prstDash val="dash"/>
+          </a:ln>
+        </p:spPr>
+        <p:style>
+          <a:lnRef idx="2">
+            <a:schemeClr val="accent6"/>
+          </a:lnRef>
+          <a:fillRef idx="1">
+            <a:schemeClr val="lt1"/>
+          </a:fillRef>
+          <a:effectRef idx="0">
+            <a:schemeClr val="accent6"/>
+          </a:effectRef>
+          <a:fontRef idx="minor">
+            <a:schemeClr val="dk1"/>
+          </a:fontRef>
+        </p:style>
+        <p:txBody>
+          <a:bodyPr rtlCol="0" anchor="ctr"/>
+          <a:lstStyle/>
+          <a:p>
+            <a:pPr algn="ctr"/>
+            <a:r>
+              <a:rPr kumimoji="1" lang="ja-JP" altLang="en-US" sz="2400" b="1" dirty="0" smtClean="0">
+                <a:latin typeface="+mj-ea"/>
+                <a:ea typeface="+mj-ea"/>
+              </a:rPr>
+              <a:t>継続的な更新</a:t>
+            </a:r>
+            <a:endParaRPr kumimoji="1" lang="ja-JP" altLang="en-US" sz="2400" b="1" dirty="0">
+              <a:latin typeface="+mj-ea"/>
+              <a:ea typeface="+mj-ea"/>
+            </a:endParaRPr>
+          </a:p>
+        </p:txBody>
+      </p:sp>
+      <p:sp>
+        <p:nvSpPr>
+          <p:cNvPr id="8" name="角丸四角形 7"/>
+          <p:cNvSpPr/>
+          <p:nvPr/>
+        </p:nvSpPr>
+        <p:spPr>
+          <a:xfrm>
+            <a:off x="6084168" y="2564904"/>
+            <a:ext cx="2808312" cy="1368152"/>
+          </a:xfrm>
+          <a:prstGeom prst="roundRect">
+            <a:avLst/>
+          </a:prstGeom>
+          <a:noFill/>
+          <a:ln>
+            <a:noFill/>
+          </a:ln>
+        </p:spPr>
+        <p:style>
+          <a:lnRef idx="2">
+            <a:schemeClr val="accent1">
+              <a:shade val="50000"/>
+            </a:schemeClr>
+          </a:lnRef>
+          <a:fillRef idx="1">
+            <a:schemeClr val="accent1"/>
+          </a:fillRef>
+          <a:effectRef idx="0">
+            <a:schemeClr val="accent1"/>
+          </a:effectRef>
+          <a:fontRef idx="minor">
+            <a:schemeClr val="lt1"/>
+          </a:fontRef>
+        </p:style>
+        <p:txBody>
+          <a:bodyPr rtlCol="0" anchor="ctr"/>
+          <a:lstStyle/>
+          <a:p>
+            <a:pPr algn="ctr"/>
+            <a:r>
+              <a:rPr lang="en-US" altLang="ja-JP" sz="2400" b="1" dirty="0" smtClean="0">
+                <a:solidFill>
+                  <a:sysClr val="windowText" lastClr="000000"/>
+                </a:solidFill>
+                <a:latin typeface="HGPｺﾞｼｯｸE" pitchFamily="50" charset="-128"/>
+                <a:ea typeface="HGPｺﾞｼｯｸE" pitchFamily="50" charset="-128"/>
+              </a:rPr>
+              <a:t>Model</a:t>
+            </a:r>
+            <a:r>
+              <a:rPr lang="ja-JP" altLang="en-US" sz="2400" b="1" dirty="0" smtClean="0">
+                <a:solidFill>
+                  <a:sysClr val="windowText" lastClr="000000"/>
+                </a:solidFill>
+                <a:latin typeface="HGPｺﾞｼｯｸE" pitchFamily="50" charset="-128"/>
+                <a:ea typeface="HGPｺﾞｼｯｸE" pitchFamily="50" charset="-128"/>
+              </a:rPr>
+              <a:t>の更新を</a:t>
+            </a:r>
+            <a:endParaRPr lang="en-US" altLang="ja-JP" sz="2400" b="1" dirty="0" smtClean="0">
+              <a:solidFill>
+                <a:sysClr val="windowText" lastClr="000000"/>
+              </a:solidFill>
+              <a:latin typeface="HGPｺﾞｼｯｸE" pitchFamily="50" charset="-128"/>
+              <a:ea typeface="HGPｺﾞｼｯｸE" pitchFamily="50" charset="-128"/>
+            </a:endParaRPr>
+          </a:p>
+          <a:p>
+            <a:pPr algn="ctr"/>
+            <a:r>
+              <a:rPr lang="en-US" altLang="ja-JP" sz="2400" b="1" dirty="0" smtClean="0">
+                <a:solidFill>
+                  <a:sysClr val="windowText" lastClr="000000"/>
+                </a:solidFill>
+                <a:latin typeface="HGPｺﾞｼｯｸE" pitchFamily="50" charset="-128"/>
+                <a:ea typeface="HGPｺﾞｼｯｸE" pitchFamily="50" charset="-128"/>
+              </a:rPr>
+              <a:t>View</a:t>
+            </a:r>
+            <a:r>
+              <a:rPr lang="ja-JP" altLang="en-US" sz="2400" b="1" dirty="0" smtClean="0">
+                <a:solidFill>
+                  <a:sysClr val="windowText" lastClr="000000"/>
+                </a:solidFill>
+                <a:latin typeface="HGPｺﾞｼｯｸE" pitchFamily="50" charset="-128"/>
+                <a:ea typeface="HGPｺﾞｼｯｸE" pitchFamily="50" charset="-128"/>
+              </a:rPr>
+              <a:t>に反映</a:t>
+            </a:r>
+            <a:endParaRPr kumimoji="1" lang="ja-JP" altLang="en-US" sz="2400" b="1" dirty="0">
+              <a:solidFill>
+                <a:sysClr val="windowText" lastClr="000000"/>
+              </a:solidFill>
+              <a:latin typeface="HGPｺﾞｼｯｸE" pitchFamily="50" charset="-128"/>
+              <a:ea typeface="HGPｺﾞｼｯｸE" pitchFamily="50" charset="-128"/>
+            </a:endParaRPr>
+          </a:p>
+        </p:txBody>
+      </p:sp>
+      <p:sp>
+        <p:nvSpPr>
+          <p:cNvPr id="9" name="角丸四角形 8"/>
+          <p:cNvSpPr/>
+          <p:nvPr/>
+        </p:nvSpPr>
+        <p:spPr>
+          <a:xfrm>
+            <a:off x="467544" y="2564904"/>
+            <a:ext cx="3096344" cy="1368152"/>
+          </a:xfrm>
+          <a:prstGeom prst="roundRect">
+            <a:avLst/>
+          </a:prstGeom>
+          <a:noFill/>
+          <a:ln>
+            <a:noFill/>
+          </a:ln>
+        </p:spPr>
+        <p:style>
+          <a:lnRef idx="2">
+            <a:schemeClr val="accent1">
+              <a:shade val="50000"/>
+            </a:schemeClr>
+          </a:lnRef>
+          <a:fillRef idx="1">
+            <a:schemeClr val="accent1"/>
+          </a:fillRef>
+          <a:effectRef idx="0">
+            <a:schemeClr val="accent1"/>
+          </a:effectRef>
+          <a:fontRef idx="minor">
+            <a:schemeClr val="lt1"/>
+          </a:fontRef>
+        </p:style>
+        <p:txBody>
+          <a:bodyPr rtlCol="0" anchor="ctr"/>
+          <a:lstStyle/>
+          <a:p>
+            <a:pPr algn="ctr"/>
+            <a:r>
+              <a:rPr lang="en-US" altLang="ja-JP" sz="2400" b="1" dirty="0" smtClean="0">
+                <a:solidFill>
+                  <a:sysClr val="windowText" lastClr="000000"/>
+                </a:solidFill>
+                <a:latin typeface="HGPｺﾞｼｯｸE" pitchFamily="50" charset="-128"/>
+                <a:ea typeface="HGPｺﾞｼｯｸE" pitchFamily="50" charset="-128"/>
+              </a:rPr>
+              <a:t>View</a:t>
+            </a:r>
+            <a:r>
+              <a:rPr lang="ja-JP" altLang="en-US" sz="2400" b="1" dirty="0" smtClean="0">
+                <a:solidFill>
+                  <a:sysClr val="windowText" lastClr="000000"/>
+                </a:solidFill>
+                <a:latin typeface="HGPｺﾞｼｯｸE" pitchFamily="50" charset="-128"/>
+                <a:ea typeface="HGPｺﾞｼｯｸE" pitchFamily="50" charset="-128"/>
+              </a:rPr>
+              <a:t>の更新を</a:t>
+            </a:r>
+            <a:endParaRPr lang="en-US" altLang="ja-JP" sz="2400" b="1" dirty="0" smtClean="0">
+              <a:solidFill>
+                <a:sysClr val="windowText" lastClr="000000"/>
+              </a:solidFill>
+              <a:latin typeface="HGPｺﾞｼｯｸE" pitchFamily="50" charset="-128"/>
+              <a:ea typeface="HGPｺﾞｼｯｸE" pitchFamily="50" charset="-128"/>
+            </a:endParaRPr>
+          </a:p>
+          <a:p>
+            <a:pPr algn="ctr"/>
+            <a:r>
+              <a:rPr lang="en-US" altLang="ja-JP" sz="2400" b="1" dirty="0" smtClean="0">
+                <a:solidFill>
+                  <a:sysClr val="windowText" lastClr="000000"/>
+                </a:solidFill>
+                <a:latin typeface="HGPｺﾞｼｯｸE" pitchFamily="50" charset="-128"/>
+                <a:ea typeface="HGPｺﾞｼｯｸE" pitchFamily="50" charset="-128"/>
+              </a:rPr>
+              <a:t>Model</a:t>
+            </a:r>
+            <a:r>
+              <a:rPr lang="ja-JP" altLang="en-US" sz="2400" b="1" dirty="0" smtClean="0">
+                <a:solidFill>
+                  <a:sysClr val="windowText" lastClr="000000"/>
+                </a:solidFill>
+                <a:latin typeface="HGPｺﾞｼｯｸE" pitchFamily="50" charset="-128"/>
+                <a:ea typeface="HGPｺﾞｼｯｸE" pitchFamily="50" charset="-128"/>
+              </a:rPr>
+              <a:t>に反映</a:t>
+            </a:r>
+            <a:endParaRPr kumimoji="1" lang="ja-JP" altLang="en-US" sz="2400" b="1" dirty="0">
+              <a:solidFill>
+                <a:sysClr val="windowText" lastClr="000000"/>
+              </a:solidFill>
+              <a:latin typeface="HGPｺﾞｼｯｸE" pitchFamily="50" charset="-128"/>
+              <a:ea typeface="HGPｺﾞｼｯｸE" pitchFamily="50" charset="-128"/>
+            </a:endParaRPr>
+          </a:p>
+        </p:txBody>
+      </p:sp>
+      <p:sp>
+        <p:nvSpPr>
+          <p:cNvPr id="10" name="スライド番号プレースホルダ 9"/>
+          <p:cNvSpPr>
+            <a:spLocks noGrp="1"/>
+          </p:cNvSpPr>
+          <p:nvPr>
+            <p:ph type="sldNum" sz="quarter" idx="12"/>
+          </p:nvPr>
+        </p:nvSpPr>
+        <p:spPr/>
+        <p:txBody>
+          <a:bodyPr/>
+          <a:lstStyle/>
+          <a:p>
+            <a:fld id="{D2D8002D-B5B0-4BAC-B1F6-782DDCCE6D9C}" type="slidenum">
+              <a:rPr kumimoji="1" lang="ja-JP" altLang="en-US" smtClean="0"/>
+              <a:pPr/>
+              <a:t>10</a:t>
+            </a:fld>
+            <a:endParaRPr kumimoji="1" lang="ja-JP" altLang="en-US" dirty="0"/>
+          </a:p>
+        </p:txBody>
+      </p:sp>
+    </p:spTree>
+  </p:cSld>
+  <p:clrMapOvr>
+    <a:masterClrMapping/>
+  </p:clrMapOvr>
+  <p:transition/>
+  <p:timing>
+    <p:tnLst>
+      <p:par>
+        <p:cTn id="1" dur="indefinite" restart="never" nodeType="tmRoot"/>
+      </p:par>
+    </p:tnLst>
+  </p:timing>
+</p:sld>
+</file>
+
+<file path=ppt/slides/slide11.xml><?xml version="1.0" encoding="utf-8"?>
+<p:sld xmlns:a="http://schemas.openxmlformats.org/drawingml/2006/main" xmlns:r="http://schemas.openxmlformats.org/officeDocument/2006/relationships" xmlns:p="http://schemas.openxmlformats.org/presentationml/2006/main">
+  <p:cSld>
+    <p:spTree>
+      <p:nvGrpSpPr>
+        <p:cNvPr id="1" name=""/>
+        <p:cNvGrpSpPr/>
+        <p:nvPr/>
+      </p:nvGrpSpPr>
+      <p:grpSpPr>
+        <a:xfrm>
+          <a:off x="0" y="0"/>
+          <a:ext cx="0" cy="0"/>
+          <a:chOff x="0" y="0"/>
+          <a:chExt cx="0" cy="0"/>
+        </a:xfrm>
+      </p:grpSpPr>
+      <p:sp>
+        <p:nvSpPr>
+          <p:cNvPr id="2" name="タイトル 1"/>
+          <p:cNvSpPr>
+            <a:spLocks noGrp="1"/>
+          </p:cNvSpPr>
+          <p:nvPr>
+            <p:ph type="title"/>
+          </p:nvPr>
+        </p:nvSpPr>
+        <p:spPr/>
+        <p:txBody>
+          <a:bodyPr/>
+          <a:lstStyle/>
+          <a:p>
             <a:endParaRPr kumimoji="1" lang="ja-JP" altLang="en-US" dirty="0"/>
           </a:p>
         </p:txBody>
@@ -21729,7 +22192,7 @@
             <a:fld id="{D2D8002D-B5B0-4BAC-B1F6-782DDCCE6D9C}" type="slidenum">
               <a:rPr kumimoji="1" lang="ja-JP" altLang="en-US" smtClean="0"/>
               <a:pPr/>
-              <a:t>10</a:t>
+              <a:t>11</a:t>
             </a:fld>
             <a:endParaRPr kumimoji="1" lang="ja-JP" altLang="en-US" dirty="0"/>
           </a:p>
@@ -21751,7 +22214,7 @@
 </p:sld>
 </file>
 
-<file path=ppt/slides/slide11.xml><?xml version="1.0" encoding="utf-8"?>
+<file path=ppt/slides/slide12.xml><?xml version="1.0" encoding="utf-8"?>
 <p:sld xmlns:a="http://schemas.openxmlformats.org/drawingml/2006/main" xmlns:r="http://schemas.openxmlformats.org/officeDocument/2006/relationships" xmlns:p="http://schemas.openxmlformats.org/presentationml/2006/main">
   <p:cSld>
     <p:spTree>
@@ -21933,7 +22396,7 @@
             <a:fld id="{D2D8002D-B5B0-4BAC-B1F6-782DDCCE6D9C}" type="slidenum">
               <a:rPr kumimoji="1" lang="ja-JP" altLang="en-US" smtClean="0"/>
               <a:pPr/>
-              <a:t>11</a:t>
+              <a:t>12</a:t>
             </a:fld>
             <a:endParaRPr kumimoji="1" lang="ja-JP" altLang="en-US" dirty="0"/>
           </a:p>
@@ -21955,7 +22418,7 @@
 </p:sld>
 </file>
 
-<file path=ppt/slides/slide12.xml><?xml version="1.0" encoding="utf-8"?>
+<file path=ppt/slides/slide13.xml><?xml version="1.0" encoding="utf-8"?>
 <p:sld xmlns:a="http://schemas.openxmlformats.org/drawingml/2006/main" xmlns:r="http://schemas.openxmlformats.org/officeDocument/2006/relationships" xmlns:p="http://schemas.openxmlformats.org/presentationml/2006/main">
   <p:cSld>
     <p:spTree>
@@ -22077,7 +22540,7 @@
             <a:fld id="{D2D8002D-B5B0-4BAC-B1F6-782DDCCE6D9C}" type="slidenum">
               <a:rPr kumimoji="1" lang="ja-JP" altLang="en-US" smtClean="0"/>
               <a:pPr/>
-              <a:t>12</a:t>
+              <a:t>13</a:t>
             </a:fld>
             <a:endParaRPr kumimoji="1" lang="ja-JP" altLang="en-US" dirty="0"/>
           </a:p>
@@ -22099,7 +22562,7 @@
 </p:sld>
 </file>
 
-<file path=ppt/slides/slide13.xml><?xml version="1.0" encoding="utf-8"?>
+<file path=ppt/slides/slide14.xml><?xml version="1.0" encoding="utf-8"?>
 <p:sld xmlns:a="http://schemas.openxmlformats.org/drawingml/2006/main" xmlns:r="http://schemas.openxmlformats.org/officeDocument/2006/relationships" xmlns:p="http://schemas.openxmlformats.org/presentationml/2006/main">
   <p:cSld>
     <p:spTree>
@@ -22229,120 +22692,6 @@
             <a:fld id="{D2D8002D-B5B0-4BAC-B1F6-782DDCCE6D9C}" type="slidenum">
               <a:rPr kumimoji="1" lang="ja-JP" altLang="en-US" smtClean="0"/>
               <a:pPr/>
-              <a:t>13</a:t>
-            </a:fld>
-            <a:endParaRPr kumimoji="1" lang="ja-JP" altLang="en-US" dirty="0"/>
-          </a:p>
-        </p:txBody>
-      </p:sp>
-    </p:spTree>
-  </p:cSld>
-  <p:clrMapOvr>
-    <a:masterClrMapping/>
-  </p:clrMapOvr>
-  <p:transition/>
-  <p:timing>
-    <p:tnLst>
-      <p:par>
-        <p:cTn id="1" dur="indefinite" restart="never" nodeType="tmRoot"/>
-      </p:par>
-    </p:tnLst>
-  </p:timing>
-</p:sld>
-</file>
-
-<file path=ppt/slides/slide14.xml><?xml version="1.0" encoding="utf-8"?>
-<p:sld xmlns:a="http://schemas.openxmlformats.org/drawingml/2006/main" xmlns:r="http://schemas.openxmlformats.org/officeDocument/2006/relationships" xmlns:p="http://schemas.openxmlformats.org/presentationml/2006/main">
-  <p:cSld>
-    <p:spTree>
-      <p:nvGrpSpPr>
-        <p:cNvPr id="1" name=""/>
-        <p:cNvGrpSpPr/>
-        <p:nvPr/>
-      </p:nvGrpSpPr>
-      <p:grpSpPr>
-        <a:xfrm>
-          <a:off x="0" y="0"/>
-          <a:ext cx="0" cy="0"/>
-          <a:chOff x="0" y="0"/>
-          <a:chExt cx="0" cy="0"/>
-        </a:xfrm>
-      </p:grpSpPr>
-      <p:sp>
-        <p:nvSpPr>
-          <p:cNvPr id="2" name="タイトル 1"/>
-          <p:cNvSpPr>
-            <a:spLocks noGrp="1"/>
-          </p:cNvSpPr>
-          <p:nvPr>
-            <p:ph type="title"/>
-          </p:nvPr>
-        </p:nvSpPr>
-        <p:spPr/>
-        <p:txBody>
-          <a:bodyPr>
-            <a:normAutofit fontScale="90000"/>
-          </a:bodyPr>
-          <a:lstStyle/>
-          <a:p>
-            <a:r>
-              <a:rPr lang="ja-JP" altLang="en-US" dirty="0" smtClean="0"/>
-              <a:t>ブラウザによるエラーダイアログ</a:t>
-            </a:r>
-            <a:endParaRPr kumimoji="1" lang="ja-JP" altLang="en-US" dirty="0"/>
-          </a:p>
-        </p:txBody>
-      </p:sp>
-      <p:pic>
-        <p:nvPicPr>
-          <p:cNvPr id="5122" name="Picture 2"/>
-          <p:cNvPicPr>
-            <a:picLocks noChangeAspect="1" noChangeArrowheads="1"/>
-          </p:cNvPicPr>
-          <p:nvPr/>
-        </p:nvPicPr>
-        <p:blipFill>
-          <a:blip r:embed="rId2" cstate="print"/>
-          <a:srcRect/>
-          <a:stretch>
-            <a:fillRect/>
-          </a:stretch>
-        </p:blipFill>
-        <p:spPr bwMode="auto">
-          <a:xfrm>
-            <a:off x="3405188" y="2709863"/>
-            <a:ext cx="2333625" cy="1438275"/>
-          </a:xfrm>
-          <a:prstGeom prst="rect">
-            <a:avLst/>
-          </a:prstGeom>
-          <a:noFill/>
-          <a:ln w="9525">
-            <a:noFill/>
-            <a:miter lim="800000"/>
-            <a:headEnd/>
-            <a:tailEnd/>
-          </a:ln>
-        </p:spPr>
-      </p:pic>
-      <p:sp>
-        <p:nvSpPr>
-          <p:cNvPr id="4" name="スライド番号プレースホルダ 3"/>
-          <p:cNvSpPr>
-            <a:spLocks noGrp="1"/>
-          </p:cNvSpPr>
-          <p:nvPr>
-            <p:ph type="sldNum" sz="quarter" idx="12"/>
-          </p:nvPr>
-        </p:nvSpPr>
-        <p:spPr/>
-        <p:txBody>
-          <a:bodyPr/>
-          <a:lstStyle/>
-          <a:p>
-            <a:fld id="{D2D8002D-B5B0-4BAC-B1F6-782DDCCE6D9C}" type="slidenum">
-              <a:rPr kumimoji="1" lang="ja-JP" altLang="en-US" smtClean="0"/>
-              <a:pPr/>
               <a:t>14</a:t>
             </a:fld>
             <a:endParaRPr kumimoji="1" lang="ja-JP" altLang="en-US" dirty="0"/>
@@ -22384,2355 +22733,64 @@
       </p:grpSpPr>
       <p:sp>
         <p:nvSpPr>
-          <p:cNvPr id="4" name="正方形/長方形 3"/>
-          <p:cNvSpPr/>
+          <p:cNvPr id="2" name="タイトル 1"/>
+          <p:cNvSpPr>
+            <a:spLocks noGrp="1"/>
+          </p:cNvSpPr>
+          <p:nvPr>
+            <p:ph type="title"/>
+          </p:nvPr>
+        </p:nvSpPr>
+        <p:spPr/>
+        <p:txBody>
+          <a:bodyPr>
+            <a:normAutofit fontScale="90000"/>
+          </a:bodyPr>
+          <a:lstStyle/>
+          <a:p>
+            <a:r>
+              <a:rPr lang="ja-JP" altLang="en-US" dirty="0" smtClean="0"/>
+              <a:t>ブラウザによるエラーダイアログ</a:t>
+            </a:r>
+            <a:endParaRPr kumimoji="1" lang="ja-JP" altLang="en-US" dirty="0"/>
+          </a:p>
+        </p:txBody>
+      </p:sp>
+      <p:pic>
+        <p:nvPicPr>
+          <p:cNvPr id="5122" name="Picture 2"/>
+          <p:cNvPicPr>
+            <a:picLocks noChangeAspect="1" noChangeArrowheads="1"/>
+          </p:cNvPicPr>
           <p:nvPr/>
-        </p:nvSpPr>
-        <p:spPr>
+        </p:nvPicPr>
+        <p:blipFill>
+          <a:blip r:embed="rId2" cstate="print"/>
+          <a:srcRect/>
+          <a:stretch>
+            <a:fillRect/>
+          </a:stretch>
+        </p:blipFill>
+        <p:spPr bwMode="auto">
           <a:xfrm>
-            <a:off x="1187624" y="44624"/>
-            <a:ext cx="6120680" cy="6624736"/>
+            <a:off x="3405188" y="2709863"/>
+            <a:ext cx="2333625" cy="1438275"/>
           </a:xfrm>
           <a:prstGeom prst="rect">
             <a:avLst/>
           </a:prstGeom>
+          <a:noFill/>
+          <a:ln w="9525">
+            <a:noFill/>
+            <a:miter lim="800000"/>
+            <a:headEnd/>
+            <a:tailEnd/>
+          </a:ln>
         </p:spPr>
-        <p:style>
-          <a:lnRef idx="2">
-            <a:schemeClr val="accent4"/>
-          </a:lnRef>
-          <a:fillRef idx="1">
-            <a:schemeClr val="lt1"/>
-          </a:fillRef>
-          <a:effectRef idx="0">
-            <a:schemeClr val="accent4"/>
-          </a:effectRef>
-          <a:fontRef idx="minor">
-            <a:schemeClr val="dk1"/>
-          </a:fontRef>
-        </p:style>
-        <p:txBody>
-          <a:bodyPr rtlCol="0" anchor="t"/>
-          <a:lstStyle/>
-          <a:p>
-            <a:r>
-              <a:rPr lang="ja-JP" altLang="en-US" sz="1400" dirty="0" smtClean="0">
-                <a:latin typeface="HGPｺﾞｼｯｸE" pitchFamily="50" charset="-128"/>
-                <a:ea typeface="HGPｺﾞｼｯｸE" pitchFamily="50" charset="-128"/>
-              </a:rPr>
-              <a:t>ページ</a:t>
-            </a:r>
-            <a:endParaRPr kumimoji="1" lang="ja-JP" altLang="en-US" sz="1400" dirty="0">
-              <a:latin typeface="HGPｺﾞｼｯｸE" pitchFamily="50" charset="-128"/>
-              <a:ea typeface="HGPｺﾞｼｯｸE" pitchFamily="50" charset="-128"/>
-            </a:endParaRPr>
-          </a:p>
-        </p:txBody>
-      </p:sp>
+      </p:pic>
       <p:sp>
         <p:nvSpPr>
-          <p:cNvPr id="5" name="正方形/長方形 4"/>
-          <p:cNvSpPr/>
-          <p:nvPr/>
-        </p:nvSpPr>
-        <p:spPr>
-          <a:xfrm>
-            <a:off x="1259631" y="332656"/>
-            <a:ext cx="5976665" cy="1296144"/>
-          </a:xfrm>
-          <a:prstGeom prst="rect">
-            <a:avLst/>
-          </a:prstGeom>
-          <a:solidFill>
-            <a:schemeClr val="bg1">
-              <a:lumMod val="95000"/>
-            </a:schemeClr>
-          </a:solidFill>
-        </p:spPr>
-        <p:style>
-          <a:lnRef idx="2">
-            <a:schemeClr val="accent1"/>
-          </a:lnRef>
-          <a:fillRef idx="1">
-            <a:schemeClr val="lt1"/>
-          </a:fillRef>
-          <a:effectRef idx="0">
-            <a:schemeClr val="accent1"/>
-          </a:effectRef>
-          <a:fontRef idx="minor">
-            <a:schemeClr val="dk1"/>
-          </a:fontRef>
-        </p:style>
-        <p:txBody>
-          <a:bodyPr rtlCol="0" anchor="t"/>
-          <a:lstStyle/>
-          <a:p>
-            <a:r>
-              <a:rPr lang="ja-JP" altLang="en-US" sz="1400" dirty="0" smtClean="0">
-                <a:latin typeface="HGPｺﾞｼｯｸE" pitchFamily="50" charset="-128"/>
-                <a:ea typeface="HGPｺﾞｼｯｸE" pitchFamily="50" charset="-128"/>
-              </a:rPr>
-              <a:t>ヘッダーコンテナー</a:t>
-            </a:r>
-          </a:p>
-        </p:txBody>
-      </p:sp>
-      <p:sp>
-        <p:nvSpPr>
-          <p:cNvPr id="7" name="正方形/長方形 6"/>
-          <p:cNvSpPr/>
-          <p:nvPr/>
-        </p:nvSpPr>
-        <p:spPr>
-          <a:xfrm>
-            <a:off x="1259632" y="1700808"/>
-            <a:ext cx="1584176" cy="3528392"/>
-          </a:xfrm>
-          <a:prstGeom prst="rect">
-            <a:avLst/>
-          </a:prstGeom>
-          <a:solidFill>
-            <a:schemeClr val="bg1">
-              <a:lumMod val="95000"/>
-            </a:schemeClr>
-          </a:solidFill>
-        </p:spPr>
-        <p:style>
-          <a:lnRef idx="2">
-            <a:schemeClr val="accent1"/>
-          </a:lnRef>
-          <a:fillRef idx="1">
-            <a:schemeClr val="lt1"/>
-          </a:fillRef>
-          <a:effectRef idx="0">
-            <a:schemeClr val="accent1"/>
-          </a:effectRef>
-          <a:fontRef idx="minor">
-            <a:schemeClr val="dk1"/>
-          </a:fontRef>
-        </p:style>
-        <p:txBody>
-          <a:bodyPr rtlCol="0" anchor="t"/>
-          <a:lstStyle/>
-          <a:p>
-            <a:r>
-              <a:rPr lang="ja-JP" altLang="en-US" sz="1400" dirty="0" smtClean="0">
-                <a:latin typeface="HGPｺﾞｼｯｸE" pitchFamily="50" charset="-128"/>
-                <a:ea typeface="HGPｺﾞｼｯｸE" pitchFamily="50" charset="-128"/>
-              </a:rPr>
-              <a:t>レフトコンテナー</a:t>
-            </a:r>
-          </a:p>
-        </p:txBody>
-      </p:sp>
-      <p:sp>
-        <p:nvSpPr>
-          <p:cNvPr id="9" name="正方形/長方形 8"/>
-          <p:cNvSpPr/>
-          <p:nvPr/>
-        </p:nvSpPr>
-        <p:spPr>
-          <a:xfrm>
-            <a:off x="2915816" y="1700808"/>
-            <a:ext cx="2664296" cy="3528392"/>
-          </a:xfrm>
-          <a:prstGeom prst="rect">
-            <a:avLst/>
-          </a:prstGeom>
-          <a:solidFill>
-            <a:schemeClr val="bg1">
-              <a:lumMod val="95000"/>
-            </a:schemeClr>
-          </a:solidFill>
-        </p:spPr>
-        <p:style>
-          <a:lnRef idx="2">
-            <a:schemeClr val="accent1"/>
-          </a:lnRef>
-          <a:fillRef idx="1">
-            <a:schemeClr val="lt1"/>
-          </a:fillRef>
-          <a:effectRef idx="0">
-            <a:schemeClr val="accent1"/>
-          </a:effectRef>
-          <a:fontRef idx="minor">
-            <a:schemeClr val="dk1"/>
-          </a:fontRef>
-        </p:style>
-        <p:txBody>
-          <a:bodyPr rtlCol="0" anchor="t"/>
-          <a:lstStyle/>
-          <a:p>
-            <a:r>
-              <a:rPr lang="ja-JP" altLang="en-US" sz="1400" dirty="0" smtClean="0">
-                <a:latin typeface="HGPｺﾞｼｯｸE" pitchFamily="50" charset="-128"/>
-                <a:ea typeface="HGPｺﾞｼｯｸE" pitchFamily="50" charset="-128"/>
-              </a:rPr>
-              <a:t>メインコンテナー</a:t>
-            </a:r>
-          </a:p>
-        </p:txBody>
-      </p:sp>
-      <p:sp>
-        <p:nvSpPr>
-          <p:cNvPr id="10" name="正方形/長方形 9"/>
-          <p:cNvSpPr/>
-          <p:nvPr/>
-        </p:nvSpPr>
-        <p:spPr>
-          <a:xfrm>
-            <a:off x="1331640" y="620688"/>
-            <a:ext cx="5832648" cy="936104"/>
-          </a:xfrm>
-          <a:prstGeom prst="rect">
-            <a:avLst/>
-          </a:prstGeom>
-        </p:spPr>
-        <p:style>
-          <a:lnRef idx="2">
-            <a:schemeClr val="accent5"/>
-          </a:lnRef>
-          <a:fillRef idx="1">
-            <a:schemeClr val="lt1"/>
-          </a:fillRef>
-          <a:effectRef idx="0">
-            <a:schemeClr val="accent5"/>
-          </a:effectRef>
-          <a:fontRef idx="minor">
-            <a:schemeClr val="dk1"/>
-          </a:fontRef>
-        </p:style>
-        <p:txBody>
-          <a:bodyPr rtlCol="0" anchor="t"/>
-          <a:lstStyle/>
-          <a:p>
-            <a:r>
-              <a:rPr kumimoji="1" lang="ja-JP" altLang="en-US" sz="1400" dirty="0" smtClean="0">
-                <a:latin typeface="HGPｺﾞｼｯｸE" pitchFamily="50" charset="-128"/>
-                <a:ea typeface="HGPｺﾞｼｯｸE" pitchFamily="50" charset="-128"/>
-              </a:rPr>
-              <a:t>ボックス</a:t>
-            </a:r>
-            <a:endParaRPr kumimoji="1" lang="ja-JP" altLang="en-US" sz="1400" dirty="0">
-              <a:latin typeface="HGPｺﾞｼｯｸE" pitchFamily="50" charset="-128"/>
-              <a:ea typeface="HGPｺﾞｼｯｸE" pitchFamily="50" charset="-128"/>
-            </a:endParaRPr>
-          </a:p>
-        </p:txBody>
-      </p:sp>
-      <p:sp>
-        <p:nvSpPr>
-          <p:cNvPr id="12" name="正方形/長方形 11"/>
-          <p:cNvSpPr/>
-          <p:nvPr/>
-        </p:nvSpPr>
-        <p:spPr>
-          <a:xfrm>
-            <a:off x="1331640" y="1988840"/>
-            <a:ext cx="1440160" cy="3168352"/>
-          </a:xfrm>
-          <a:prstGeom prst="rect">
-            <a:avLst/>
-          </a:prstGeom>
-        </p:spPr>
-        <p:style>
-          <a:lnRef idx="2">
-            <a:schemeClr val="accent5"/>
-          </a:lnRef>
-          <a:fillRef idx="1">
-            <a:schemeClr val="lt1"/>
-          </a:fillRef>
-          <a:effectRef idx="0">
-            <a:schemeClr val="accent5"/>
-          </a:effectRef>
-          <a:fontRef idx="minor">
-            <a:schemeClr val="dk1"/>
-          </a:fontRef>
-        </p:style>
-        <p:txBody>
-          <a:bodyPr rtlCol="0" anchor="t"/>
-          <a:lstStyle/>
-          <a:p>
-            <a:r>
-              <a:rPr kumimoji="1" lang="ja-JP" altLang="en-US" sz="1400" dirty="0" smtClean="0">
-                <a:latin typeface="HGPｺﾞｼｯｸE" pitchFamily="50" charset="-128"/>
-                <a:ea typeface="HGPｺﾞｼｯｸE" pitchFamily="50" charset="-128"/>
-              </a:rPr>
-              <a:t>ボックス</a:t>
-            </a:r>
-            <a:endParaRPr kumimoji="1" lang="ja-JP" altLang="en-US" sz="1400" dirty="0">
-              <a:latin typeface="HGPｺﾞｼｯｸE" pitchFamily="50" charset="-128"/>
-              <a:ea typeface="HGPｺﾞｼｯｸE" pitchFamily="50" charset="-128"/>
-            </a:endParaRPr>
-          </a:p>
-        </p:txBody>
-      </p:sp>
-      <p:sp>
-        <p:nvSpPr>
-          <p:cNvPr id="14" name="正方形/長方形 13"/>
-          <p:cNvSpPr/>
-          <p:nvPr/>
-        </p:nvSpPr>
-        <p:spPr>
-          <a:xfrm>
-            <a:off x="2987824" y="1988840"/>
-            <a:ext cx="2520280" cy="3168352"/>
-          </a:xfrm>
-          <a:prstGeom prst="rect">
-            <a:avLst/>
-          </a:prstGeom>
-        </p:spPr>
-        <p:style>
-          <a:lnRef idx="2">
-            <a:schemeClr val="accent5"/>
-          </a:lnRef>
-          <a:fillRef idx="1">
-            <a:schemeClr val="lt1"/>
-          </a:fillRef>
-          <a:effectRef idx="0">
-            <a:schemeClr val="accent5"/>
-          </a:effectRef>
-          <a:fontRef idx="minor">
-            <a:schemeClr val="dk1"/>
-          </a:fontRef>
-        </p:style>
-        <p:txBody>
-          <a:bodyPr rtlCol="0" anchor="t"/>
-          <a:lstStyle/>
-          <a:p>
-            <a:r>
-              <a:rPr kumimoji="1" lang="ja-JP" altLang="en-US" sz="1400" dirty="0" smtClean="0">
-                <a:latin typeface="HGPｺﾞｼｯｸE" pitchFamily="50" charset="-128"/>
-                <a:ea typeface="HGPｺﾞｼｯｸE" pitchFamily="50" charset="-128"/>
-              </a:rPr>
-              <a:t>ボックス</a:t>
-            </a:r>
-            <a:endParaRPr kumimoji="1" lang="ja-JP" altLang="en-US" sz="1400" dirty="0">
-              <a:latin typeface="HGPｺﾞｼｯｸE" pitchFamily="50" charset="-128"/>
-              <a:ea typeface="HGPｺﾞｼｯｸE" pitchFamily="50" charset="-128"/>
-            </a:endParaRPr>
-          </a:p>
-        </p:txBody>
-      </p:sp>
-      <p:sp>
-        <p:nvSpPr>
-          <p:cNvPr id="15" name="正方形/長方形 14"/>
-          <p:cNvSpPr/>
-          <p:nvPr/>
-        </p:nvSpPr>
-        <p:spPr>
-          <a:xfrm>
-            <a:off x="1403648" y="908720"/>
-            <a:ext cx="2808312" cy="576064"/>
-          </a:xfrm>
-          <a:prstGeom prst="rect">
-            <a:avLst/>
-          </a:prstGeom>
-          <a:solidFill>
-            <a:schemeClr val="bg1">
-              <a:lumMod val="95000"/>
-            </a:schemeClr>
-          </a:solidFill>
-        </p:spPr>
-        <p:style>
-          <a:lnRef idx="2">
-            <a:schemeClr val="accent3"/>
-          </a:lnRef>
-          <a:fillRef idx="1">
-            <a:schemeClr val="lt1"/>
-          </a:fillRef>
-          <a:effectRef idx="0">
-            <a:schemeClr val="accent3"/>
-          </a:effectRef>
-          <a:fontRef idx="minor">
-            <a:schemeClr val="dk1"/>
-          </a:fontRef>
-        </p:style>
-        <p:txBody>
-          <a:bodyPr rtlCol="0" anchor="t"/>
-          <a:lstStyle/>
-          <a:p>
-            <a:r>
-              <a:rPr kumimoji="1" lang="ja-JP" altLang="en-US" sz="1400" dirty="0" smtClean="0">
-                <a:latin typeface="HGPｺﾞｼｯｸE" pitchFamily="50" charset="-128"/>
-                <a:ea typeface="HGPｺﾞｼｯｸE" pitchFamily="50" charset="-128"/>
-              </a:rPr>
-              <a:t>フレーム</a:t>
-            </a:r>
-            <a:endParaRPr kumimoji="1" lang="ja-JP" altLang="en-US" sz="1400" dirty="0">
-              <a:latin typeface="HGPｺﾞｼｯｸE" pitchFamily="50" charset="-128"/>
-              <a:ea typeface="HGPｺﾞｼｯｸE" pitchFamily="50" charset="-128"/>
-            </a:endParaRPr>
-          </a:p>
-        </p:txBody>
-      </p:sp>
-      <p:sp>
-        <p:nvSpPr>
-          <p:cNvPr id="17" name="正方形/長方形 16"/>
-          <p:cNvSpPr/>
-          <p:nvPr/>
-        </p:nvSpPr>
-        <p:spPr>
-          <a:xfrm>
-            <a:off x="1403648" y="2276872"/>
-            <a:ext cx="1296144" cy="1368152"/>
-          </a:xfrm>
-          <a:prstGeom prst="rect">
-            <a:avLst/>
-          </a:prstGeom>
-          <a:solidFill>
-            <a:schemeClr val="bg1">
-              <a:lumMod val="95000"/>
-            </a:schemeClr>
-          </a:solidFill>
-        </p:spPr>
-        <p:style>
-          <a:lnRef idx="2">
-            <a:schemeClr val="accent3"/>
-          </a:lnRef>
-          <a:fillRef idx="1">
-            <a:schemeClr val="lt1"/>
-          </a:fillRef>
-          <a:effectRef idx="0">
-            <a:schemeClr val="accent3"/>
-          </a:effectRef>
-          <a:fontRef idx="minor">
-            <a:schemeClr val="dk1"/>
-          </a:fontRef>
-        </p:style>
-        <p:txBody>
-          <a:bodyPr rtlCol="0" anchor="t"/>
-          <a:lstStyle/>
-          <a:p>
-            <a:r>
-              <a:rPr kumimoji="1" lang="ja-JP" altLang="en-US" sz="1400" dirty="0" smtClean="0">
-                <a:latin typeface="HGPｺﾞｼｯｸE" pitchFamily="50" charset="-128"/>
-                <a:ea typeface="HGPｺﾞｼｯｸE" pitchFamily="50" charset="-128"/>
-              </a:rPr>
-              <a:t>フレーム</a:t>
-            </a:r>
-            <a:endParaRPr kumimoji="1" lang="ja-JP" altLang="en-US" sz="1400" dirty="0">
-              <a:latin typeface="HGPｺﾞｼｯｸE" pitchFamily="50" charset="-128"/>
-              <a:ea typeface="HGPｺﾞｼｯｸE" pitchFamily="50" charset="-128"/>
-            </a:endParaRPr>
-          </a:p>
-        </p:txBody>
-      </p:sp>
-      <p:sp>
-        <p:nvSpPr>
-          <p:cNvPr id="18" name="正方形/長方形 17"/>
-          <p:cNvSpPr/>
-          <p:nvPr/>
-        </p:nvSpPr>
-        <p:spPr>
-          <a:xfrm>
-            <a:off x="3059832" y="2276871"/>
-            <a:ext cx="2376264" cy="1368153"/>
-          </a:xfrm>
-          <a:prstGeom prst="rect">
-            <a:avLst/>
-          </a:prstGeom>
-          <a:solidFill>
-            <a:schemeClr val="bg1">
-              <a:lumMod val="95000"/>
-            </a:schemeClr>
-          </a:solidFill>
-        </p:spPr>
-        <p:style>
-          <a:lnRef idx="2">
-            <a:schemeClr val="accent3"/>
-          </a:lnRef>
-          <a:fillRef idx="1">
-            <a:schemeClr val="lt1"/>
-          </a:fillRef>
-          <a:effectRef idx="0">
-            <a:schemeClr val="accent3"/>
-          </a:effectRef>
-          <a:fontRef idx="minor">
-            <a:schemeClr val="dk1"/>
-          </a:fontRef>
-        </p:style>
-        <p:txBody>
-          <a:bodyPr rtlCol="0" anchor="t"/>
-          <a:lstStyle/>
-          <a:p>
-            <a:r>
-              <a:rPr kumimoji="1" lang="ja-JP" altLang="en-US" sz="1400" dirty="0" smtClean="0">
-                <a:latin typeface="HGPｺﾞｼｯｸE" pitchFamily="50" charset="-128"/>
-                <a:ea typeface="HGPｺﾞｼｯｸE" pitchFamily="50" charset="-128"/>
-              </a:rPr>
-              <a:t>フレーム</a:t>
-            </a:r>
-            <a:endParaRPr kumimoji="1" lang="ja-JP" altLang="en-US" sz="1400" dirty="0">
-              <a:latin typeface="HGPｺﾞｼｯｸE" pitchFamily="50" charset="-128"/>
-              <a:ea typeface="HGPｺﾞｼｯｸE" pitchFamily="50" charset="-128"/>
-            </a:endParaRPr>
-          </a:p>
-        </p:txBody>
-      </p:sp>
-      <p:sp>
-        <p:nvSpPr>
-          <p:cNvPr id="20" name="正方形/長方形 19"/>
-          <p:cNvSpPr/>
-          <p:nvPr/>
-        </p:nvSpPr>
-        <p:spPr>
-          <a:xfrm>
-            <a:off x="2267744" y="980728"/>
-            <a:ext cx="1872208" cy="432048"/>
-          </a:xfrm>
-          <a:prstGeom prst="rect">
-            <a:avLst/>
-          </a:prstGeom>
-        </p:spPr>
-        <p:style>
-          <a:lnRef idx="2">
-            <a:schemeClr val="accent6"/>
-          </a:lnRef>
-          <a:fillRef idx="1">
-            <a:schemeClr val="lt1"/>
-          </a:fillRef>
-          <a:effectRef idx="0">
-            <a:schemeClr val="accent6"/>
-          </a:effectRef>
-          <a:fontRef idx="minor">
-            <a:schemeClr val="dk1"/>
-          </a:fontRef>
-        </p:style>
-        <p:txBody>
-          <a:bodyPr rtlCol="0" anchor="t"/>
-          <a:lstStyle/>
-          <a:p>
-            <a:r>
-              <a:rPr lang="ja-JP" altLang="en-US" sz="1400" dirty="0" smtClean="0">
-                <a:latin typeface="HGPｺﾞｼｯｸE" pitchFamily="50" charset="-128"/>
-                <a:ea typeface="HGPｺﾞｼｯｸE" pitchFamily="50" charset="-128"/>
-              </a:rPr>
-              <a:t>ブロック</a:t>
-            </a:r>
-            <a:endParaRPr kumimoji="1" lang="ja-JP" altLang="en-US" sz="1400" dirty="0">
-              <a:latin typeface="HGPｺﾞｼｯｸE" pitchFamily="50" charset="-128"/>
-              <a:ea typeface="HGPｺﾞｼｯｸE" pitchFamily="50" charset="-128"/>
-            </a:endParaRPr>
-          </a:p>
-        </p:txBody>
-      </p:sp>
-      <p:sp>
-        <p:nvSpPr>
-          <p:cNvPr id="22" name="正方形/長方形 21"/>
-          <p:cNvSpPr/>
-          <p:nvPr/>
-        </p:nvSpPr>
-        <p:spPr>
-          <a:xfrm>
-            <a:off x="1475656" y="2564904"/>
-            <a:ext cx="1152128" cy="1008112"/>
-          </a:xfrm>
-          <a:prstGeom prst="rect">
-            <a:avLst/>
-          </a:prstGeom>
-        </p:spPr>
-        <p:style>
-          <a:lnRef idx="2">
-            <a:schemeClr val="accent6"/>
-          </a:lnRef>
-          <a:fillRef idx="1">
-            <a:schemeClr val="lt1"/>
-          </a:fillRef>
-          <a:effectRef idx="0">
-            <a:schemeClr val="accent6"/>
-          </a:effectRef>
-          <a:fontRef idx="minor">
-            <a:schemeClr val="dk1"/>
-          </a:fontRef>
-        </p:style>
-        <p:txBody>
-          <a:bodyPr rtlCol="0" anchor="t"/>
-          <a:lstStyle/>
-          <a:p>
-            <a:r>
-              <a:rPr lang="ja-JP" altLang="en-US" sz="1400" dirty="0" smtClean="0">
-                <a:latin typeface="HGPｺﾞｼｯｸE" pitchFamily="50" charset="-128"/>
-                <a:ea typeface="HGPｺﾞｼｯｸE" pitchFamily="50" charset="-128"/>
-              </a:rPr>
-              <a:t>ブロック</a:t>
-            </a:r>
-            <a:endParaRPr kumimoji="1" lang="ja-JP" altLang="en-US" sz="1400" dirty="0">
-              <a:latin typeface="HGPｺﾞｼｯｸE" pitchFamily="50" charset="-128"/>
-              <a:ea typeface="HGPｺﾞｼｯｸE" pitchFamily="50" charset="-128"/>
-            </a:endParaRPr>
-          </a:p>
-        </p:txBody>
-      </p:sp>
-      <p:sp>
-        <p:nvSpPr>
-          <p:cNvPr id="24" name="正方形/長方形 23"/>
-          <p:cNvSpPr/>
-          <p:nvPr/>
-        </p:nvSpPr>
-        <p:spPr>
-          <a:xfrm>
-            <a:off x="3131840" y="2564904"/>
-            <a:ext cx="2232248" cy="1008112"/>
-          </a:xfrm>
-          <a:prstGeom prst="rect">
-            <a:avLst/>
-          </a:prstGeom>
-        </p:spPr>
-        <p:style>
-          <a:lnRef idx="2">
-            <a:schemeClr val="accent6"/>
-          </a:lnRef>
-          <a:fillRef idx="1">
-            <a:schemeClr val="lt1"/>
-          </a:fillRef>
-          <a:effectRef idx="0">
-            <a:schemeClr val="accent6"/>
-          </a:effectRef>
-          <a:fontRef idx="minor">
-            <a:schemeClr val="dk1"/>
-          </a:fontRef>
-        </p:style>
-        <p:txBody>
-          <a:bodyPr rtlCol="0" anchor="t"/>
-          <a:lstStyle/>
-          <a:p>
-            <a:r>
-              <a:rPr lang="ja-JP" altLang="en-US" sz="1400" dirty="0" smtClean="0">
-                <a:latin typeface="HGPｺﾞｼｯｸE" pitchFamily="50" charset="-128"/>
-                <a:ea typeface="HGPｺﾞｼｯｸE" pitchFamily="50" charset="-128"/>
-              </a:rPr>
-              <a:t>ブロック</a:t>
-            </a:r>
-            <a:endParaRPr kumimoji="1" lang="ja-JP" altLang="en-US" sz="1400" dirty="0">
-              <a:latin typeface="HGPｺﾞｼｯｸE" pitchFamily="50" charset="-128"/>
-              <a:ea typeface="HGPｺﾞｼｯｸE" pitchFamily="50" charset="-128"/>
-            </a:endParaRPr>
-          </a:p>
-        </p:txBody>
-      </p:sp>
-      <p:sp>
-        <p:nvSpPr>
-          <p:cNvPr id="31" name="正方形/長方形 30"/>
-          <p:cNvSpPr/>
-          <p:nvPr/>
-        </p:nvSpPr>
-        <p:spPr>
-          <a:xfrm>
-            <a:off x="1547664" y="2852936"/>
-            <a:ext cx="1008112" cy="288032"/>
-          </a:xfrm>
-          <a:prstGeom prst="rect">
-            <a:avLst/>
-          </a:prstGeom>
-          <a:solidFill>
-            <a:schemeClr val="bg1">
-              <a:lumMod val="95000"/>
-            </a:schemeClr>
-          </a:solidFill>
-        </p:spPr>
-        <p:style>
-          <a:lnRef idx="2">
-            <a:schemeClr val="accent2"/>
-          </a:lnRef>
-          <a:fillRef idx="1">
-            <a:schemeClr val="lt1"/>
-          </a:fillRef>
-          <a:effectRef idx="0">
-            <a:schemeClr val="accent2"/>
-          </a:effectRef>
-          <a:fontRef idx="minor">
-            <a:schemeClr val="dk1"/>
-          </a:fontRef>
-        </p:style>
-        <p:txBody>
-          <a:bodyPr rtlCol="0" anchor="t"/>
-          <a:lstStyle/>
-          <a:p>
-            <a:r>
-              <a:rPr kumimoji="1" lang="ja-JP" altLang="en-US" sz="1400" dirty="0" smtClean="0">
-                <a:latin typeface="HGPｺﾞｼｯｸE" pitchFamily="50" charset="-128"/>
-                <a:ea typeface="HGPｺﾞｼｯｸE" pitchFamily="50" charset="-128"/>
-              </a:rPr>
-              <a:t>コンテンツ</a:t>
-            </a:r>
-            <a:endParaRPr kumimoji="1" lang="ja-JP" altLang="en-US" sz="1400" dirty="0">
-              <a:latin typeface="HGPｺﾞｼｯｸE" pitchFamily="50" charset="-128"/>
-              <a:ea typeface="HGPｺﾞｼｯｸE" pitchFamily="50" charset="-128"/>
-            </a:endParaRPr>
-          </a:p>
-        </p:txBody>
-      </p:sp>
-      <p:sp>
-        <p:nvSpPr>
-          <p:cNvPr id="32" name="正方形/長方形 31"/>
-          <p:cNvSpPr/>
-          <p:nvPr/>
-        </p:nvSpPr>
-        <p:spPr>
-          <a:xfrm>
-            <a:off x="3203848" y="2852936"/>
-            <a:ext cx="2088232" cy="288032"/>
-          </a:xfrm>
-          <a:prstGeom prst="rect">
-            <a:avLst/>
-          </a:prstGeom>
-          <a:solidFill>
-            <a:schemeClr val="bg1">
-              <a:lumMod val="95000"/>
-            </a:schemeClr>
-          </a:solidFill>
-        </p:spPr>
-        <p:style>
-          <a:lnRef idx="2">
-            <a:schemeClr val="accent2"/>
-          </a:lnRef>
-          <a:fillRef idx="1">
-            <a:schemeClr val="lt1"/>
-          </a:fillRef>
-          <a:effectRef idx="0">
-            <a:schemeClr val="accent2"/>
-          </a:effectRef>
-          <a:fontRef idx="minor">
-            <a:schemeClr val="dk1"/>
-          </a:fontRef>
-        </p:style>
-        <p:txBody>
-          <a:bodyPr rtlCol="0" anchor="t"/>
-          <a:lstStyle/>
-          <a:p>
-            <a:pPr algn="ctr"/>
-            <a:r>
-              <a:rPr kumimoji="1" lang="ja-JP" altLang="en-US" sz="1400" dirty="0" smtClean="0">
-                <a:latin typeface="HGPｺﾞｼｯｸE" pitchFamily="50" charset="-128"/>
-                <a:ea typeface="HGPｺﾞｼｯｸE" pitchFamily="50" charset="-128"/>
-              </a:rPr>
-              <a:t>コンテンツ</a:t>
-            </a:r>
-            <a:endParaRPr kumimoji="1" lang="ja-JP" altLang="en-US" sz="1400" dirty="0">
-              <a:latin typeface="HGPｺﾞｼｯｸE" pitchFamily="50" charset="-128"/>
-              <a:ea typeface="HGPｺﾞｼｯｸE" pitchFamily="50" charset="-128"/>
-            </a:endParaRPr>
-          </a:p>
-        </p:txBody>
-      </p:sp>
-      <p:sp>
-        <p:nvSpPr>
-          <p:cNvPr id="34" name="正方形/長方形 33"/>
-          <p:cNvSpPr/>
-          <p:nvPr/>
-        </p:nvSpPr>
-        <p:spPr>
-          <a:xfrm>
-            <a:off x="3059832" y="1052736"/>
-            <a:ext cx="1008112" cy="288032"/>
-          </a:xfrm>
-          <a:prstGeom prst="rect">
-            <a:avLst/>
-          </a:prstGeom>
-          <a:solidFill>
-            <a:schemeClr val="bg1">
-              <a:lumMod val="95000"/>
-            </a:schemeClr>
-          </a:solidFill>
-        </p:spPr>
-        <p:style>
-          <a:lnRef idx="2">
-            <a:schemeClr val="accent2"/>
-          </a:lnRef>
-          <a:fillRef idx="1">
-            <a:schemeClr val="lt1"/>
-          </a:fillRef>
-          <a:effectRef idx="0">
-            <a:schemeClr val="accent2"/>
-          </a:effectRef>
-          <a:fontRef idx="minor">
-            <a:schemeClr val="dk1"/>
-          </a:fontRef>
-        </p:style>
-        <p:txBody>
-          <a:bodyPr rtlCol="0" anchor="t"/>
-          <a:lstStyle/>
-          <a:p>
-            <a:r>
-              <a:rPr kumimoji="1" lang="ja-JP" altLang="en-US" sz="1400" dirty="0" smtClean="0">
-                <a:latin typeface="HGPｺﾞｼｯｸE" pitchFamily="50" charset="-128"/>
-                <a:ea typeface="HGPｺﾞｼｯｸE" pitchFamily="50" charset="-128"/>
-              </a:rPr>
-              <a:t>コンテンツ</a:t>
-            </a:r>
-            <a:endParaRPr kumimoji="1" lang="ja-JP" altLang="en-US" sz="1400" dirty="0">
-              <a:latin typeface="HGPｺﾞｼｯｸE" pitchFamily="50" charset="-128"/>
-              <a:ea typeface="HGPｺﾞｼｯｸE" pitchFamily="50" charset="-128"/>
-            </a:endParaRPr>
-          </a:p>
-        </p:txBody>
-      </p:sp>
-      <p:sp>
-        <p:nvSpPr>
-          <p:cNvPr id="42" name="正方形/長方形 41"/>
-          <p:cNvSpPr/>
-          <p:nvPr/>
-        </p:nvSpPr>
-        <p:spPr>
-          <a:xfrm>
-            <a:off x="1547664" y="3212976"/>
-            <a:ext cx="1008112" cy="288032"/>
-          </a:xfrm>
-          <a:prstGeom prst="rect">
-            <a:avLst/>
-          </a:prstGeom>
-          <a:solidFill>
-            <a:schemeClr val="bg1">
-              <a:lumMod val="95000"/>
-            </a:schemeClr>
-          </a:solidFill>
-        </p:spPr>
-        <p:style>
-          <a:lnRef idx="2">
-            <a:schemeClr val="accent2"/>
-          </a:lnRef>
-          <a:fillRef idx="1">
-            <a:schemeClr val="lt1"/>
-          </a:fillRef>
-          <a:effectRef idx="0">
-            <a:schemeClr val="accent2"/>
-          </a:effectRef>
-          <a:fontRef idx="minor">
-            <a:schemeClr val="dk1"/>
-          </a:fontRef>
-        </p:style>
-        <p:txBody>
-          <a:bodyPr rtlCol="0" anchor="t"/>
-          <a:lstStyle/>
-          <a:p>
-            <a:r>
-              <a:rPr kumimoji="1" lang="ja-JP" altLang="en-US" sz="1400" dirty="0" smtClean="0">
-                <a:latin typeface="HGPｺﾞｼｯｸE" pitchFamily="50" charset="-128"/>
-                <a:ea typeface="HGPｺﾞｼｯｸE" pitchFamily="50" charset="-128"/>
-              </a:rPr>
-              <a:t>コンテンツ</a:t>
-            </a:r>
-            <a:endParaRPr kumimoji="1" lang="ja-JP" altLang="en-US" sz="1400" dirty="0">
-              <a:latin typeface="HGPｺﾞｼｯｸE" pitchFamily="50" charset="-128"/>
-              <a:ea typeface="HGPｺﾞｼｯｸE" pitchFamily="50" charset="-128"/>
-            </a:endParaRPr>
-          </a:p>
-        </p:txBody>
-      </p:sp>
-      <p:sp>
-        <p:nvSpPr>
-          <p:cNvPr id="43" name="正方形/長方形 42"/>
-          <p:cNvSpPr/>
-          <p:nvPr/>
-        </p:nvSpPr>
-        <p:spPr>
-          <a:xfrm>
-            <a:off x="1403648" y="3717032"/>
-            <a:ext cx="1296144" cy="1368152"/>
-          </a:xfrm>
-          <a:prstGeom prst="rect">
-            <a:avLst/>
-          </a:prstGeom>
-          <a:solidFill>
-            <a:schemeClr val="bg1">
-              <a:lumMod val="95000"/>
-            </a:schemeClr>
-          </a:solidFill>
-        </p:spPr>
-        <p:style>
-          <a:lnRef idx="2">
-            <a:schemeClr val="accent3"/>
-          </a:lnRef>
-          <a:fillRef idx="1">
-            <a:schemeClr val="lt1"/>
-          </a:fillRef>
-          <a:effectRef idx="0">
-            <a:schemeClr val="accent3"/>
-          </a:effectRef>
-          <a:fontRef idx="minor">
-            <a:schemeClr val="dk1"/>
-          </a:fontRef>
-        </p:style>
-        <p:txBody>
-          <a:bodyPr rtlCol="0" anchor="t"/>
-          <a:lstStyle/>
-          <a:p>
-            <a:r>
-              <a:rPr kumimoji="1" lang="ja-JP" altLang="en-US" sz="1400" dirty="0" smtClean="0">
-                <a:latin typeface="HGPｺﾞｼｯｸE" pitchFamily="50" charset="-128"/>
-                <a:ea typeface="HGPｺﾞｼｯｸE" pitchFamily="50" charset="-128"/>
-              </a:rPr>
-              <a:t>フレーム</a:t>
-            </a:r>
-            <a:endParaRPr kumimoji="1" lang="ja-JP" altLang="en-US" sz="1400" dirty="0">
-              <a:latin typeface="HGPｺﾞｼｯｸE" pitchFamily="50" charset="-128"/>
-              <a:ea typeface="HGPｺﾞｼｯｸE" pitchFamily="50" charset="-128"/>
-            </a:endParaRPr>
-          </a:p>
-        </p:txBody>
-      </p:sp>
-      <p:sp>
-        <p:nvSpPr>
-          <p:cNvPr id="44" name="正方形/長方形 43"/>
-          <p:cNvSpPr/>
-          <p:nvPr/>
-        </p:nvSpPr>
-        <p:spPr>
-          <a:xfrm>
-            <a:off x="1475656" y="4005064"/>
-            <a:ext cx="1152128" cy="1008112"/>
-          </a:xfrm>
-          <a:prstGeom prst="rect">
-            <a:avLst/>
-          </a:prstGeom>
-        </p:spPr>
-        <p:style>
-          <a:lnRef idx="2">
-            <a:schemeClr val="accent6"/>
-          </a:lnRef>
-          <a:fillRef idx="1">
-            <a:schemeClr val="lt1"/>
-          </a:fillRef>
-          <a:effectRef idx="0">
-            <a:schemeClr val="accent6"/>
-          </a:effectRef>
-          <a:fontRef idx="minor">
-            <a:schemeClr val="dk1"/>
-          </a:fontRef>
-        </p:style>
-        <p:txBody>
-          <a:bodyPr rtlCol="0" anchor="t"/>
-          <a:lstStyle/>
-          <a:p>
-            <a:r>
-              <a:rPr lang="ja-JP" altLang="en-US" sz="1400" dirty="0" smtClean="0">
-                <a:latin typeface="HGPｺﾞｼｯｸE" pitchFamily="50" charset="-128"/>
-                <a:ea typeface="HGPｺﾞｼｯｸE" pitchFamily="50" charset="-128"/>
-              </a:rPr>
-              <a:t>ブロック</a:t>
-            </a:r>
-            <a:endParaRPr kumimoji="1" lang="ja-JP" altLang="en-US" sz="1400" dirty="0">
-              <a:latin typeface="HGPｺﾞｼｯｸE" pitchFamily="50" charset="-128"/>
-              <a:ea typeface="HGPｺﾞｼｯｸE" pitchFamily="50" charset="-128"/>
-            </a:endParaRPr>
-          </a:p>
-        </p:txBody>
-      </p:sp>
-      <p:sp>
-        <p:nvSpPr>
-          <p:cNvPr id="45" name="正方形/長方形 44"/>
-          <p:cNvSpPr/>
-          <p:nvPr/>
-        </p:nvSpPr>
-        <p:spPr>
-          <a:xfrm>
-            <a:off x="1547664" y="4293096"/>
-            <a:ext cx="1008112" cy="288032"/>
-          </a:xfrm>
-          <a:prstGeom prst="rect">
-            <a:avLst/>
-          </a:prstGeom>
-          <a:solidFill>
-            <a:schemeClr val="bg1">
-              <a:lumMod val="95000"/>
-            </a:schemeClr>
-          </a:solidFill>
-        </p:spPr>
-        <p:style>
-          <a:lnRef idx="2">
-            <a:schemeClr val="accent2"/>
-          </a:lnRef>
-          <a:fillRef idx="1">
-            <a:schemeClr val="lt1"/>
-          </a:fillRef>
-          <a:effectRef idx="0">
-            <a:schemeClr val="accent2"/>
-          </a:effectRef>
-          <a:fontRef idx="minor">
-            <a:schemeClr val="dk1"/>
-          </a:fontRef>
-        </p:style>
-        <p:txBody>
-          <a:bodyPr rtlCol="0" anchor="t"/>
-          <a:lstStyle/>
-          <a:p>
-            <a:r>
-              <a:rPr kumimoji="1" lang="ja-JP" altLang="en-US" sz="1400" dirty="0" smtClean="0">
-                <a:latin typeface="HGPｺﾞｼｯｸE" pitchFamily="50" charset="-128"/>
-                <a:ea typeface="HGPｺﾞｼｯｸE" pitchFamily="50" charset="-128"/>
-              </a:rPr>
-              <a:t>コンテンツ</a:t>
-            </a:r>
-            <a:endParaRPr kumimoji="1" lang="ja-JP" altLang="en-US" sz="1400" dirty="0">
-              <a:latin typeface="HGPｺﾞｼｯｸE" pitchFamily="50" charset="-128"/>
-              <a:ea typeface="HGPｺﾞｼｯｸE" pitchFamily="50" charset="-128"/>
-            </a:endParaRPr>
-          </a:p>
-        </p:txBody>
-      </p:sp>
-      <p:sp>
-        <p:nvSpPr>
-          <p:cNvPr id="46" name="正方形/長方形 45"/>
-          <p:cNvSpPr/>
-          <p:nvPr/>
-        </p:nvSpPr>
-        <p:spPr>
-          <a:xfrm>
-            <a:off x="1547664" y="4653136"/>
-            <a:ext cx="1008112" cy="288032"/>
-          </a:xfrm>
-          <a:prstGeom prst="rect">
-            <a:avLst/>
-          </a:prstGeom>
-          <a:solidFill>
-            <a:schemeClr val="bg1">
-              <a:lumMod val="95000"/>
-            </a:schemeClr>
-          </a:solidFill>
-        </p:spPr>
-        <p:style>
-          <a:lnRef idx="2">
-            <a:schemeClr val="accent2"/>
-          </a:lnRef>
-          <a:fillRef idx="1">
-            <a:schemeClr val="lt1"/>
-          </a:fillRef>
-          <a:effectRef idx="0">
-            <a:schemeClr val="accent2"/>
-          </a:effectRef>
-          <a:fontRef idx="minor">
-            <a:schemeClr val="dk1"/>
-          </a:fontRef>
-        </p:style>
-        <p:txBody>
-          <a:bodyPr rtlCol="0" anchor="t"/>
-          <a:lstStyle/>
-          <a:p>
-            <a:r>
-              <a:rPr kumimoji="1" lang="ja-JP" altLang="en-US" sz="1400" dirty="0" smtClean="0">
-                <a:latin typeface="HGPｺﾞｼｯｸE" pitchFamily="50" charset="-128"/>
-                <a:ea typeface="HGPｺﾞｼｯｸE" pitchFamily="50" charset="-128"/>
-              </a:rPr>
-              <a:t>コンテンツ</a:t>
-            </a:r>
-            <a:endParaRPr kumimoji="1" lang="ja-JP" altLang="en-US" sz="1400" dirty="0">
-              <a:latin typeface="HGPｺﾞｼｯｸE" pitchFamily="50" charset="-128"/>
-              <a:ea typeface="HGPｺﾞｼｯｸE" pitchFamily="50" charset="-128"/>
-            </a:endParaRPr>
-          </a:p>
-        </p:txBody>
-      </p:sp>
-      <p:sp>
-        <p:nvSpPr>
-          <p:cNvPr id="50" name="正方形/長方形 49"/>
-          <p:cNvSpPr/>
-          <p:nvPr/>
-        </p:nvSpPr>
-        <p:spPr>
-          <a:xfrm>
-            <a:off x="3203848" y="3212976"/>
-            <a:ext cx="2088232" cy="288032"/>
-          </a:xfrm>
-          <a:prstGeom prst="rect">
-            <a:avLst/>
-          </a:prstGeom>
-          <a:solidFill>
-            <a:schemeClr val="bg1">
-              <a:lumMod val="95000"/>
-            </a:schemeClr>
-          </a:solidFill>
-        </p:spPr>
-        <p:style>
-          <a:lnRef idx="2">
-            <a:schemeClr val="accent2"/>
-          </a:lnRef>
-          <a:fillRef idx="1">
-            <a:schemeClr val="lt1"/>
-          </a:fillRef>
-          <a:effectRef idx="0">
-            <a:schemeClr val="accent2"/>
-          </a:effectRef>
-          <a:fontRef idx="minor">
-            <a:schemeClr val="dk1"/>
-          </a:fontRef>
-        </p:style>
-        <p:txBody>
-          <a:bodyPr rtlCol="0" anchor="t"/>
-          <a:lstStyle/>
-          <a:p>
-            <a:pPr algn="ctr"/>
-            <a:r>
-              <a:rPr kumimoji="1" lang="ja-JP" altLang="en-US" sz="1400" dirty="0" smtClean="0">
-                <a:latin typeface="HGPｺﾞｼｯｸE" pitchFamily="50" charset="-128"/>
-                <a:ea typeface="HGPｺﾞｼｯｸE" pitchFamily="50" charset="-128"/>
-              </a:rPr>
-              <a:t>コンテンツ</a:t>
-            </a:r>
-            <a:endParaRPr kumimoji="1" lang="ja-JP" altLang="en-US" sz="1400" dirty="0">
-              <a:latin typeface="HGPｺﾞｼｯｸE" pitchFamily="50" charset="-128"/>
-              <a:ea typeface="HGPｺﾞｼｯｸE" pitchFamily="50" charset="-128"/>
-            </a:endParaRPr>
-          </a:p>
-        </p:txBody>
-      </p:sp>
-      <p:sp>
-        <p:nvSpPr>
-          <p:cNvPr id="51" name="正方形/長方形 50"/>
-          <p:cNvSpPr/>
-          <p:nvPr/>
-        </p:nvSpPr>
-        <p:spPr>
-          <a:xfrm>
-            <a:off x="5652120" y="1700808"/>
-            <a:ext cx="1584176" cy="3528392"/>
-          </a:xfrm>
-          <a:prstGeom prst="rect">
-            <a:avLst/>
-          </a:prstGeom>
-          <a:solidFill>
-            <a:schemeClr val="bg1">
-              <a:lumMod val="95000"/>
-            </a:schemeClr>
-          </a:solidFill>
-        </p:spPr>
-        <p:style>
-          <a:lnRef idx="2">
-            <a:schemeClr val="accent1"/>
-          </a:lnRef>
-          <a:fillRef idx="1">
-            <a:schemeClr val="lt1"/>
-          </a:fillRef>
-          <a:effectRef idx="0">
-            <a:schemeClr val="accent1"/>
-          </a:effectRef>
-          <a:fontRef idx="minor">
-            <a:schemeClr val="dk1"/>
-          </a:fontRef>
-        </p:style>
-        <p:txBody>
-          <a:bodyPr rtlCol="0" anchor="t"/>
-          <a:lstStyle/>
-          <a:p>
-            <a:r>
-              <a:rPr lang="ja-JP" altLang="en-US" sz="1400" dirty="0" smtClean="0">
-                <a:latin typeface="HGPｺﾞｼｯｸE" pitchFamily="50" charset="-128"/>
-                <a:ea typeface="HGPｺﾞｼｯｸE" pitchFamily="50" charset="-128"/>
-              </a:rPr>
-              <a:t>ライトコンテナー</a:t>
-            </a:r>
-          </a:p>
-        </p:txBody>
-      </p:sp>
-      <p:sp>
-        <p:nvSpPr>
-          <p:cNvPr id="52" name="正方形/長方形 51"/>
-          <p:cNvSpPr/>
-          <p:nvPr/>
-        </p:nvSpPr>
-        <p:spPr>
-          <a:xfrm>
-            <a:off x="5724128" y="1988840"/>
-            <a:ext cx="1440160" cy="3168352"/>
-          </a:xfrm>
-          <a:prstGeom prst="rect">
-            <a:avLst/>
-          </a:prstGeom>
-        </p:spPr>
-        <p:style>
-          <a:lnRef idx="2">
-            <a:schemeClr val="accent5"/>
-          </a:lnRef>
-          <a:fillRef idx="1">
-            <a:schemeClr val="lt1"/>
-          </a:fillRef>
-          <a:effectRef idx="0">
-            <a:schemeClr val="accent5"/>
-          </a:effectRef>
-          <a:fontRef idx="minor">
-            <a:schemeClr val="dk1"/>
-          </a:fontRef>
-        </p:style>
-        <p:txBody>
-          <a:bodyPr rtlCol="0" anchor="t"/>
-          <a:lstStyle/>
-          <a:p>
-            <a:r>
-              <a:rPr kumimoji="1" lang="ja-JP" altLang="en-US" sz="1400" dirty="0" smtClean="0">
-                <a:latin typeface="HGPｺﾞｼｯｸE" pitchFamily="50" charset="-128"/>
-                <a:ea typeface="HGPｺﾞｼｯｸE" pitchFamily="50" charset="-128"/>
-              </a:rPr>
-              <a:t>ボックス</a:t>
-            </a:r>
-            <a:endParaRPr kumimoji="1" lang="ja-JP" altLang="en-US" sz="1400" dirty="0">
-              <a:latin typeface="HGPｺﾞｼｯｸE" pitchFamily="50" charset="-128"/>
-              <a:ea typeface="HGPｺﾞｼｯｸE" pitchFamily="50" charset="-128"/>
-            </a:endParaRPr>
-          </a:p>
-        </p:txBody>
-      </p:sp>
-      <p:sp>
-        <p:nvSpPr>
-          <p:cNvPr id="53" name="正方形/長方形 52"/>
-          <p:cNvSpPr/>
-          <p:nvPr/>
-        </p:nvSpPr>
-        <p:spPr>
-          <a:xfrm>
-            <a:off x="5796136" y="2276872"/>
-            <a:ext cx="1296144" cy="1368152"/>
-          </a:xfrm>
-          <a:prstGeom prst="rect">
-            <a:avLst/>
-          </a:prstGeom>
-          <a:solidFill>
-            <a:schemeClr val="bg1">
-              <a:lumMod val="95000"/>
-            </a:schemeClr>
-          </a:solidFill>
-        </p:spPr>
-        <p:style>
-          <a:lnRef idx="2">
-            <a:schemeClr val="accent3"/>
-          </a:lnRef>
-          <a:fillRef idx="1">
-            <a:schemeClr val="lt1"/>
-          </a:fillRef>
-          <a:effectRef idx="0">
-            <a:schemeClr val="accent3"/>
-          </a:effectRef>
-          <a:fontRef idx="minor">
-            <a:schemeClr val="dk1"/>
-          </a:fontRef>
-        </p:style>
-        <p:txBody>
-          <a:bodyPr rtlCol="0" anchor="t"/>
-          <a:lstStyle/>
-          <a:p>
-            <a:r>
-              <a:rPr kumimoji="1" lang="ja-JP" altLang="en-US" sz="1400" dirty="0" smtClean="0">
-                <a:latin typeface="HGPｺﾞｼｯｸE" pitchFamily="50" charset="-128"/>
-                <a:ea typeface="HGPｺﾞｼｯｸE" pitchFamily="50" charset="-128"/>
-              </a:rPr>
-              <a:t>フレーム</a:t>
-            </a:r>
-            <a:endParaRPr kumimoji="1" lang="ja-JP" altLang="en-US" sz="1400" dirty="0">
-              <a:latin typeface="HGPｺﾞｼｯｸE" pitchFamily="50" charset="-128"/>
-              <a:ea typeface="HGPｺﾞｼｯｸE" pitchFamily="50" charset="-128"/>
-            </a:endParaRPr>
-          </a:p>
-        </p:txBody>
-      </p:sp>
-      <p:sp>
-        <p:nvSpPr>
-          <p:cNvPr id="54" name="正方形/長方形 53"/>
-          <p:cNvSpPr/>
-          <p:nvPr/>
-        </p:nvSpPr>
-        <p:spPr>
-          <a:xfrm>
-            <a:off x="5868144" y="2564904"/>
-            <a:ext cx="1152128" cy="1008112"/>
-          </a:xfrm>
-          <a:prstGeom prst="rect">
-            <a:avLst/>
-          </a:prstGeom>
-        </p:spPr>
-        <p:style>
-          <a:lnRef idx="2">
-            <a:schemeClr val="accent6"/>
-          </a:lnRef>
-          <a:fillRef idx="1">
-            <a:schemeClr val="lt1"/>
-          </a:fillRef>
-          <a:effectRef idx="0">
-            <a:schemeClr val="accent6"/>
-          </a:effectRef>
-          <a:fontRef idx="minor">
-            <a:schemeClr val="dk1"/>
-          </a:fontRef>
-        </p:style>
-        <p:txBody>
-          <a:bodyPr rtlCol="0" anchor="t"/>
-          <a:lstStyle/>
-          <a:p>
-            <a:r>
-              <a:rPr lang="ja-JP" altLang="en-US" sz="1400" dirty="0" smtClean="0">
-                <a:latin typeface="HGPｺﾞｼｯｸE" pitchFamily="50" charset="-128"/>
-                <a:ea typeface="HGPｺﾞｼｯｸE" pitchFamily="50" charset="-128"/>
-              </a:rPr>
-              <a:t>ブロック</a:t>
-            </a:r>
-            <a:endParaRPr kumimoji="1" lang="ja-JP" altLang="en-US" sz="1400" dirty="0">
-              <a:latin typeface="HGPｺﾞｼｯｸE" pitchFamily="50" charset="-128"/>
-              <a:ea typeface="HGPｺﾞｼｯｸE" pitchFamily="50" charset="-128"/>
-            </a:endParaRPr>
-          </a:p>
-        </p:txBody>
-      </p:sp>
-      <p:sp>
-        <p:nvSpPr>
-          <p:cNvPr id="55" name="正方形/長方形 54"/>
-          <p:cNvSpPr/>
-          <p:nvPr/>
-        </p:nvSpPr>
-        <p:spPr>
-          <a:xfrm>
-            <a:off x="5940152" y="2852936"/>
-            <a:ext cx="1008112" cy="288032"/>
-          </a:xfrm>
-          <a:prstGeom prst="rect">
-            <a:avLst/>
-          </a:prstGeom>
-          <a:solidFill>
-            <a:schemeClr val="bg1">
-              <a:lumMod val="95000"/>
-            </a:schemeClr>
-          </a:solidFill>
-        </p:spPr>
-        <p:style>
-          <a:lnRef idx="2">
-            <a:schemeClr val="accent2"/>
-          </a:lnRef>
-          <a:fillRef idx="1">
-            <a:schemeClr val="lt1"/>
-          </a:fillRef>
-          <a:effectRef idx="0">
-            <a:schemeClr val="accent2"/>
-          </a:effectRef>
-          <a:fontRef idx="minor">
-            <a:schemeClr val="dk1"/>
-          </a:fontRef>
-        </p:style>
-        <p:txBody>
-          <a:bodyPr rtlCol="0" anchor="t"/>
-          <a:lstStyle/>
-          <a:p>
-            <a:r>
-              <a:rPr kumimoji="1" lang="ja-JP" altLang="en-US" sz="1400" dirty="0" smtClean="0">
-                <a:latin typeface="HGPｺﾞｼｯｸE" pitchFamily="50" charset="-128"/>
-                <a:ea typeface="HGPｺﾞｼｯｸE" pitchFamily="50" charset="-128"/>
-              </a:rPr>
-              <a:t>コンテンツ</a:t>
-            </a:r>
-            <a:endParaRPr kumimoji="1" lang="ja-JP" altLang="en-US" sz="1400" dirty="0">
-              <a:latin typeface="HGPｺﾞｼｯｸE" pitchFamily="50" charset="-128"/>
-              <a:ea typeface="HGPｺﾞｼｯｸE" pitchFamily="50" charset="-128"/>
-            </a:endParaRPr>
-          </a:p>
-        </p:txBody>
-      </p:sp>
-      <p:sp>
-        <p:nvSpPr>
-          <p:cNvPr id="56" name="正方形/長方形 55"/>
-          <p:cNvSpPr/>
-          <p:nvPr/>
-        </p:nvSpPr>
-        <p:spPr>
-          <a:xfrm>
-            <a:off x="5940152" y="3212976"/>
-            <a:ext cx="1008112" cy="288032"/>
-          </a:xfrm>
-          <a:prstGeom prst="rect">
-            <a:avLst/>
-          </a:prstGeom>
-          <a:solidFill>
-            <a:schemeClr val="bg1">
-              <a:lumMod val="95000"/>
-            </a:schemeClr>
-          </a:solidFill>
-        </p:spPr>
-        <p:style>
-          <a:lnRef idx="2">
-            <a:schemeClr val="accent2"/>
-          </a:lnRef>
-          <a:fillRef idx="1">
-            <a:schemeClr val="lt1"/>
-          </a:fillRef>
-          <a:effectRef idx="0">
-            <a:schemeClr val="accent2"/>
-          </a:effectRef>
-          <a:fontRef idx="minor">
-            <a:schemeClr val="dk1"/>
-          </a:fontRef>
-        </p:style>
-        <p:txBody>
-          <a:bodyPr rtlCol="0" anchor="t"/>
-          <a:lstStyle/>
-          <a:p>
-            <a:r>
-              <a:rPr kumimoji="1" lang="ja-JP" altLang="en-US" sz="1400" dirty="0" smtClean="0">
-                <a:latin typeface="HGPｺﾞｼｯｸE" pitchFamily="50" charset="-128"/>
-                <a:ea typeface="HGPｺﾞｼｯｸE" pitchFamily="50" charset="-128"/>
-              </a:rPr>
-              <a:t>コンテンツ</a:t>
-            </a:r>
-            <a:endParaRPr kumimoji="1" lang="ja-JP" altLang="en-US" sz="1400" dirty="0">
-              <a:latin typeface="HGPｺﾞｼｯｸE" pitchFamily="50" charset="-128"/>
-              <a:ea typeface="HGPｺﾞｼｯｸE" pitchFamily="50" charset="-128"/>
-            </a:endParaRPr>
-          </a:p>
-        </p:txBody>
-      </p:sp>
-      <p:sp>
-        <p:nvSpPr>
-          <p:cNvPr id="57" name="正方形/長方形 56"/>
-          <p:cNvSpPr/>
-          <p:nvPr/>
-        </p:nvSpPr>
-        <p:spPr>
-          <a:xfrm>
-            <a:off x="5796136" y="3717032"/>
-            <a:ext cx="1296144" cy="1368152"/>
-          </a:xfrm>
-          <a:prstGeom prst="rect">
-            <a:avLst/>
-          </a:prstGeom>
-          <a:solidFill>
-            <a:schemeClr val="bg1">
-              <a:lumMod val="95000"/>
-            </a:schemeClr>
-          </a:solidFill>
-        </p:spPr>
-        <p:style>
-          <a:lnRef idx="2">
-            <a:schemeClr val="accent3"/>
-          </a:lnRef>
-          <a:fillRef idx="1">
-            <a:schemeClr val="lt1"/>
-          </a:fillRef>
-          <a:effectRef idx="0">
-            <a:schemeClr val="accent3"/>
-          </a:effectRef>
-          <a:fontRef idx="minor">
-            <a:schemeClr val="dk1"/>
-          </a:fontRef>
-        </p:style>
-        <p:txBody>
-          <a:bodyPr rtlCol="0" anchor="t"/>
-          <a:lstStyle/>
-          <a:p>
-            <a:r>
-              <a:rPr kumimoji="1" lang="ja-JP" altLang="en-US" sz="1400" dirty="0" smtClean="0">
-                <a:latin typeface="HGPｺﾞｼｯｸE" pitchFamily="50" charset="-128"/>
-                <a:ea typeface="HGPｺﾞｼｯｸE" pitchFamily="50" charset="-128"/>
-              </a:rPr>
-              <a:t>フレーム</a:t>
-            </a:r>
-            <a:endParaRPr kumimoji="1" lang="ja-JP" altLang="en-US" sz="1400" dirty="0">
-              <a:latin typeface="HGPｺﾞｼｯｸE" pitchFamily="50" charset="-128"/>
-              <a:ea typeface="HGPｺﾞｼｯｸE" pitchFamily="50" charset="-128"/>
-            </a:endParaRPr>
-          </a:p>
-        </p:txBody>
-      </p:sp>
-      <p:sp>
-        <p:nvSpPr>
-          <p:cNvPr id="58" name="正方形/長方形 57"/>
-          <p:cNvSpPr/>
-          <p:nvPr/>
-        </p:nvSpPr>
-        <p:spPr>
-          <a:xfrm>
-            <a:off x="5868144" y="4005064"/>
-            <a:ext cx="1152128" cy="1008112"/>
-          </a:xfrm>
-          <a:prstGeom prst="rect">
-            <a:avLst/>
-          </a:prstGeom>
-        </p:spPr>
-        <p:style>
-          <a:lnRef idx="2">
-            <a:schemeClr val="accent6"/>
-          </a:lnRef>
-          <a:fillRef idx="1">
-            <a:schemeClr val="lt1"/>
-          </a:fillRef>
-          <a:effectRef idx="0">
-            <a:schemeClr val="accent6"/>
-          </a:effectRef>
-          <a:fontRef idx="minor">
-            <a:schemeClr val="dk1"/>
-          </a:fontRef>
-        </p:style>
-        <p:txBody>
-          <a:bodyPr rtlCol="0" anchor="t"/>
-          <a:lstStyle/>
-          <a:p>
-            <a:r>
-              <a:rPr lang="ja-JP" altLang="en-US" sz="1400" dirty="0" smtClean="0">
-                <a:latin typeface="HGPｺﾞｼｯｸE" pitchFamily="50" charset="-128"/>
-                <a:ea typeface="HGPｺﾞｼｯｸE" pitchFamily="50" charset="-128"/>
-              </a:rPr>
-              <a:t>ブロック</a:t>
-            </a:r>
-            <a:endParaRPr kumimoji="1" lang="ja-JP" altLang="en-US" sz="1400" dirty="0">
-              <a:latin typeface="HGPｺﾞｼｯｸE" pitchFamily="50" charset="-128"/>
-              <a:ea typeface="HGPｺﾞｼｯｸE" pitchFamily="50" charset="-128"/>
-            </a:endParaRPr>
-          </a:p>
-        </p:txBody>
-      </p:sp>
-      <p:sp>
-        <p:nvSpPr>
-          <p:cNvPr id="59" name="正方形/長方形 58"/>
-          <p:cNvSpPr/>
-          <p:nvPr/>
-        </p:nvSpPr>
-        <p:spPr>
-          <a:xfrm>
-            <a:off x="5940152" y="4293096"/>
-            <a:ext cx="1008112" cy="288032"/>
-          </a:xfrm>
-          <a:prstGeom prst="rect">
-            <a:avLst/>
-          </a:prstGeom>
-          <a:solidFill>
-            <a:schemeClr val="bg1">
-              <a:lumMod val="95000"/>
-            </a:schemeClr>
-          </a:solidFill>
-        </p:spPr>
-        <p:style>
-          <a:lnRef idx="2">
-            <a:schemeClr val="accent2"/>
-          </a:lnRef>
-          <a:fillRef idx="1">
-            <a:schemeClr val="lt1"/>
-          </a:fillRef>
-          <a:effectRef idx="0">
-            <a:schemeClr val="accent2"/>
-          </a:effectRef>
-          <a:fontRef idx="minor">
-            <a:schemeClr val="dk1"/>
-          </a:fontRef>
-        </p:style>
-        <p:txBody>
-          <a:bodyPr rtlCol="0" anchor="t"/>
-          <a:lstStyle/>
-          <a:p>
-            <a:r>
-              <a:rPr kumimoji="1" lang="ja-JP" altLang="en-US" sz="1400" dirty="0" smtClean="0">
-                <a:latin typeface="HGPｺﾞｼｯｸE" pitchFamily="50" charset="-128"/>
-                <a:ea typeface="HGPｺﾞｼｯｸE" pitchFamily="50" charset="-128"/>
-              </a:rPr>
-              <a:t>コンテンツ</a:t>
-            </a:r>
-            <a:endParaRPr kumimoji="1" lang="ja-JP" altLang="en-US" sz="1400" dirty="0">
-              <a:latin typeface="HGPｺﾞｼｯｸE" pitchFamily="50" charset="-128"/>
-              <a:ea typeface="HGPｺﾞｼｯｸE" pitchFamily="50" charset="-128"/>
-            </a:endParaRPr>
-          </a:p>
-        </p:txBody>
-      </p:sp>
-      <p:sp>
-        <p:nvSpPr>
-          <p:cNvPr id="60" name="正方形/長方形 59"/>
-          <p:cNvSpPr/>
-          <p:nvPr/>
-        </p:nvSpPr>
-        <p:spPr>
-          <a:xfrm>
-            <a:off x="5940152" y="4653136"/>
-            <a:ext cx="1008112" cy="288032"/>
-          </a:xfrm>
-          <a:prstGeom prst="rect">
-            <a:avLst/>
-          </a:prstGeom>
-          <a:solidFill>
-            <a:schemeClr val="bg1">
-              <a:lumMod val="95000"/>
-            </a:schemeClr>
-          </a:solidFill>
-        </p:spPr>
-        <p:style>
-          <a:lnRef idx="2">
-            <a:schemeClr val="accent2"/>
-          </a:lnRef>
-          <a:fillRef idx="1">
-            <a:schemeClr val="lt1"/>
-          </a:fillRef>
-          <a:effectRef idx="0">
-            <a:schemeClr val="accent2"/>
-          </a:effectRef>
-          <a:fontRef idx="minor">
-            <a:schemeClr val="dk1"/>
-          </a:fontRef>
-        </p:style>
-        <p:txBody>
-          <a:bodyPr rtlCol="0" anchor="t"/>
-          <a:lstStyle/>
-          <a:p>
-            <a:r>
-              <a:rPr kumimoji="1" lang="ja-JP" altLang="en-US" sz="1400" dirty="0" smtClean="0">
-                <a:latin typeface="HGPｺﾞｼｯｸE" pitchFamily="50" charset="-128"/>
-                <a:ea typeface="HGPｺﾞｼｯｸE" pitchFamily="50" charset="-128"/>
-              </a:rPr>
-              <a:t>コンテンツ</a:t>
-            </a:r>
-            <a:endParaRPr kumimoji="1" lang="ja-JP" altLang="en-US" sz="1400" dirty="0">
-              <a:latin typeface="HGPｺﾞｼｯｸE" pitchFamily="50" charset="-128"/>
-              <a:ea typeface="HGPｺﾞｼｯｸE" pitchFamily="50" charset="-128"/>
-            </a:endParaRPr>
-          </a:p>
-        </p:txBody>
-      </p:sp>
-      <p:sp>
-        <p:nvSpPr>
-          <p:cNvPr id="61" name="正方形/長方形 60"/>
-          <p:cNvSpPr/>
-          <p:nvPr/>
-        </p:nvSpPr>
-        <p:spPr>
-          <a:xfrm>
-            <a:off x="4283968" y="908720"/>
-            <a:ext cx="2808312" cy="576064"/>
-          </a:xfrm>
-          <a:prstGeom prst="rect">
-            <a:avLst/>
-          </a:prstGeom>
-          <a:solidFill>
-            <a:schemeClr val="bg1">
-              <a:lumMod val="95000"/>
-            </a:schemeClr>
-          </a:solidFill>
-        </p:spPr>
-        <p:style>
-          <a:lnRef idx="2">
-            <a:schemeClr val="accent3"/>
-          </a:lnRef>
-          <a:fillRef idx="1">
-            <a:schemeClr val="lt1"/>
-          </a:fillRef>
-          <a:effectRef idx="0">
-            <a:schemeClr val="accent3"/>
-          </a:effectRef>
-          <a:fontRef idx="minor">
-            <a:schemeClr val="dk1"/>
-          </a:fontRef>
-        </p:style>
-        <p:txBody>
-          <a:bodyPr rtlCol="0" anchor="t"/>
-          <a:lstStyle/>
-          <a:p>
-            <a:r>
-              <a:rPr kumimoji="1" lang="ja-JP" altLang="en-US" sz="1400" dirty="0" smtClean="0">
-                <a:latin typeface="HGPｺﾞｼｯｸE" pitchFamily="50" charset="-128"/>
-                <a:ea typeface="HGPｺﾞｼｯｸE" pitchFamily="50" charset="-128"/>
-              </a:rPr>
-              <a:t>フレーム</a:t>
-            </a:r>
-            <a:endParaRPr kumimoji="1" lang="ja-JP" altLang="en-US" sz="1400" dirty="0">
-              <a:latin typeface="HGPｺﾞｼｯｸE" pitchFamily="50" charset="-128"/>
-              <a:ea typeface="HGPｺﾞｼｯｸE" pitchFamily="50" charset="-128"/>
-            </a:endParaRPr>
-          </a:p>
-        </p:txBody>
-      </p:sp>
-      <p:sp>
-        <p:nvSpPr>
-          <p:cNvPr id="62" name="正方形/長方形 61"/>
-          <p:cNvSpPr/>
-          <p:nvPr/>
-        </p:nvSpPr>
-        <p:spPr>
-          <a:xfrm>
-            <a:off x="5148064" y="980728"/>
-            <a:ext cx="1872208" cy="432048"/>
-          </a:xfrm>
-          <a:prstGeom prst="rect">
-            <a:avLst/>
-          </a:prstGeom>
-        </p:spPr>
-        <p:style>
-          <a:lnRef idx="2">
-            <a:schemeClr val="accent6"/>
-          </a:lnRef>
-          <a:fillRef idx="1">
-            <a:schemeClr val="lt1"/>
-          </a:fillRef>
-          <a:effectRef idx="0">
-            <a:schemeClr val="accent6"/>
-          </a:effectRef>
-          <a:fontRef idx="minor">
-            <a:schemeClr val="dk1"/>
-          </a:fontRef>
-        </p:style>
-        <p:txBody>
-          <a:bodyPr rtlCol="0" anchor="t"/>
-          <a:lstStyle/>
-          <a:p>
-            <a:r>
-              <a:rPr lang="ja-JP" altLang="en-US" sz="1400" dirty="0" smtClean="0">
-                <a:latin typeface="HGPｺﾞｼｯｸE" pitchFamily="50" charset="-128"/>
-                <a:ea typeface="HGPｺﾞｼｯｸE" pitchFamily="50" charset="-128"/>
-              </a:rPr>
-              <a:t>ブロック</a:t>
-            </a:r>
-            <a:endParaRPr kumimoji="1" lang="ja-JP" altLang="en-US" sz="1400" dirty="0">
-              <a:latin typeface="HGPｺﾞｼｯｸE" pitchFamily="50" charset="-128"/>
-              <a:ea typeface="HGPｺﾞｼｯｸE" pitchFamily="50" charset="-128"/>
-            </a:endParaRPr>
-          </a:p>
-        </p:txBody>
-      </p:sp>
-      <p:sp>
-        <p:nvSpPr>
-          <p:cNvPr id="63" name="正方形/長方形 62"/>
-          <p:cNvSpPr/>
-          <p:nvPr/>
-        </p:nvSpPr>
-        <p:spPr>
-          <a:xfrm>
-            <a:off x="5940152" y="1052736"/>
-            <a:ext cx="1008112" cy="288032"/>
-          </a:xfrm>
-          <a:prstGeom prst="rect">
-            <a:avLst/>
-          </a:prstGeom>
-          <a:solidFill>
-            <a:schemeClr val="bg1">
-              <a:lumMod val="95000"/>
-            </a:schemeClr>
-          </a:solidFill>
-        </p:spPr>
-        <p:style>
-          <a:lnRef idx="2">
-            <a:schemeClr val="accent2"/>
-          </a:lnRef>
-          <a:fillRef idx="1">
-            <a:schemeClr val="lt1"/>
-          </a:fillRef>
-          <a:effectRef idx="0">
-            <a:schemeClr val="accent2"/>
-          </a:effectRef>
-          <a:fontRef idx="minor">
-            <a:schemeClr val="dk1"/>
-          </a:fontRef>
-        </p:style>
-        <p:txBody>
-          <a:bodyPr rtlCol="0" anchor="t"/>
-          <a:lstStyle/>
-          <a:p>
-            <a:r>
-              <a:rPr kumimoji="1" lang="ja-JP" altLang="en-US" sz="1400" dirty="0" smtClean="0">
-                <a:latin typeface="HGPｺﾞｼｯｸE" pitchFamily="50" charset="-128"/>
-                <a:ea typeface="HGPｺﾞｼｯｸE" pitchFamily="50" charset="-128"/>
-              </a:rPr>
-              <a:t>コンテンツ</a:t>
-            </a:r>
-            <a:endParaRPr kumimoji="1" lang="ja-JP" altLang="en-US" sz="1400" dirty="0">
-              <a:latin typeface="HGPｺﾞｼｯｸE" pitchFamily="50" charset="-128"/>
-              <a:ea typeface="HGPｺﾞｼｯｸE" pitchFamily="50" charset="-128"/>
-            </a:endParaRPr>
-          </a:p>
-        </p:txBody>
-      </p:sp>
-      <p:sp>
-        <p:nvSpPr>
-          <p:cNvPr id="64" name="正方形/長方形 63"/>
-          <p:cNvSpPr/>
-          <p:nvPr/>
-        </p:nvSpPr>
-        <p:spPr>
-          <a:xfrm>
-            <a:off x="1259631" y="5301208"/>
-            <a:ext cx="5976665" cy="1296144"/>
-          </a:xfrm>
-          <a:prstGeom prst="rect">
-            <a:avLst/>
-          </a:prstGeom>
-          <a:solidFill>
-            <a:schemeClr val="bg1">
-              <a:lumMod val="95000"/>
-            </a:schemeClr>
-          </a:solidFill>
-        </p:spPr>
-        <p:style>
-          <a:lnRef idx="2">
-            <a:schemeClr val="accent1"/>
-          </a:lnRef>
-          <a:fillRef idx="1">
-            <a:schemeClr val="lt1"/>
-          </a:fillRef>
-          <a:effectRef idx="0">
-            <a:schemeClr val="accent1"/>
-          </a:effectRef>
-          <a:fontRef idx="minor">
-            <a:schemeClr val="dk1"/>
-          </a:fontRef>
-        </p:style>
-        <p:txBody>
-          <a:bodyPr rtlCol="0" anchor="t"/>
-          <a:lstStyle/>
-          <a:p>
-            <a:r>
-              <a:rPr lang="ja-JP" altLang="en-US" sz="1400" dirty="0" smtClean="0">
-                <a:latin typeface="HGPｺﾞｼｯｸE" pitchFamily="50" charset="-128"/>
-                <a:ea typeface="HGPｺﾞｼｯｸE" pitchFamily="50" charset="-128"/>
-              </a:rPr>
-              <a:t>フッターコンテナー</a:t>
-            </a:r>
-          </a:p>
-        </p:txBody>
-      </p:sp>
-      <p:sp>
-        <p:nvSpPr>
-          <p:cNvPr id="65" name="正方形/長方形 64"/>
-          <p:cNvSpPr/>
-          <p:nvPr/>
-        </p:nvSpPr>
-        <p:spPr>
-          <a:xfrm>
-            <a:off x="1331640" y="5589240"/>
-            <a:ext cx="5832648" cy="936104"/>
-          </a:xfrm>
-          <a:prstGeom prst="rect">
-            <a:avLst/>
-          </a:prstGeom>
-        </p:spPr>
-        <p:style>
-          <a:lnRef idx="2">
-            <a:schemeClr val="accent5"/>
-          </a:lnRef>
-          <a:fillRef idx="1">
-            <a:schemeClr val="lt1"/>
-          </a:fillRef>
-          <a:effectRef idx="0">
-            <a:schemeClr val="accent5"/>
-          </a:effectRef>
-          <a:fontRef idx="minor">
-            <a:schemeClr val="dk1"/>
-          </a:fontRef>
-        </p:style>
-        <p:txBody>
-          <a:bodyPr rtlCol="0" anchor="t"/>
-          <a:lstStyle/>
-          <a:p>
-            <a:r>
-              <a:rPr kumimoji="1" lang="ja-JP" altLang="en-US" sz="1400" dirty="0" smtClean="0">
-                <a:latin typeface="HGPｺﾞｼｯｸE" pitchFamily="50" charset="-128"/>
-                <a:ea typeface="HGPｺﾞｼｯｸE" pitchFamily="50" charset="-128"/>
-              </a:rPr>
-              <a:t>ボックス</a:t>
-            </a:r>
-            <a:endParaRPr kumimoji="1" lang="ja-JP" altLang="en-US" sz="1400" dirty="0">
-              <a:latin typeface="HGPｺﾞｼｯｸE" pitchFamily="50" charset="-128"/>
-              <a:ea typeface="HGPｺﾞｼｯｸE" pitchFamily="50" charset="-128"/>
-            </a:endParaRPr>
-          </a:p>
-        </p:txBody>
-      </p:sp>
-      <p:sp>
-        <p:nvSpPr>
-          <p:cNvPr id="66" name="正方形/長方形 65"/>
-          <p:cNvSpPr/>
-          <p:nvPr/>
-        </p:nvSpPr>
-        <p:spPr>
-          <a:xfrm>
-            <a:off x="1403648" y="5877272"/>
-            <a:ext cx="2808312" cy="576064"/>
-          </a:xfrm>
-          <a:prstGeom prst="rect">
-            <a:avLst/>
-          </a:prstGeom>
-          <a:solidFill>
-            <a:schemeClr val="bg1">
-              <a:lumMod val="95000"/>
-            </a:schemeClr>
-          </a:solidFill>
-        </p:spPr>
-        <p:style>
-          <a:lnRef idx="2">
-            <a:schemeClr val="accent3"/>
-          </a:lnRef>
-          <a:fillRef idx="1">
-            <a:schemeClr val="lt1"/>
-          </a:fillRef>
-          <a:effectRef idx="0">
-            <a:schemeClr val="accent3"/>
-          </a:effectRef>
-          <a:fontRef idx="minor">
-            <a:schemeClr val="dk1"/>
-          </a:fontRef>
-        </p:style>
-        <p:txBody>
-          <a:bodyPr rtlCol="0" anchor="t"/>
-          <a:lstStyle/>
-          <a:p>
-            <a:r>
-              <a:rPr kumimoji="1" lang="ja-JP" altLang="en-US" sz="1400" dirty="0" smtClean="0">
-                <a:latin typeface="HGPｺﾞｼｯｸE" pitchFamily="50" charset="-128"/>
-                <a:ea typeface="HGPｺﾞｼｯｸE" pitchFamily="50" charset="-128"/>
-              </a:rPr>
-              <a:t>フレーム</a:t>
-            </a:r>
-            <a:endParaRPr kumimoji="1" lang="ja-JP" altLang="en-US" sz="1400" dirty="0">
-              <a:latin typeface="HGPｺﾞｼｯｸE" pitchFamily="50" charset="-128"/>
-              <a:ea typeface="HGPｺﾞｼｯｸE" pitchFamily="50" charset="-128"/>
-            </a:endParaRPr>
-          </a:p>
-        </p:txBody>
-      </p:sp>
-      <p:sp>
-        <p:nvSpPr>
-          <p:cNvPr id="67" name="正方形/長方形 66"/>
-          <p:cNvSpPr/>
-          <p:nvPr/>
-        </p:nvSpPr>
-        <p:spPr>
-          <a:xfrm>
-            <a:off x="2267744" y="5949280"/>
-            <a:ext cx="1872208" cy="432048"/>
-          </a:xfrm>
-          <a:prstGeom prst="rect">
-            <a:avLst/>
-          </a:prstGeom>
-        </p:spPr>
-        <p:style>
-          <a:lnRef idx="2">
-            <a:schemeClr val="accent6"/>
-          </a:lnRef>
-          <a:fillRef idx="1">
-            <a:schemeClr val="lt1"/>
-          </a:fillRef>
-          <a:effectRef idx="0">
-            <a:schemeClr val="accent6"/>
-          </a:effectRef>
-          <a:fontRef idx="minor">
-            <a:schemeClr val="dk1"/>
-          </a:fontRef>
-        </p:style>
-        <p:txBody>
-          <a:bodyPr rtlCol="0" anchor="t"/>
-          <a:lstStyle/>
-          <a:p>
-            <a:r>
-              <a:rPr lang="ja-JP" altLang="en-US" sz="1400" dirty="0" smtClean="0">
-                <a:latin typeface="HGPｺﾞｼｯｸE" pitchFamily="50" charset="-128"/>
-                <a:ea typeface="HGPｺﾞｼｯｸE" pitchFamily="50" charset="-128"/>
-              </a:rPr>
-              <a:t>ブロック</a:t>
-            </a:r>
-            <a:endParaRPr kumimoji="1" lang="ja-JP" altLang="en-US" sz="1400" dirty="0">
-              <a:latin typeface="HGPｺﾞｼｯｸE" pitchFamily="50" charset="-128"/>
-              <a:ea typeface="HGPｺﾞｼｯｸE" pitchFamily="50" charset="-128"/>
-            </a:endParaRPr>
-          </a:p>
-        </p:txBody>
-      </p:sp>
-      <p:sp>
-        <p:nvSpPr>
-          <p:cNvPr id="68" name="正方形/長方形 67"/>
-          <p:cNvSpPr/>
-          <p:nvPr/>
-        </p:nvSpPr>
-        <p:spPr>
-          <a:xfrm>
-            <a:off x="3059832" y="6021288"/>
-            <a:ext cx="1008112" cy="288032"/>
-          </a:xfrm>
-          <a:prstGeom prst="rect">
-            <a:avLst/>
-          </a:prstGeom>
-          <a:solidFill>
-            <a:schemeClr val="bg1">
-              <a:lumMod val="95000"/>
-            </a:schemeClr>
-          </a:solidFill>
-        </p:spPr>
-        <p:style>
-          <a:lnRef idx="2">
-            <a:schemeClr val="accent2"/>
-          </a:lnRef>
-          <a:fillRef idx="1">
-            <a:schemeClr val="lt1"/>
-          </a:fillRef>
-          <a:effectRef idx="0">
-            <a:schemeClr val="accent2"/>
-          </a:effectRef>
-          <a:fontRef idx="minor">
-            <a:schemeClr val="dk1"/>
-          </a:fontRef>
-        </p:style>
-        <p:txBody>
-          <a:bodyPr rtlCol="0" anchor="t"/>
-          <a:lstStyle/>
-          <a:p>
-            <a:r>
-              <a:rPr kumimoji="1" lang="ja-JP" altLang="en-US" sz="1400" dirty="0" smtClean="0">
-                <a:latin typeface="HGPｺﾞｼｯｸE" pitchFamily="50" charset="-128"/>
-                <a:ea typeface="HGPｺﾞｼｯｸE" pitchFamily="50" charset="-128"/>
-              </a:rPr>
-              <a:t>コンテンツ</a:t>
-            </a:r>
-            <a:endParaRPr kumimoji="1" lang="ja-JP" altLang="en-US" sz="1400" dirty="0">
-              <a:latin typeface="HGPｺﾞｼｯｸE" pitchFamily="50" charset="-128"/>
-              <a:ea typeface="HGPｺﾞｼｯｸE" pitchFamily="50" charset="-128"/>
-            </a:endParaRPr>
-          </a:p>
-        </p:txBody>
-      </p:sp>
-      <p:sp>
-        <p:nvSpPr>
-          <p:cNvPr id="69" name="正方形/長方形 68"/>
-          <p:cNvSpPr/>
-          <p:nvPr/>
-        </p:nvSpPr>
-        <p:spPr>
-          <a:xfrm>
-            <a:off x="4283968" y="5877272"/>
-            <a:ext cx="2808312" cy="576064"/>
-          </a:xfrm>
-          <a:prstGeom prst="rect">
-            <a:avLst/>
-          </a:prstGeom>
-          <a:solidFill>
-            <a:schemeClr val="bg1">
-              <a:lumMod val="95000"/>
-            </a:schemeClr>
-          </a:solidFill>
-        </p:spPr>
-        <p:style>
-          <a:lnRef idx="2">
-            <a:schemeClr val="accent3"/>
-          </a:lnRef>
-          <a:fillRef idx="1">
-            <a:schemeClr val="lt1"/>
-          </a:fillRef>
-          <a:effectRef idx="0">
-            <a:schemeClr val="accent3"/>
-          </a:effectRef>
-          <a:fontRef idx="minor">
-            <a:schemeClr val="dk1"/>
-          </a:fontRef>
-        </p:style>
-        <p:txBody>
-          <a:bodyPr rtlCol="0" anchor="t"/>
-          <a:lstStyle/>
-          <a:p>
-            <a:r>
-              <a:rPr kumimoji="1" lang="ja-JP" altLang="en-US" sz="1400" dirty="0" smtClean="0">
-                <a:latin typeface="HGPｺﾞｼｯｸE" pitchFamily="50" charset="-128"/>
-                <a:ea typeface="HGPｺﾞｼｯｸE" pitchFamily="50" charset="-128"/>
-              </a:rPr>
-              <a:t>フレーム</a:t>
-            </a:r>
-            <a:endParaRPr kumimoji="1" lang="ja-JP" altLang="en-US" sz="1400" dirty="0">
-              <a:latin typeface="HGPｺﾞｼｯｸE" pitchFamily="50" charset="-128"/>
-              <a:ea typeface="HGPｺﾞｼｯｸE" pitchFamily="50" charset="-128"/>
-            </a:endParaRPr>
-          </a:p>
-        </p:txBody>
-      </p:sp>
-      <p:sp>
-        <p:nvSpPr>
-          <p:cNvPr id="70" name="正方形/長方形 69"/>
-          <p:cNvSpPr/>
-          <p:nvPr/>
-        </p:nvSpPr>
-        <p:spPr>
-          <a:xfrm>
-            <a:off x="5148064" y="5949280"/>
-            <a:ext cx="1872208" cy="432048"/>
-          </a:xfrm>
-          <a:prstGeom prst="rect">
-            <a:avLst/>
-          </a:prstGeom>
-        </p:spPr>
-        <p:style>
-          <a:lnRef idx="2">
-            <a:schemeClr val="accent6"/>
-          </a:lnRef>
-          <a:fillRef idx="1">
-            <a:schemeClr val="lt1"/>
-          </a:fillRef>
-          <a:effectRef idx="0">
-            <a:schemeClr val="accent6"/>
-          </a:effectRef>
-          <a:fontRef idx="minor">
-            <a:schemeClr val="dk1"/>
-          </a:fontRef>
-        </p:style>
-        <p:txBody>
-          <a:bodyPr rtlCol="0" anchor="t"/>
-          <a:lstStyle/>
-          <a:p>
-            <a:r>
-              <a:rPr lang="ja-JP" altLang="en-US" sz="1400" dirty="0" smtClean="0">
-                <a:latin typeface="HGPｺﾞｼｯｸE" pitchFamily="50" charset="-128"/>
-                <a:ea typeface="HGPｺﾞｼｯｸE" pitchFamily="50" charset="-128"/>
-              </a:rPr>
-              <a:t>ブロック</a:t>
-            </a:r>
-            <a:endParaRPr kumimoji="1" lang="ja-JP" altLang="en-US" sz="1400" dirty="0">
-              <a:latin typeface="HGPｺﾞｼｯｸE" pitchFamily="50" charset="-128"/>
-              <a:ea typeface="HGPｺﾞｼｯｸE" pitchFamily="50" charset="-128"/>
-            </a:endParaRPr>
-          </a:p>
-        </p:txBody>
-      </p:sp>
-      <p:sp>
-        <p:nvSpPr>
-          <p:cNvPr id="71" name="正方形/長方形 70"/>
-          <p:cNvSpPr/>
-          <p:nvPr/>
-        </p:nvSpPr>
-        <p:spPr>
-          <a:xfrm>
-            <a:off x="5940152" y="6021288"/>
-            <a:ext cx="1008112" cy="288032"/>
-          </a:xfrm>
-          <a:prstGeom prst="rect">
-            <a:avLst/>
-          </a:prstGeom>
-          <a:solidFill>
-            <a:schemeClr val="bg1">
-              <a:lumMod val="95000"/>
-            </a:schemeClr>
-          </a:solidFill>
-        </p:spPr>
-        <p:style>
-          <a:lnRef idx="2">
-            <a:schemeClr val="accent2"/>
-          </a:lnRef>
-          <a:fillRef idx="1">
-            <a:schemeClr val="lt1"/>
-          </a:fillRef>
-          <a:effectRef idx="0">
-            <a:schemeClr val="accent2"/>
-          </a:effectRef>
-          <a:fontRef idx="minor">
-            <a:schemeClr val="dk1"/>
-          </a:fontRef>
-        </p:style>
-        <p:txBody>
-          <a:bodyPr rtlCol="0" anchor="t"/>
-          <a:lstStyle/>
-          <a:p>
-            <a:r>
-              <a:rPr kumimoji="1" lang="ja-JP" altLang="en-US" sz="1400" dirty="0" smtClean="0">
-                <a:latin typeface="HGPｺﾞｼｯｸE" pitchFamily="50" charset="-128"/>
-                <a:ea typeface="HGPｺﾞｼｯｸE" pitchFamily="50" charset="-128"/>
-              </a:rPr>
-              <a:t>コンテンツ</a:t>
-            </a:r>
-            <a:endParaRPr kumimoji="1" lang="ja-JP" altLang="en-US" sz="1400" dirty="0">
-              <a:latin typeface="HGPｺﾞｼｯｸE" pitchFamily="50" charset="-128"/>
-              <a:ea typeface="HGPｺﾞｼｯｸE" pitchFamily="50" charset="-128"/>
-            </a:endParaRPr>
-          </a:p>
-        </p:txBody>
-      </p:sp>
-      <p:sp>
-        <p:nvSpPr>
-          <p:cNvPr id="72" name="正方形/長方形 71"/>
-          <p:cNvSpPr/>
-          <p:nvPr/>
-        </p:nvSpPr>
-        <p:spPr>
-          <a:xfrm>
-            <a:off x="3059832" y="3717031"/>
-            <a:ext cx="2376264" cy="1368153"/>
-          </a:xfrm>
-          <a:prstGeom prst="rect">
-            <a:avLst/>
-          </a:prstGeom>
-          <a:solidFill>
-            <a:schemeClr val="bg1">
-              <a:lumMod val="95000"/>
-            </a:schemeClr>
-          </a:solidFill>
-        </p:spPr>
-        <p:style>
-          <a:lnRef idx="2">
-            <a:schemeClr val="accent3"/>
-          </a:lnRef>
-          <a:fillRef idx="1">
-            <a:schemeClr val="lt1"/>
-          </a:fillRef>
-          <a:effectRef idx="0">
-            <a:schemeClr val="accent3"/>
-          </a:effectRef>
-          <a:fontRef idx="minor">
-            <a:schemeClr val="dk1"/>
-          </a:fontRef>
-        </p:style>
-        <p:txBody>
-          <a:bodyPr rtlCol="0" anchor="t"/>
-          <a:lstStyle/>
-          <a:p>
-            <a:r>
-              <a:rPr kumimoji="1" lang="ja-JP" altLang="en-US" sz="1400" dirty="0" smtClean="0">
-                <a:latin typeface="HGPｺﾞｼｯｸE" pitchFamily="50" charset="-128"/>
-                <a:ea typeface="HGPｺﾞｼｯｸE" pitchFamily="50" charset="-128"/>
-              </a:rPr>
-              <a:t>フレーム</a:t>
-            </a:r>
-            <a:endParaRPr kumimoji="1" lang="ja-JP" altLang="en-US" sz="1400" dirty="0">
-              <a:latin typeface="HGPｺﾞｼｯｸE" pitchFamily="50" charset="-128"/>
-              <a:ea typeface="HGPｺﾞｼｯｸE" pitchFamily="50" charset="-128"/>
-            </a:endParaRPr>
-          </a:p>
-        </p:txBody>
-      </p:sp>
-      <p:sp>
-        <p:nvSpPr>
-          <p:cNvPr id="73" name="正方形/長方形 72"/>
-          <p:cNvSpPr/>
-          <p:nvPr/>
-        </p:nvSpPr>
-        <p:spPr>
-          <a:xfrm>
-            <a:off x="3131840" y="4005064"/>
-            <a:ext cx="2232248" cy="1008112"/>
-          </a:xfrm>
-          <a:prstGeom prst="rect">
-            <a:avLst/>
-          </a:prstGeom>
-        </p:spPr>
-        <p:style>
-          <a:lnRef idx="2">
-            <a:schemeClr val="accent6"/>
-          </a:lnRef>
-          <a:fillRef idx="1">
-            <a:schemeClr val="lt1"/>
-          </a:fillRef>
-          <a:effectRef idx="0">
-            <a:schemeClr val="accent6"/>
-          </a:effectRef>
-          <a:fontRef idx="minor">
-            <a:schemeClr val="dk1"/>
-          </a:fontRef>
-        </p:style>
-        <p:txBody>
-          <a:bodyPr rtlCol="0" anchor="t"/>
-          <a:lstStyle/>
-          <a:p>
-            <a:r>
-              <a:rPr lang="ja-JP" altLang="en-US" sz="1400" dirty="0" smtClean="0">
-                <a:latin typeface="HGPｺﾞｼｯｸE" pitchFamily="50" charset="-128"/>
-                <a:ea typeface="HGPｺﾞｼｯｸE" pitchFamily="50" charset="-128"/>
-              </a:rPr>
-              <a:t>ブロック</a:t>
-            </a:r>
-            <a:endParaRPr kumimoji="1" lang="ja-JP" altLang="en-US" sz="1400" dirty="0">
-              <a:latin typeface="HGPｺﾞｼｯｸE" pitchFamily="50" charset="-128"/>
-              <a:ea typeface="HGPｺﾞｼｯｸE" pitchFamily="50" charset="-128"/>
-            </a:endParaRPr>
-          </a:p>
-        </p:txBody>
-      </p:sp>
-      <p:sp>
-        <p:nvSpPr>
-          <p:cNvPr id="74" name="正方形/長方形 73"/>
-          <p:cNvSpPr/>
-          <p:nvPr/>
-        </p:nvSpPr>
-        <p:spPr>
-          <a:xfrm>
-            <a:off x="3203848" y="4293096"/>
-            <a:ext cx="2088232" cy="288032"/>
-          </a:xfrm>
-          <a:prstGeom prst="rect">
-            <a:avLst/>
-          </a:prstGeom>
-          <a:solidFill>
-            <a:schemeClr val="bg1">
-              <a:lumMod val="95000"/>
-            </a:schemeClr>
-          </a:solidFill>
-        </p:spPr>
-        <p:style>
-          <a:lnRef idx="2">
-            <a:schemeClr val="accent2"/>
-          </a:lnRef>
-          <a:fillRef idx="1">
-            <a:schemeClr val="lt1"/>
-          </a:fillRef>
-          <a:effectRef idx="0">
-            <a:schemeClr val="accent2"/>
-          </a:effectRef>
-          <a:fontRef idx="minor">
-            <a:schemeClr val="dk1"/>
-          </a:fontRef>
-        </p:style>
-        <p:txBody>
-          <a:bodyPr rtlCol="0" anchor="t"/>
-          <a:lstStyle/>
-          <a:p>
-            <a:pPr algn="ctr"/>
-            <a:r>
-              <a:rPr kumimoji="1" lang="ja-JP" altLang="en-US" sz="1400" dirty="0" smtClean="0">
-                <a:latin typeface="HGPｺﾞｼｯｸE" pitchFamily="50" charset="-128"/>
-                <a:ea typeface="HGPｺﾞｼｯｸE" pitchFamily="50" charset="-128"/>
-              </a:rPr>
-              <a:t>コンテンツ</a:t>
-            </a:r>
-            <a:endParaRPr kumimoji="1" lang="ja-JP" altLang="en-US" sz="1400" dirty="0">
-              <a:latin typeface="HGPｺﾞｼｯｸE" pitchFamily="50" charset="-128"/>
-              <a:ea typeface="HGPｺﾞｼｯｸE" pitchFamily="50" charset="-128"/>
-            </a:endParaRPr>
-          </a:p>
-        </p:txBody>
-      </p:sp>
-      <p:sp>
-        <p:nvSpPr>
-          <p:cNvPr id="75" name="正方形/長方形 74"/>
-          <p:cNvSpPr/>
-          <p:nvPr/>
-        </p:nvSpPr>
-        <p:spPr>
-          <a:xfrm>
-            <a:off x="3203848" y="4653136"/>
-            <a:ext cx="2088232" cy="288032"/>
-          </a:xfrm>
-          <a:prstGeom prst="rect">
-            <a:avLst/>
-          </a:prstGeom>
-          <a:solidFill>
-            <a:schemeClr val="bg1">
-              <a:lumMod val="95000"/>
-            </a:schemeClr>
-          </a:solidFill>
-        </p:spPr>
-        <p:style>
-          <a:lnRef idx="2">
-            <a:schemeClr val="accent2"/>
-          </a:lnRef>
-          <a:fillRef idx="1">
-            <a:schemeClr val="lt1"/>
-          </a:fillRef>
-          <a:effectRef idx="0">
-            <a:schemeClr val="accent2"/>
-          </a:effectRef>
-          <a:fontRef idx="minor">
-            <a:schemeClr val="dk1"/>
-          </a:fontRef>
-        </p:style>
-        <p:txBody>
-          <a:bodyPr rtlCol="0" anchor="t"/>
-          <a:lstStyle/>
-          <a:p>
-            <a:pPr algn="ctr"/>
-            <a:r>
-              <a:rPr kumimoji="1" lang="ja-JP" altLang="en-US" sz="1400" dirty="0" smtClean="0">
-                <a:latin typeface="HGPｺﾞｼｯｸE" pitchFamily="50" charset="-128"/>
-                <a:ea typeface="HGPｺﾞｼｯｸE" pitchFamily="50" charset="-128"/>
-              </a:rPr>
-              <a:t>コンテンツ</a:t>
-            </a:r>
-            <a:endParaRPr kumimoji="1" lang="ja-JP" altLang="en-US" sz="1400" dirty="0">
-              <a:latin typeface="HGPｺﾞｼｯｸE" pitchFamily="50" charset="-128"/>
-              <a:ea typeface="HGPｺﾞｼｯｸE" pitchFamily="50" charset="-128"/>
-            </a:endParaRPr>
-          </a:p>
-        </p:txBody>
-      </p:sp>
-      <p:sp>
-        <p:nvSpPr>
-          <p:cNvPr id="49" name="スライド番号プレースホルダ 48"/>
+          <p:cNvPr id="4" name="スライド番号プレースホルダ 3"/>
           <p:cNvSpPr>
             <a:spLocks noGrp="1"/>
           </p:cNvSpPr>
@@ -24789,6 +22847,2411 @@
       </p:grpSpPr>
       <p:sp>
         <p:nvSpPr>
+          <p:cNvPr id="4" name="正方形/長方形 3"/>
+          <p:cNvSpPr/>
+          <p:nvPr/>
+        </p:nvSpPr>
+        <p:spPr>
+          <a:xfrm>
+            <a:off x="1187624" y="44624"/>
+            <a:ext cx="6120680" cy="6624736"/>
+          </a:xfrm>
+          <a:prstGeom prst="rect">
+            <a:avLst/>
+          </a:prstGeom>
+        </p:spPr>
+        <p:style>
+          <a:lnRef idx="2">
+            <a:schemeClr val="accent4"/>
+          </a:lnRef>
+          <a:fillRef idx="1">
+            <a:schemeClr val="lt1"/>
+          </a:fillRef>
+          <a:effectRef idx="0">
+            <a:schemeClr val="accent4"/>
+          </a:effectRef>
+          <a:fontRef idx="minor">
+            <a:schemeClr val="dk1"/>
+          </a:fontRef>
+        </p:style>
+        <p:txBody>
+          <a:bodyPr rtlCol="0" anchor="t"/>
+          <a:lstStyle/>
+          <a:p>
+            <a:r>
+              <a:rPr lang="ja-JP" altLang="en-US" sz="1400" dirty="0" smtClean="0">
+                <a:latin typeface="HGPｺﾞｼｯｸE" pitchFamily="50" charset="-128"/>
+                <a:ea typeface="HGPｺﾞｼｯｸE" pitchFamily="50" charset="-128"/>
+              </a:rPr>
+              <a:t>ページ</a:t>
+            </a:r>
+            <a:endParaRPr kumimoji="1" lang="ja-JP" altLang="en-US" sz="1400" dirty="0">
+              <a:latin typeface="HGPｺﾞｼｯｸE" pitchFamily="50" charset="-128"/>
+              <a:ea typeface="HGPｺﾞｼｯｸE" pitchFamily="50" charset="-128"/>
+            </a:endParaRPr>
+          </a:p>
+        </p:txBody>
+      </p:sp>
+      <p:sp>
+        <p:nvSpPr>
+          <p:cNvPr id="5" name="正方形/長方形 4"/>
+          <p:cNvSpPr/>
+          <p:nvPr/>
+        </p:nvSpPr>
+        <p:spPr>
+          <a:xfrm>
+            <a:off x="1259631" y="332656"/>
+            <a:ext cx="5976665" cy="1296144"/>
+          </a:xfrm>
+          <a:prstGeom prst="rect">
+            <a:avLst/>
+          </a:prstGeom>
+          <a:solidFill>
+            <a:schemeClr val="bg1">
+              <a:lumMod val="95000"/>
+            </a:schemeClr>
+          </a:solidFill>
+        </p:spPr>
+        <p:style>
+          <a:lnRef idx="2">
+            <a:schemeClr val="accent1"/>
+          </a:lnRef>
+          <a:fillRef idx="1">
+            <a:schemeClr val="lt1"/>
+          </a:fillRef>
+          <a:effectRef idx="0">
+            <a:schemeClr val="accent1"/>
+          </a:effectRef>
+          <a:fontRef idx="minor">
+            <a:schemeClr val="dk1"/>
+          </a:fontRef>
+        </p:style>
+        <p:txBody>
+          <a:bodyPr rtlCol="0" anchor="t"/>
+          <a:lstStyle/>
+          <a:p>
+            <a:r>
+              <a:rPr lang="ja-JP" altLang="en-US" sz="1400" dirty="0" smtClean="0">
+                <a:latin typeface="HGPｺﾞｼｯｸE" pitchFamily="50" charset="-128"/>
+                <a:ea typeface="HGPｺﾞｼｯｸE" pitchFamily="50" charset="-128"/>
+              </a:rPr>
+              <a:t>ヘッダーコンテナー</a:t>
+            </a:r>
+          </a:p>
+        </p:txBody>
+      </p:sp>
+      <p:sp>
+        <p:nvSpPr>
+          <p:cNvPr id="7" name="正方形/長方形 6"/>
+          <p:cNvSpPr/>
+          <p:nvPr/>
+        </p:nvSpPr>
+        <p:spPr>
+          <a:xfrm>
+            <a:off x="1259632" y="1700808"/>
+            <a:ext cx="1584176" cy="3528392"/>
+          </a:xfrm>
+          <a:prstGeom prst="rect">
+            <a:avLst/>
+          </a:prstGeom>
+          <a:solidFill>
+            <a:schemeClr val="bg1">
+              <a:lumMod val="95000"/>
+            </a:schemeClr>
+          </a:solidFill>
+        </p:spPr>
+        <p:style>
+          <a:lnRef idx="2">
+            <a:schemeClr val="accent1"/>
+          </a:lnRef>
+          <a:fillRef idx="1">
+            <a:schemeClr val="lt1"/>
+          </a:fillRef>
+          <a:effectRef idx="0">
+            <a:schemeClr val="accent1"/>
+          </a:effectRef>
+          <a:fontRef idx="minor">
+            <a:schemeClr val="dk1"/>
+          </a:fontRef>
+        </p:style>
+        <p:txBody>
+          <a:bodyPr rtlCol="0" anchor="t"/>
+          <a:lstStyle/>
+          <a:p>
+            <a:r>
+              <a:rPr lang="ja-JP" altLang="en-US" sz="1400" dirty="0" smtClean="0">
+                <a:latin typeface="HGPｺﾞｼｯｸE" pitchFamily="50" charset="-128"/>
+                <a:ea typeface="HGPｺﾞｼｯｸE" pitchFamily="50" charset="-128"/>
+              </a:rPr>
+              <a:t>レフトコンテナー</a:t>
+            </a:r>
+          </a:p>
+        </p:txBody>
+      </p:sp>
+      <p:sp>
+        <p:nvSpPr>
+          <p:cNvPr id="9" name="正方形/長方形 8"/>
+          <p:cNvSpPr/>
+          <p:nvPr/>
+        </p:nvSpPr>
+        <p:spPr>
+          <a:xfrm>
+            <a:off x="2915816" y="1700808"/>
+            <a:ext cx="2664296" cy="3528392"/>
+          </a:xfrm>
+          <a:prstGeom prst="rect">
+            <a:avLst/>
+          </a:prstGeom>
+          <a:solidFill>
+            <a:schemeClr val="bg1">
+              <a:lumMod val="95000"/>
+            </a:schemeClr>
+          </a:solidFill>
+        </p:spPr>
+        <p:style>
+          <a:lnRef idx="2">
+            <a:schemeClr val="accent1"/>
+          </a:lnRef>
+          <a:fillRef idx="1">
+            <a:schemeClr val="lt1"/>
+          </a:fillRef>
+          <a:effectRef idx="0">
+            <a:schemeClr val="accent1"/>
+          </a:effectRef>
+          <a:fontRef idx="minor">
+            <a:schemeClr val="dk1"/>
+          </a:fontRef>
+        </p:style>
+        <p:txBody>
+          <a:bodyPr rtlCol="0" anchor="t"/>
+          <a:lstStyle/>
+          <a:p>
+            <a:r>
+              <a:rPr lang="ja-JP" altLang="en-US" sz="1400" dirty="0" smtClean="0">
+                <a:latin typeface="HGPｺﾞｼｯｸE" pitchFamily="50" charset="-128"/>
+                <a:ea typeface="HGPｺﾞｼｯｸE" pitchFamily="50" charset="-128"/>
+              </a:rPr>
+              <a:t>メインコンテナー</a:t>
+            </a:r>
+          </a:p>
+        </p:txBody>
+      </p:sp>
+      <p:sp>
+        <p:nvSpPr>
+          <p:cNvPr id="10" name="正方形/長方形 9"/>
+          <p:cNvSpPr/>
+          <p:nvPr/>
+        </p:nvSpPr>
+        <p:spPr>
+          <a:xfrm>
+            <a:off x="1331640" y="620688"/>
+            <a:ext cx="5832648" cy="936104"/>
+          </a:xfrm>
+          <a:prstGeom prst="rect">
+            <a:avLst/>
+          </a:prstGeom>
+        </p:spPr>
+        <p:style>
+          <a:lnRef idx="2">
+            <a:schemeClr val="accent5"/>
+          </a:lnRef>
+          <a:fillRef idx="1">
+            <a:schemeClr val="lt1"/>
+          </a:fillRef>
+          <a:effectRef idx="0">
+            <a:schemeClr val="accent5"/>
+          </a:effectRef>
+          <a:fontRef idx="minor">
+            <a:schemeClr val="dk1"/>
+          </a:fontRef>
+        </p:style>
+        <p:txBody>
+          <a:bodyPr rtlCol="0" anchor="t"/>
+          <a:lstStyle/>
+          <a:p>
+            <a:r>
+              <a:rPr kumimoji="1" lang="ja-JP" altLang="en-US" sz="1400" dirty="0" smtClean="0">
+                <a:latin typeface="HGPｺﾞｼｯｸE" pitchFamily="50" charset="-128"/>
+                <a:ea typeface="HGPｺﾞｼｯｸE" pitchFamily="50" charset="-128"/>
+              </a:rPr>
+              <a:t>ボックス</a:t>
+            </a:r>
+            <a:endParaRPr kumimoji="1" lang="ja-JP" altLang="en-US" sz="1400" dirty="0">
+              <a:latin typeface="HGPｺﾞｼｯｸE" pitchFamily="50" charset="-128"/>
+              <a:ea typeface="HGPｺﾞｼｯｸE" pitchFamily="50" charset="-128"/>
+            </a:endParaRPr>
+          </a:p>
+        </p:txBody>
+      </p:sp>
+      <p:sp>
+        <p:nvSpPr>
+          <p:cNvPr id="12" name="正方形/長方形 11"/>
+          <p:cNvSpPr/>
+          <p:nvPr/>
+        </p:nvSpPr>
+        <p:spPr>
+          <a:xfrm>
+            <a:off x="1331640" y="1988840"/>
+            <a:ext cx="1440160" cy="3168352"/>
+          </a:xfrm>
+          <a:prstGeom prst="rect">
+            <a:avLst/>
+          </a:prstGeom>
+        </p:spPr>
+        <p:style>
+          <a:lnRef idx="2">
+            <a:schemeClr val="accent5"/>
+          </a:lnRef>
+          <a:fillRef idx="1">
+            <a:schemeClr val="lt1"/>
+          </a:fillRef>
+          <a:effectRef idx="0">
+            <a:schemeClr val="accent5"/>
+          </a:effectRef>
+          <a:fontRef idx="minor">
+            <a:schemeClr val="dk1"/>
+          </a:fontRef>
+        </p:style>
+        <p:txBody>
+          <a:bodyPr rtlCol="0" anchor="t"/>
+          <a:lstStyle/>
+          <a:p>
+            <a:r>
+              <a:rPr kumimoji="1" lang="ja-JP" altLang="en-US" sz="1400" dirty="0" smtClean="0">
+                <a:latin typeface="HGPｺﾞｼｯｸE" pitchFamily="50" charset="-128"/>
+                <a:ea typeface="HGPｺﾞｼｯｸE" pitchFamily="50" charset="-128"/>
+              </a:rPr>
+              <a:t>ボックス</a:t>
+            </a:r>
+            <a:endParaRPr kumimoji="1" lang="ja-JP" altLang="en-US" sz="1400" dirty="0">
+              <a:latin typeface="HGPｺﾞｼｯｸE" pitchFamily="50" charset="-128"/>
+              <a:ea typeface="HGPｺﾞｼｯｸE" pitchFamily="50" charset="-128"/>
+            </a:endParaRPr>
+          </a:p>
+        </p:txBody>
+      </p:sp>
+      <p:sp>
+        <p:nvSpPr>
+          <p:cNvPr id="14" name="正方形/長方形 13"/>
+          <p:cNvSpPr/>
+          <p:nvPr/>
+        </p:nvSpPr>
+        <p:spPr>
+          <a:xfrm>
+            <a:off x="2987824" y="1988840"/>
+            <a:ext cx="2520280" cy="3168352"/>
+          </a:xfrm>
+          <a:prstGeom prst="rect">
+            <a:avLst/>
+          </a:prstGeom>
+        </p:spPr>
+        <p:style>
+          <a:lnRef idx="2">
+            <a:schemeClr val="accent5"/>
+          </a:lnRef>
+          <a:fillRef idx="1">
+            <a:schemeClr val="lt1"/>
+          </a:fillRef>
+          <a:effectRef idx="0">
+            <a:schemeClr val="accent5"/>
+          </a:effectRef>
+          <a:fontRef idx="minor">
+            <a:schemeClr val="dk1"/>
+          </a:fontRef>
+        </p:style>
+        <p:txBody>
+          <a:bodyPr rtlCol="0" anchor="t"/>
+          <a:lstStyle/>
+          <a:p>
+            <a:r>
+              <a:rPr kumimoji="1" lang="ja-JP" altLang="en-US" sz="1400" dirty="0" smtClean="0">
+                <a:latin typeface="HGPｺﾞｼｯｸE" pitchFamily="50" charset="-128"/>
+                <a:ea typeface="HGPｺﾞｼｯｸE" pitchFamily="50" charset="-128"/>
+              </a:rPr>
+              <a:t>ボックス</a:t>
+            </a:r>
+            <a:endParaRPr kumimoji="1" lang="ja-JP" altLang="en-US" sz="1400" dirty="0">
+              <a:latin typeface="HGPｺﾞｼｯｸE" pitchFamily="50" charset="-128"/>
+              <a:ea typeface="HGPｺﾞｼｯｸE" pitchFamily="50" charset="-128"/>
+            </a:endParaRPr>
+          </a:p>
+        </p:txBody>
+      </p:sp>
+      <p:sp>
+        <p:nvSpPr>
+          <p:cNvPr id="15" name="正方形/長方形 14"/>
+          <p:cNvSpPr/>
+          <p:nvPr/>
+        </p:nvSpPr>
+        <p:spPr>
+          <a:xfrm>
+            <a:off x="1403648" y="908720"/>
+            <a:ext cx="2808312" cy="576064"/>
+          </a:xfrm>
+          <a:prstGeom prst="rect">
+            <a:avLst/>
+          </a:prstGeom>
+          <a:solidFill>
+            <a:schemeClr val="bg1">
+              <a:lumMod val="95000"/>
+            </a:schemeClr>
+          </a:solidFill>
+        </p:spPr>
+        <p:style>
+          <a:lnRef idx="2">
+            <a:schemeClr val="accent3"/>
+          </a:lnRef>
+          <a:fillRef idx="1">
+            <a:schemeClr val="lt1"/>
+          </a:fillRef>
+          <a:effectRef idx="0">
+            <a:schemeClr val="accent3"/>
+          </a:effectRef>
+          <a:fontRef idx="minor">
+            <a:schemeClr val="dk1"/>
+          </a:fontRef>
+        </p:style>
+        <p:txBody>
+          <a:bodyPr rtlCol="0" anchor="t"/>
+          <a:lstStyle/>
+          <a:p>
+            <a:r>
+              <a:rPr kumimoji="1" lang="ja-JP" altLang="en-US" sz="1400" dirty="0" smtClean="0">
+                <a:latin typeface="HGPｺﾞｼｯｸE" pitchFamily="50" charset="-128"/>
+                <a:ea typeface="HGPｺﾞｼｯｸE" pitchFamily="50" charset="-128"/>
+              </a:rPr>
+              <a:t>フレーム</a:t>
+            </a:r>
+            <a:endParaRPr kumimoji="1" lang="ja-JP" altLang="en-US" sz="1400" dirty="0">
+              <a:latin typeface="HGPｺﾞｼｯｸE" pitchFamily="50" charset="-128"/>
+              <a:ea typeface="HGPｺﾞｼｯｸE" pitchFamily="50" charset="-128"/>
+            </a:endParaRPr>
+          </a:p>
+        </p:txBody>
+      </p:sp>
+      <p:sp>
+        <p:nvSpPr>
+          <p:cNvPr id="17" name="正方形/長方形 16"/>
+          <p:cNvSpPr/>
+          <p:nvPr/>
+        </p:nvSpPr>
+        <p:spPr>
+          <a:xfrm>
+            <a:off x="1403648" y="2276872"/>
+            <a:ext cx="1296144" cy="1368152"/>
+          </a:xfrm>
+          <a:prstGeom prst="rect">
+            <a:avLst/>
+          </a:prstGeom>
+          <a:solidFill>
+            <a:schemeClr val="bg1">
+              <a:lumMod val="95000"/>
+            </a:schemeClr>
+          </a:solidFill>
+        </p:spPr>
+        <p:style>
+          <a:lnRef idx="2">
+            <a:schemeClr val="accent3"/>
+          </a:lnRef>
+          <a:fillRef idx="1">
+            <a:schemeClr val="lt1"/>
+          </a:fillRef>
+          <a:effectRef idx="0">
+            <a:schemeClr val="accent3"/>
+          </a:effectRef>
+          <a:fontRef idx="minor">
+            <a:schemeClr val="dk1"/>
+          </a:fontRef>
+        </p:style>
+        <p:txBody>
+          <a:bodyPr rtlCol="0" anchor="t"/>
+          <a:lstStyle/>
+          <a:p>
+            <a:r>
+              <a:rPr kumimoji="1" lang="ja-JP" altLang="en-US" sz="1400" dirty="0" smtClean="0">
+                <a:latin typeface="HGPｺﾞｼｯｸE" pitchFamily="50" charset="-128"/>
+                <a:ea typeface="HGPｺﾞｼｯｸE" pitchFamily="50" charset="-128"/>
+              </a:rPr>
+              <a:t>フレーム</a:t>
+            </a:r>
+            <a:endParaRPr kumimoji="1" lang="ja-JP" altLang="en-US" sz="1400" dirty="0">
+              <a:latin typeface="HGPｺﾞｼｯｸE" pitchFamily="50" charset="-128"/>
+              <a:ea typeface="HGPｺﾞｼｯｸE" pitchFamily="50" charset="-128"/>
+            </a:endParaRPr>
+          </a:p>
+        </p:txBody>
+      </p:sp>
+      <p:sp>
+        <p:nvSpPr>
+          <p:cNvPr id="18" name="正方形/長方形 17"/>
+          <p:cNvSpPr/>
+          <p:nvPr/>
+        </p:nvSpPr>
+        <p:spPr>
+          <a:xfrm>
+            <a:off x="3059832" y="2276871"/>
+            <a:ext cx="2376264" cy="1368153"/>
+          </a:xfrm>
+          <a:prstGeom prst="rect">
+            <a:avLst/>
+          </a:prstGeom>
+          <a:solidFill>
+            <a:schemeClr val="bg1">
+              <a:lumMod val="95000"/>
+            </a:schemeClr>
+          </a:solidFill>
+        </p:spPr>
+        <p:style>
+          <a:lnRef idx="2">
+            <a:schemeClr val="accent3"/>
+          </a:lnRef>
+          <a:fillRef idx="1">
+            <a:schemeClr val="lt1"/>
+          </a:fillRef>
+          <a:effectRef idx="0">
+            <a:schemeClr val="accent3"/>
+          </a:effectRef>
+          <a:fontRef idx="minor">
+            <a:schemeClr val="dk1"/>
+          </a:fontRef>
+        </p:style>
+        <p:txBody>
+          <a:bodyPr rtlCol="0" anchor="t"/>
+          <a:lstStyle/>
+          <a:p>
+            <a:r>
+              <a:rPr kumimoji="1" lang="ja-JP" altLang="en-US" sz="1400" dirty="0" smtClean="0">
+                <a:latin typeface="HGPｺﾞｼｯｸE" pitchFamily="50" charset="-128"/>
+                <a:ea typeface="HGPｺﾞｼｯｸE" pitchFamily="50" charset="-128"/>
+              </a:rPr>
+              <a:t>フレーム</a:t>
+            </a:r>
+            <a:endParaRPr kumimoji="1" lang="ja-JP" altLang="en-US" sz="1400" dirty="0">
+              <a:latin typeface="HGPｺﾞｼｯｸE" pitchFamily="50" charset="-128"/>
+              <a:ea typeface="HGPｺﾞｼｯｸE" pitchFamily="50" charset="-128"/>
+            </a:endParaRPr>
+          </a:p>
+        </p:txBody>
+      </p:sp>
+      <p:sp>
+        <p:nvSpPr>
+          <p:cNvPr id="20" name="正方形/長方形 19"/>
+          <p:cNvSpPr/>
+          <p:nvPr/>
+        </p:nvSpPr>
+        <p:spPr>
+          <a:xfrm>
+            <a:off x="2267744" y="980728"/>
+            <a:ext cx="1872208" cy="432048"/>
+          </a:xfrm>
+          <a:prstGeom prst="rect">
+            <a:avLst/>
+          </a:prstGeom>
+        </p:spPr>
+        <p:style>
+          <a:lnRef idx="2">
+            <a:schemeClr val="accent6"/>
+          </a:lnRef>
+          <a:fillRef idx="1">
+            <a:schemeClr val="lt1"/>
+          </a:fillRef>
+          <a:effectRef idx="0">
+            <a:schemeClr val="accent6"/>
+          </a:effectRef>
+          <a:fontRef idx="minor">
+            <a:schemeClr val="dk1"/>
+          </a:fontRef>
+        </p:style>
+        <p:txBody>
+          <a:bodyPr rtlCol="0" anchor="t"/>
+          <a:lstStyle/>
+          <a:p>
+            <a:r>
+              <a:rPr lang="ja-JP" altLang="en-US" sz="1400" dirty="0" smtClean="0">
+                <a:latin typeface="HGPｺﾞｼｯｸE" pitchFamily="50" charset="-128"/>
+                <a:ea typeface="HGPｺﾞｼｯｸE" pitchFamily="50" charset="-128"/>
+              </a:rPr>
+              <a:t>ブロック</a:t>
+            </a:r>
+            <a:endParaRPr kumimoji="1" lang="ja-JP" altLang="en-US" sz="1400" dirty="0">
+              <a:latin typeface="HGPｺﾞｼｯｸE" pitchFamily="50" charset="-128"/>
+              <a:ea typeface="HGPｺﾞｼｯｸE" pitchFamily="50" charset="-128"/>
+            </a:endParaRPr>
+          </a:p>
+        </p:txBody>
+      </p:sp>
+      <p:sp>
+        <p:nvSpPr>
+          <p:cNvPr id="22" name="正方形/長方形 21"/>
+          <p:cNvSpPr/>
+          <p:nvPr/>
+        </p:nvSpPr>
+        <p:spPr>
+          <a:xfrm>
+            <a:off x="1475656" y="2564904"/>
+            <a:ext cx="1152128" cy="1008112"/>
+          </a:xfrm>
+          <a:prstGeom prst="rect">
+            <a:avLst/>
+          </a:prstGeom>
+        </p:spPr>
+        <p:style>
+          <a:lnRef idx="2">
+            <a:schemeClr val="accent6"/>
+          </a:lnRef>
+          <a:fillRef idx="1">
+            <a:schemeClr val="lt1"/>
+          </a:fillRef>
+          <a:effectRef idx="0">
+            <a:schemeClr val="accent6"/>
+          </a:effectRef>
+          <a:fontRef idx="minor">
+            <a:schemeClr val="dk1"/>
+          </a:fontRef>
+        </p:style>
+        <p:txBody>
+          <a:bodyPr rtlCol="0" anchor="t"/>
+          <a:lstStyle/>
+          <a:p>
+            <a:r>
+              <a:rPr lang="ja-JP" altLang="en-US" sz="1400" dirty="0" smtClean="0">
+                <a:latin typeface="HGPｺﾞｼｯｸE" pitchFamily="50" charset="-128"/>
+                <a:ea typeface="HGPｺﾞｼｯｸE" pitchFamily="50" charset="-128"/>
+              </a:rPr>
+              <a:t>ブロック</a:t>
+            </a:r>
+            <a:endParaRPr kumimoji="1" lang="ja-JP" altLang="en-US" sz="1400" dirty="0">
+              <a:latin typeface="HGPｺﾞｼｯｸE" pitchFamily="50" charset="-128"/>
+              <a:ea typeface="HGPｺﾞｼｯｸE" pitchFamily="50" charset="-128"/>
+            </a:endParaRPr>
+          </a:p>
+        </p:txBody>
+      </p:sp>
+      <p:sp>
+        <p:nvSpPr>
+          <p:cNvPr id="24" name="正方形/長方形 23"/>
+          <p:cNvSpPr/>
+          <p:nvPr/>
+        </p:nvSpPr>
+        <p:spPr>
+          <a:xfrm>
+            <a:off x="3131840" y="2564904"/>
+            <a:ext cx="2232248" cy="1008112"/>
+          </a:xfrm>
+          <a:prstGeom prst="rect">
+            <a:avLst/>
+          </a:prstGeom>
+        </p:spPr>
+        <p:style>
+          <a:lnRef idx="2">
+            <a:schemeClr val="accent6"/>
+          </a:lnRef>
+          <a:fillRef idx="1">
+            <a:schemeClr val="lt1"/>
+          </a:fillRef>
+          <a:effectRef idx="0">
+            <a:schemeClr val="accent6"/>
+          </a:effectRef>
+          <a:fontRef idx="minor">
+            <a:schemeClr val="dk1"/>
+          </a:fontRef>
+        </p:style>
+        <p:txBody>
+          <a:bodyPr rtlCol="0" anchor="t"/>
+          <a:lstStyle/>
+          <a:p>
+            <a:r>
+              <a:rPr lang="ja-JP" altLang="en-US" sz="1400" dirty="0" smtClean="0">
+                <a:latin typeface="HGPｺﾞｼｯｸE" pitchFamily="50" charset="-128"/>
+                <a:ea typeface="HGPｺﾞｼｯｸE" pitchFamily="50" charset="-128"/>
+              </a:rPr>
+              <a:t>ブロック</a:t>
+            </a:r>
+            <a:endParaRPr kumimoji="1" lang="ja-JP" altLang="en-US" sz="1400" dirty="0">
+              <a:latin typeface="HGPｺﾞｼｯｸE" pitchFamily="50" charset="-128"/>
+              <a:ea typeface="HGPｺﾞｼｯｸE" pitchFamily="50" charset="-128"/>
+            </a:endParaRPr>
+          </a:p>
+        </p:txBody>
+      </p:sp>
+      <p:sp>
+        <p:nvSpPr>
+          <p:cNvPr id="31" name="正方形/長方形 30"/>
+          <p:cNvSpPr/>
+          <p:nvPr/>
+        </p:nvSpPr>
+        <p:spPr>
+          <a:xfrm>
+            <a:off x="1547664" y="2852936"/>
+            <a:ext cx="1008112" cy="288032"/>
+          </a:xfrm>
+          <a:prstGeom prst="rect">
+            <a:avLst/>
+          </a:prstGeom>
+          <a:solidFill>
+            <a:schemeClr val="bg1">
+              <a:lumMod val="95000"/>
+            </a:schemeClr>
+          </a:solidFill>
+        </p:spPr>
+        <p:style>
+          <a:lnRef idx="2">
+            <a:schemeClr val="accent2"/>
+          </a:lnRef>
+          <a:fillRef idx="1">
+            <a:schemeClr val="lt1"/>
+          </a:fillRef>
+          <a:effectRef idx="0">
+            <a:schemeClr val="accent2"/>
+          </a:effectRef>
+          <a:fontRef idx="minor">
+            <a:schemeClr val="dk1"/>
+          </a:fontRef>
+        </p:style>
+        <p:txBody>
+          <a:bodyPr rtlCol="0" anchor="t"/>
+          <a:lstStyle/>
+          <a:p>
+            <a:r>
+              <a:rPr kumimoji="1" lang="ja-JP" altLang="en-US" sz="1400" dirty="0" smtClean="0">
+                <a:latin typeface="HGPｺﾞｼｯｸE" pitchFamily="50" charset="-128"/>
+                <a:ea typeface="HGPｺﾞｼｯｸE" pitchFamily="50" charset="-128"/>
+              </a:rPr>
+              <a:t>コンテンツ</a:t>
+            </a:r>
+            <a:endParaRPr kumimoji="1" lang="ja-JP" altLang="en-US" sz="1400" dirty="0">
+              <a:latin typeface="HGPｺﾞｼｯｸE" pitchFamily="50" charset="-128"/>
+              <a:ea typeface="HGPｺﾞｼｯｸE" pitchFamily="50" charset="-128"/>
+            </a:endParaRPr>
+          </a:p>
+        </p:txBody>
+      </p:sp>
+      <p:sp>
+        <p:nvSpPr>
+          <p:cNvPr id="32" name="正方形/長方形 31"/>
+          <p:cNvSpPr/>
+          <p:nvPr/>
+        </p:nvSpPr>
+        <p:spPr>
+          <a:xfrm>
+            <a:off x="3203848" y="2852936"/>
+            <a:ext cx="2088232" cy="288032"/>
+          </a:xfrm>
+          <a:prstGeom prst="rect">
+            <a:avLst/>
+          </a:prstGeom>
+          <a:solidFill>
+            <a:schemeClr val="bg1">
+              <a:lumMod val="95000"/>
+            </a:schemeClr>
+          </a:solidFill>
+        </p:spPr>
+        <p:style>
+          <a:lnRef idx="2">
+            <a:schemeClr val="accent2"/>
+          </a:lnRef>
+          <a:fillRef idx="1">
+            <a:schemeClr val="lt1"/>
+          </a:fillRef>
+          <a:effectRef idx="0">
+            <a:schemeClr val="accent2"/>
+          </a:effectRef>
+          <a:fontRef idx="minor">
+            <a:schemeClr val="dk1"/>
+          </a:fontRef>
+        </p:style>
+        <p:txBody>
+          <a:bodyPr rtlCol="0" anchor="t"/>
+          <a:lstStyle/>
+          <a:p>
+            <a:pPr algn="ctr"/>
+            <a:r>
+              <a:rPr kumimoji="1" lang="ja-JP" altLang="en-US" sz="1400" dirty="0" smtClean="0">
+                <a:latin typeface="HGPｺﾞｼｯｸE" pitchFamily="50" charset="-128"/>
+                <a:ea typeface="HGPｺﾞｼｯｸE" pitchFamily="50" charset="-128"/>
+              </a:rPr>
+              <a:t>コンテンツ</a:t>
+            </a:r>
+            <a:endParaRPr kumimoji="1" lang="ja-JP" altLang="en-US" sz="1400" dirty="0">
+              <a:latin typeface="HGPｺﾞｼｯｸE" pitchFamily="50" charset="-128"/>
+              <a:ea typeface="HGPｺﾞｼｯｸE" pitchFamily="50" charset="-128"/>
+            </a:endParaRPr>
+          </a:p>
+        </p:txBody>
+      </p:sp>
+      <p:sp>
+        <p:nvSpPr>
+          <p:cNvPr id="34" name="正方形/長方形 33"/>
+          <p:cNvSpPr/>
+          <p:nvPr/>
+        </p:nvSpPr>
+        <p:spPr>
+          <a:xfrm>
+            <a:off x="3059832" y="1052736"/>
+            <a:ext cx="1008112" cy="288032"/>
+          </a:xfrm>
+          <a:prstGeom prst="rect">
+            <a:avLst/>
+          </a:prstGeom>
+          <a:solidFill>
+            <a:schemeClr val="bg1">
+              <a:lumMod val="95000"/>
+            </a:schemeClr>
+          </a:solidFill>
+        </p:spPr>
+        <p:style>
+          <a:lnRef idx="2">
+            <a:schemeClr val="accent2"/>
+          </a:lnRef>
+          <a:fillRef idx="1">
+            <a:schemeClr val="lt1"/>
+          </a:fillRef>
+          <a:effectRef idx="0">
+            <a:schemeClr val="accent2"/>
+          </a:effectRef>
+          <a:fontRef idx="minor">
+            <a:schemeClr val="dk1"/>
+          </a:fontRef>
+        </p:style>
+        <p:txBody>
+          <a:bodyPr rtlCol="0" anchor="t"/>
+          <a:lstStyle/>
+          <a:p>
+            <a:r>
+              <a:rPr kumimoji="1" lang="ja-JP" altLang="en-US" sz="1400" dirty="0" smtClean="0">
+                <a:latin typeface="HGPｺﾞｼｯｸE" pitchFamily="50" charset="-128"/>
+                <a:ea typeface="HGPｺﾞｼｯｸE" pitchFamily="50" charset="-128"/>
+              </a:rPr>
+              <a:t>コンテンツ</a:t>
+            </a:r>
+            <a:endParaRPr kumimoji="1" lang="ja-JP" altLang="en-US" sz="1400" dirty="0">
+              <a:latin typeface="HGPｺﾞｼｯｸE" pitchFamily="50" charset="-128"/>
+              <a:ea typeface="HGPｺﾞｼｯｸE" pitchFamily="50" charset="-128"/>
+            </a:endParaRPr>
+          </a:p>
+        </p:txBody>
+      </p:sp>
+      <p:sp>
+        <p:nvSpPr>
+          <p:cNvPr id="42" name="正方形/長方形 41"/>
+          <p:cNvSpPr/>
+          <p:nvPr/>
+        </p:nvSpPr>
+        <p:spPr>
+          <a:xfrm>
+            <a:off x="1547664" y="3212976"/>
+            <a:ext cx="1008112" cy="288032"/>
+          </a:xfrm>
+          <a:prstGeom prst="rect">
+            <a:avLst/>
+          </a:prstGeom>
+          <a:solidFill>
+            <a:schemeClr val="bg1">
+              <a:lumMod val="95000"/>
+            </a:schemeClr>
+          </a:solidFill>
+        </p:spPr>
+        <p:style>
+          <a:lnRef idx="2">
+            <a:schemeClr val="accent2"/>
+          </a:lnRef>
+          <a:fillRef idx="1">
+            <a:schemeClr val="lt1"/>
+          </a:fillRef>
+          <a:effectRef idx="0">
+            <a:schemeClr val="accent2"/>
+          </a:effectRef>
+          <a:fontRef idx="minor">
+            <a:schemeClr val="dk1"/>
+          </a:fontRef>
+        </p:style>
+        <p:txBody>
+          <a:bodyPr rtlCol="0" anchor="t"/>
+          <a:lstStyle/>
+          <a:p>
+            <a:r>
+              <a:rPr kumimoji="1" lang="ja-JP" altLang="en-US" sz="1400" dirty="0" smtClean="0">
+                <a:latin typeface="HGPｺﾞｼｯｸE" pitchFamily="50" charset="-128"/>
+                <a:ea typeface="HGPｺﾞｼｯｸE" pitchFamily="50" charset="-128"/>
+              </a:rPr>
+              <a:t>コンテンツ</a:t>
+            </a:r>
+            <a:endParaRPr kumimoji="1" lang="ja-JP" altLang="en-US" sz="1400" dirty="0">
+              <a:latin typeface="HGPｺﾞｼｯｸE" pitchFamily="50" charset="-128"/>
+              <a:ea typeface="HGPｺﾞｼｯｸE" pitchFamily="50" charset="-128"/>
+            </a:endParaRPr>
+          </a:p>
+        </p:txBody>
+      </p:sp>
+      <p:sp>
+        <p:nvSpPr>
+          <p:cNvPr id="43" name="正方形/長方形 42"/>
+          <p:cNvSpPr/>
+          <p:nvPr/>
+        </p:nvSpPr>
+        <p:spPr>
+          <a:xfrm>
+            <a:off x="1403648" y="3717032"/>
+            <a:ext cx="1296144" cy="1368152"/>
+          </a:xfrm>
+          <a:prstGeom prst="rect">
+            <a:avLst/>
+          </a:prstGeom>
+          <a:solidFill>
+            <a:schemeClr val="bg1">
+              <a:lumMod val="95000"/>
+            </a:schemeClr>
+          </a:solidFill>
+        </p:spPr>
+        <p:style>
+          <a:lnRef idx="2">
+            <a:schemeClr val="accent3"/>
+          </a:lnRef>
+          <a:fillRef idx="1">
+            <a:schemeClr val="lt1"/>
+          </a:fillRef>
+          <a:effectRef idx="0">
+            <a:schemeClr val="accent3"/>
+          </a:effectRef>
+          <a:fontRef idx="minor">
+            <a:schemeClr val="dk1"/>
+          </a:fontRef>
+        </p:style>
+        <p:txBody>
+          <a:bodyPr rtlCol="0" anchor="t"/>
+          <a:lstStyle/>
+          <a:p>
+            <a:r>
+              <a:rPr kumimoji="1" lang="ja-JP" altLang="en-US" sz="1400" dirty="0" smtClean="0">
+                <a:latin typeface="HGPｺﾞｼｯｸE" pitchFamily="50" charset="-128"/>
+                <a:ea typeface="HGPｺﾞｼｯｸE" pitchFamily="50" charset="-128"/>
+              </a:rPr>
+              <a:t>フレーム</a:t>
+            </a:r>
+            <a:endParaRPr kumimoji="1" lang="ja-JP" altLang="en-US" sz="1400" dirty="0">
+              <a:latin typeface="HGPｺﾞｼｯｸE" pitchFamily="50" charset="-128"/>
+              <a:ea typeface="HGPｺﾞｼｯｸE" pitchFamily="50" charset="-128"/>
+            </a:endParaRPr>
+          </a:p>
+        </p:txBody>
+      </p:sp>
+      <p:sp>
+        <p:nvSpPr>
+          <p:cNvPr id="44" name="正方形/長方形 43"/>
+          <p:cNvSpPr/>
+          <p:nvPr/>
+        </p:nvSpPr>
+        <p:spPr>
+          <a:xfrm>
+            <a:off x="1475656" y="4005064"/>
+            <a:ext cx="1152128" cy="1008112"/>
+          </a:xfrm>
+          <a:prstGeom prst="rect">
+            <a:avLst/>
+          </a:prstGeom>
+        </p:spPr>
+        <p:style>
+          <a:lnRef idx="2">
+            <a:schemeClr val="accent6"/>
+          </a:lnRef>
+          <a:fillRef idx="1">
+            <a:schemeClr val="lt1"/>
+          </a:fillRef>
+          <a:effectRef idx="0">
+            <a:schemeClr val="accent6"/>
+          </a:effectRef>
+          <a:fontRef idx="minor">
+            <a:schemeClr val="dk1"/>
+          </a:fontRef>
+        </p:style>
+        <p:txBody>
+          <a:bodyPr rtlCol="0" anchor="t"/>
+          <a:lstStyle/>
+          <a:p>
+            <a:r>
+              <a:rPr lang="ja-JP" altLang="en-US" sz="1400" dirty="0" smtClean="0">
+                <a:latin typeface="HGPｺﾞｼｯｸE" pitchFamily="50" charset="-128"/>
+                <a:ea typeface="HGPｺﾞｼｯｸE" pitchFamily="50" charset="-128"/>
+              </a:rPr>
+              <a:t>ブロック</a:t>
+            </a:r>
+            <a:endParaRPr kumimoji="1" lang="ja-JP" altLang="en-US" sz="1400" dirty="0">
+              <a:latin typeface="HGPｺﾞｼｯｸE" pitchFamily="50" charset="-128"/>
+              <a:ea typeface="HGPｺﾞｼｯｸE" pitchFamily="50" charset="-128"/>
+            </a:endParaRPr>
+          </a:p>
+        </p:txBody>
+      </p:sp>
+      <p:sp>
+        <p:nvSpPr>
+          <p:cNvPr id="45" name="正方形/長方形 44"/>
+          <p:cNvSpPr/>
+          <p:nvPr/>
+        </p:nvSpPr>
+        <p:spPr>
+          <a:xfrm>
+            <a:off x="1547664" y="4293096"/>
+            <a:ext cx="1008112" cy="288032"/>
+          </a:xfrm>
+          <a:prstGeom prst="rect">
+            <a:avLst/>
+          </a:prstGeom>
+          <a:solidFill>
+            <a:schemeClr val="bg1">
+              <a:lumMod val="95000"/>
+            </a:schemeClr>
+          </a:solidFill>
+        </p:spPr>
+        <p:style>
+          <a:lnRef idx="2">
+            <a:schemeClr val="accent2"/>
+          </a:lnRef>
+          <a:fillRef idx="1">
+            <a:schemeClr val="lt1"/>
+          </a:fillRef>
+          <a:effectRef idx="0">
+            <a:schemeClr val="accent2"/>
+          </a:effectRef>
+          <a:fontRef idx="minor">
+            <a:schemeClr val="dk1"/>
+          </a:fontRef>
+        </p:style>
+        <p:txBody>
+          <a:bodyPr rtlCol="0" anchor="t"/>
+          <a:lstStyle/>
+          <a:p>
+            <a:r>
+              <a:rPr kumimoji="1" lang="ja-JP" altLang="en-US" sz="1400" dirty="0" smtClean="0">
+                <a:latin typeface="HGPｺﾞｼｯｸE" pitchFamily="50" charset="-128"/>
+                <a:ea typeface="HGPｺﾞｼｯｸE" pitchFamily="50" charset="-128"/>
+              </a:rPr>
+              <a:t>コンテンツ</a:t>
+            </a:r>
+            <a:endParaRPr kumimoji="1" lang="ja-JP" altLang="en-US" sz="1400" dirty="0">
+              <a:latin typeface="HGPｺﾞｼｯｸE" pitchFamily="50" charset="-128"/>
+              <a:ea typeface="HGPｺﾞｼｯｸE" pitchFamily="50" charset="-128"/>
+            </a:endParaRPr>
+          </a:p>
+        </p:txBody>
+      </p:sp>
+      <p:sp>
+        <p:nvSpPr>
+          <p:cNvPr id="46" name="正方形/長方形 45"/>
+          <p:cNvSpPr/>
+          <p:nvPr/>
+        </p:nvSpPr>
+        <p:spPr>
+          <a:xfrm>
+            <a:off x="1547664" y="4653136"/>
+            <a:ext cx="1008112" cy="288032"/>
+          </a:xfrm>
+          <a:prstGeom prst="rect">
+            <a:avLst/>
+          </a:prstGeom>
+          <a:solidFill>
+            <a:schemeClr val="bg1">
+              <a:lumMod val="95000"/>
+            </a:schemeClr>
+          </a:solidFill>
+        </p:spPr>
+        <p:style>
+          <a:lnRef idx="2">
+            <a:schemeClr val="accent2"/>
+          </a:lnRef>
+          <a:fillRef idx="1">
+            <a:schemeClr val="lt1"/>
+          </a:fillRef>
+          <a:effectRef idx="0">
+            <a:schemeClr val="accent2"/>
+          </a:effectRef>
+          <a:fontRef idx="minor">
+            <a:schemeClr val="dk1"/>
+          </a:fontRef>
+        </p:style>
+        <p:txBody>
+          <a:bodyPr rtlCol="0" anchor="t"/>
+          <a:lstStyle/>
+          <a:p>
+            <a:r>
+              <a:rPr kumimoji="1" lang="ja-JP" altLang="en-US" sz="1400" dirty="0" smtClean="0">
+                <a:latin typeface="HGPｺﾞｼｯｸE" pitchFamily="50" charset="-128"/>
+                <a:ea typeface="HGPｺﾞｼｯｸE" pitchFamily="50" charset="-128"/>
+              </a:rPr>
+              <a:t>コンテンツ</a:t>
+            </a:r>
+            <a:endParaRPr kumimoji="1" lang="ja-JP" altLang="en-US" sz="1400" dirty="0">
+              <a:latin typeface="HGPｺﾞｼｯｸE" pitchFamily="50" charset="-128"/>
+              <a:ea typeface="HGPｺﾞｼｯｸE" pitchFamily="50" charset="-128"/>
+            </a:endParaRPr>
+          </a:p>
+        </p:txBody>
+      </p:sp>
+      <p:sp>
+        <p:nvSpPr>
+          <p:cNvPr id="50" name="正方形/長方形 49"/>
+          <p:cNvSpPr/>
+          <p:nvPr/>
+        </p:nvSpPr>
+        <p:spPr>
+          <a:xfrm>
+            <a:off x="3203848" y="3212976"/>
+            <a:ext cx="2088232" cy="288032"/>
+          </a:xfrm>
+          <a:prstGeom prst="rect">
+            <a:avLst/>
+          </a:prstGeom>
+          <a:solidFill>
+            <a:schemeClr val="bg1">
+              <a:lumMod val="95000"/>
+            </a:schemeClr>
+          </a:solidFill>
+        </p:spPr>
+        <p:style>
+          <a:lnRef idx="2">
+            <a:schemeClr val="accent2"/>
+          </a:lnRef>
+          <a:fillRef idx="1">
+            <a:schemeClr val="lt1"/>
+          </a:fillRef>
+          <a:effectRef idx="0">
+            <a:schemeClr val="accent2"/>
+          </a:effectRef>
+          <a:fontRef idx="minor">
+            <a:schemeClr val="dk1"/>
+          </a:fontRef>
+        </p:style>
+        <p:txBody>
+          <a:bodyPr rtlCol="0" anchor="t"/>
+          <a:lstStyle/>
+          <a:p>
+            <a:pPr algn="ctr"/>
+            <a:r>
+              <a:rPr kumimoji="1" lang="ja-JP" altLang="en-US" sz="1400" dirty="0" smtClean="0">
+                <a:latin typeface="HGPｺﾞｼｯｸE" pitchFamily="50" charset="-128"/>
+                <a:ea typeface="HGPｺﾞｼｯｸE" pitchFamily="50" charset="-128"/>
+              </a:rPr>
+              <a:t>コンテンツ</a:t>
+            </a:r>
+            <a:endParaRPr kumimoji="1" lang="ja-JP" altLang="en-US" sz="1400" dirty="0">
+              <a:latin typeface="HGPｺﾞｼｯｸE" pitchFamily="50" charset="-128"/>
+              <a:ea typeface="HGPｺﾞｼｯｸE" pitchFamily="50" charset="-128"/>
+            </a:endParaRPr>
+          </a:p>
+        </p:txBody>
+      </p:sp>
+      <p:sp>
+        <p:nvSpPr>
+          <p:cNvPr id="51" name="正方形/長方形 50"/>
+          <p:cNvSpPr/>
+          <p:nvPr/>
+        </p:nvSpPr>
+        <p:spPr>
+          <a:xfrm>
+            <a:off x="5652120" y="1700808"/>
+            <a:ext cx="1584176" cy="3528392"/>
+          </a:xfrm>
+          <a:prstGeom prst="rect">
+            <a:avLst/>
+          </a:prstGeom>
+          <a:solidFill>
+            <a:schemeClr val="bg1">
+              <a:lumMod val="95000"/>
+            </a:schemeClr>
+          </a:solidFill>
+        </p:spPr>
+        <p:style>
+          <a:lnRef idx="2">
+            <a:schemeClr val="accent1"/>
+          </a:lnRef>
+          <a:fillRef idx="1">
+            <a:schemeClr val="lt1"/>
+          </a:fillRef>
+          <a:effectRef idx="0">
+            <a:schemeClr val="accent1"/>
+          </a:effectRef>
+          <a:fontRef idx="minor">
+            <a:schemeClr val="dk1"/>
+          </a:fontRef>
+        </p:style>
+        <p:txBody>
+          <a:bodyPr rtlCol="0" anchor="t"/>
+          <a:lstStyle/>
+          <a:p>
+            <a:r>
+              <a:rPr lang="ja-JP" altLang="en-US" sz="1400" dirty="0" smtClean="0">
+                <a:latin typeface="HGPｺﾞｼｯｸE" pitchFamily="50" charset="-128"/>
+                <a:ea typeface="HGPｺﾞｼｯｸE" pitchFamily="50" charset="-128"/>
+              </a:rPr>
+              <a:t>ライトコンテナー</a:t>
+            </a:r>
+          </a:p>
+        </p:txBody>
+      </p:sp>
+      <p:sp>
+        <p:nvSpPr>
+          <p:cNvPr id="52" name="正方形/長方形 51"/>
+          <p:cNvSpPr/>
+          <p:nvPr/>
+        </p:nvSpPr>
+        <p:spPr>
+          <a:xfrm>
+            <a:off x="5724128" y="1988840"/>
+            <a:ext cx="1440160" cy="3168352"/>
+          </a:xfrm>
+          <a:prstGeom prst="rect">
+            <a:avLst/>
+          </a:prstGeom>
+        </p:spPr>
+        <p:style>
+          <a:lnRef idx="2">
+            <a:schemeClr val="accent5"/>
+          </a:lnRef>
+          <a:fillRef idx="1">
+            <a:schemeClr val="lt1"/>
+          </a:fillRef>
+          <a:effectRef idx="0">
+            <a:schemeClr val="accent5"/>
+          </a:effectRef>
+          <a:fontRef idx="minor">
+            <a:schemeClr val="dk1"/>
+          </a:fontRef>
+        </p:style>
+        <p:txBody>
+          <a:bodyPr rtlCol="0" anchor="t"/>
+          <a:lstStyle/>
+          <a:p>
+            <a:r>
+              <a:rPr kumimoji="1" lang="ja-JP" altLang="en-US" sz="1400" dirty="0" smtClean="0">
+                <a:latin typeface="HGPｺﾞｼｯｸE" pitchFamily="50" charset="-128"/>
+                <a:ea typeface="HGPｺﾞｼｯｸE" pitchFamily="50" charset="-128"/>
+              </a:rPr>
+              <a:t>ボックス</a:t>
+            </a:r>
+            <a:endParaRPr kumimoji="1" lang="ja-JP" altLang="en-US" sz="1400" dirty="0">
+              <a:latin typeface="HGPｺﾞｼｯｸE" pitchFamily="50" charset="-128"/>
+              <a:ea typeface="HGPｺﾞｼｯｸE" pitchFamily="50" charset="-128"/>
+            </a:endParaRPr>
+          </a:p>
+        </p:txBody>
+      </p:sp>
+      <p:sp>
+        <p:nvSpPr>
+          <p:cNvPr id="53" name="正方形/長方形 52"/>
+          <p:cNvSpPr/>
+          <p:nvPr/>
+        </p:nvSpPr>
+        <p:spPr>
+          <a:xfrm>
+            <a:off x="5796136" y="2276872"/>
+            <a:ext cx="1296144" cy="1368152"/>
+          </a:xfrm>
+          <a:prstGeom prst="rect">
+            <a:avLst/>
+          </a:prstGeom>
+          <a:solidFill>
+            <a:schemeClr val="bg1">
+              <a:lumMod val="95000"/>
+            </a:schemeClr>
+          </a:solidFill>
+        </p:spPr>
+        <p:style>
+          <a:lnRef idx="2">
+            <a:schemeClr val="accent3"/>
+          </a:lnRef>
+          <a:fillRef idx="1">
+            <a:schemeClr val="lt1"/>
+          </a:fillRef>
+          <a:effectRef idx="0">
+            <a:schemeClr val="accent3"/>
+          </a:effectRef>
+          <a:fontRef idx="minor">
+            <a:schemeClr val="dk1"/>
+          </a:fontRef>
+        </p:style>
+        <p:txBody>
+          <a:bodyPr rtlCol="0" anchor="t"/>
+          <a:lstStyle/>
+          <a:p>
+            <a:r>
+              <a:rPr kumimoji="1" lang="ja-JP" altLang="en-US" sz="1400" dirty="0" smtClean="0">
+                <a:latin typeface="HGPｺﾞｼｯｸE" pitchFamily="50" charset="-128"/>
+                <a:ea typeface="HGPｺﾞｼｯｸE" pitchFamily="50" charset="-128"/>
+              </a:rPr>
+              <a:t>フレーム</a:t>
+            </a:r>
+            <a:endParaRPr kumimoji="1" lang="ja-JP" altLang="en-US" sz="1400" dirty="0">
+              <a:latin typeface="HGPｺﾞｼｯｸE" pitchFamily="50" charset="-128"/>
+              <a:ea typeface="HGPｺﾞｼｯｸE" pitchFamily="50" charset="-128"/>
+            </a:endParaRPr>
+          </a:p>
+        </p:txBody>
+      </p:sp>
+      <p:sp>
+        <p:nvSpPr>
+          <p:cNvPr id="54" name="正方形/長方形 53"/>
+          <p:cNvSpPr/>
+          <p:nvPr/>
+        </p:nvSpPr>
+        <p:spPr>
+          <a:xfrm>
+            <a:off x="5868144" y="2564904"/>
+            <a:ext cx="1152128" cy="1008112"/>
+          </a:xfrm>
+          <a:prstGeom prst="rect">
+            <a:avLst/>
+          </a:prstGeom>
+        </p:spPr>
+        <p:style>
+          <a:lnRef idx="2">
+            <a:schemeClr val="accent6"/>
+          </a:lnRef>
+          <a:fillRef idx="1">
+            <a:schemeClr val="lt1"/>
+          </a:fillRef>
+          <a:effectRef idx="0">
+            <a:schemeClr val="accent6"/>
+          </a:effectRef>
+          <a:fontRef idx="minor">
+            <a:schemeClr val="dk1"/>
+          </a:fontRef>
+        </p:style>
+        <p:txBody>
+          <a:bodyPr rtlCol="0" anchor="t"/>
+          <a:lstStyle/>
+          <a:p>
+            <a:r>
+              <a:rPr lang="ja-JP" altLang="en-US" sz="1400" dirty="0" smtClean="0">
+                <a:latin typeface="HGPｺﾞｼｯｸE" pitchFamily="50" charset="-128"/>
+                <a:ea typeface="HGPｺﾞｼｯｸE" pitchFamily="50" charset="-128"/>
+              </a:rPr>
+              <a:t>ブロック</a:t>
+            </a:r>
+            <a:endParaRPr kumimoji="1" lang="ja-JP" altLang="en-US" sz="1400" dirty="0">
+              <a:latin typeface="HGPｺﾞｼｯｸE" pitchFamily="50" charset="-128"/>
+              <a:ea typeface="HGPｺﾞｼｯｸE" pitchFamily="50" charset="-128"/>
+            </a:endParaRPr>
+          </a:p>
+        </p:txBody>
+      </p:sp>
+      <p:sp>
+        <p:nvSpPr>
+          <p:cNvPr id="55" name="正方形/長方形 54"/>
+          <p:cNvSpPr/>
+          <p:nvPr/>
+        </p:nvSpPr>
+        <p:spPr>
+          <a:xfrm>
+            <a:off x="5940152" y="2852936"/>
+            <a:ext cx="1008112" cy="288032"/>
+          </a:xfrm>
+          <a:prstGeom prst="rect">
+            <a:avLst/>
+          </a:prstGeom>
+          <a:solidFill>
+            <a:schemeClr val="bg1">
+              <a:lumMod val="95000"/>
+            </a:schemeClr>
+          </a:solidFill>
+        </p:spPr>
+        <p:style>
+          <a:lnRef idx="2">
+            <a:schemeClr val="accent2"/>
+          </a:lnRef>
+          <a:fillRef idx="1">
+            <a:schemeClr val="lt1"/>
+          </a:fillRef>
+          <a:effectRef idx="0">
+            <a:schemeClr val="accent2"/>
+          </a:effectRef>
+          <a:fontRef idx="minor">
+            <a:schemeClr val="dk1"/>
+          </a:fontRef>
+        </p:style>
+        <p:txBody>
+          <a:bodyPr rtlCol="0" anchor="t"/>
+          <a:lstStyle/>
+          <a:p>
+            <a:r>
+              <a:rPr kumimoji="1" lang="ja-JP" altLang="en-US" sz="1400" dirty="0" smtClean="0">
+                <a:latin typeface="HGPｺﾞｼｯｸE" pitchFamily="50" charset="-128"/>
+                <a:ea typeface="HGPｺﾞｼｯｸE" pitchFamily="50" charset="-128"/>
+              </a:rPr>
+              <a:t>コンテンツ</a:t>
+            </a:r>
+            <a:endParaRPr kumimoji="1" lang="ja-JP" altLang="en-US" sz="1400" dirty="0">
+              <a:latin typeface="HGPｺﾞｼｯｸE" pitchFamily="50" charset="-128"/>
+              <a:ea typeface="HGPｺﾞｼｯｸE" pitchFamily="50" charset="-128"/>
+            </a:endParaRPr>
+          </a:p>
+        </p:txBody>
+      </p:sp>
+      <p:sp>
+        <p:nvSpPr>
+          <p:cNvPr id="56" name="正方形/長方形 55"/>
+          <p:cNvSpPr/>
+          <p:nvPr/>
+        </p:nvSpPr>
+        <p:spPr>
+          <a:xfrm>
+            <a:off x="5940152" y="3212976"/>
+            <a:ext cx="1008112" cy="288032"/>
+          </a:xfrm>
+          <a:prstGeom prst="rect">
+            <a:avLst/>
+          </a:prstGeom>
+          <a:solidFill>
+            <a:schemeClr val="bg1">
+              <a:lumMod val="95000"/>
+            </a:schemeClr>
+          </a:solidFill>
+        </p:spPr>
+        <p:style>
+          <a:lnRef idx="2">
+            <a:schemeClr val="accent2"/>
+          </a:lnRef>
+          <a:fillRef idx="1">
+            <a:schemeClr val="lt1"/>
+          </a:fillRef>
+          <a:effectRef idx="0">
+            <a:schemeClr val="accent2"/>
+          </a:effectRef>
+          <a:fontRef idx="minor">
+            <a:schemeClr val="dk1"/>
+          </a:fontRef>
+        </p:style>
+        <p:txBody>
+          <a:bodyPr rtlCol="0" anchor="t"/>
+          <a:lstStyle/>
+          <a:p>
+            <a:r>
+              <a:rPr kumimoji="1" lang="ja-JP" altLang="en-US" sz="1400" dirty="0" smtClean="0">
+                <a:latin typeface="HGPｺﾞｼｯｸE" pitchFamily="50" charset="-128"/>
+                <a:ea typeface="HGPｺﾞｼｯｸE" pitchFamily="50" charset="-128"/>
+              </a:rPr>
+              <a:t>コンテンツ</a:t>
+            </a:r>
+            <a:endParaRPr kumimoji="1" lang="ja-JP" altLang="en-US" sz="1400" dirty="0">
+              <a:latin typeface="HGPｺﾞｼｯｸE" pitchFamily="50" charset="-128"/>
+              <a:ea typeface="HGPｺﾞｼｯｸE" pitchFamily="50" charset="-128"/>
+            </a:endParaRPr>
+          </a:p>
+        </p:txBody>
+      </p:sp>
+      <p:sp>
+        <p:nvSpPr>
+          <p:cNvPr id="57" name="正方形/長方形 56"/>
+          <p:cNvSpPr/>
+          <p:nvPr/>
+        </p:nvSpPr>
+        <p:spPr>
+          <a:xfrm>
+            <a:off x="5796136" y="3717032"/>
+            <a:ext cx="1296144" cy="1368152"/>
+          </a:xfrm>
+          <a:prstGeom prst="rect">
+            <a:avLst/>
+          </a:prstGeom>
+          <a:solidFill>
+            <a:schemeClr val="bg1">
+              <a:lumMod val="95000"/>
+            </a:schemeClr>
+          </a:solidFill>
+        </p:spPr>
+        <p:style>
+          <a:lnRef idx="2">
+            <a:schemeClr val="accent3"/>
+          </a:lnRef>
+          <a:fillRef idx="1">
+            <a:schemeClr val="lt1"/>
+          </a:fillRef>
+          <a:effectRef idx="0">
+            <a:schemeClr val="accent3"/>
+          </a:effectRef>
+          <a:fontRef idx="minor">
+            <a:schemeClr val="dk1"/>
+          </a:fontRef>
+        </p:style>
+        <p:txBody>
+          <a:bodyPr rtlCol="0" anchor="t"/>
+          <a:lstStyle/>
+          <a:p>
+            <a:r>
+              <a:rPr kumimoji="1" lang="ja-JP" altLang="en-US" sz="1400" dirty="0" smtClean="0">
+                <a:latin typeface="HGPｺﾞｼｯｸE" pitchFamily="50" charset="-128"/>
+                <a:ea typeface="HGPｺﾞｼｯｸE" pitchFamily="50" charset="-128"/>
+              </a:rPr>
+              <a:t>フレーム</a:t>
+            </a:r>
+            <a:endParaRPr kumimoji="1" lang="ja-JP" altLang="en-US" sz="1400" dirty="0">
+              <a:latin typeface="HGPｺﾞｼｯｸE" pitchFamily="50" charset="-128"/>
+              <a:ea typeface="HGPｺﾞｼｯｸE" pitchFamily="50" charset="-128"/>
+            </a:endParaRPr>
+          </a:p>
+        </p:txBody>
+      </p:sp>
+      <p:sp>
+        <p:nvSpPr>
+          <p:cNvPr id="58" name="正方形/長方形 57"/>
+          <p:cNvSpPr/>
+          <p:nvPr/>
+        </p:nvSpPr>
+        <p:spPr>
+          <a:xfrm>
+            <a:off x="5868144" y="4005064"/>
+            <a:ext cx="1152128" cy="1008112"/>
+          </a:xfrm>
+          <a:prstGeom prst="rect">
+            <a:avLst/>
+          </a:prstGeom>
+        </p:spPr>
+        <p:style>
+          <a:lnRef idx="2">
+            <a:schemeClr val="accent6"/>
+          </a:lnRef>
+          <a:fillRef idx="1">
+            <a:schemeClr val="lt1"/>
+          </a:fillRef>
+          <a:effectRef idx="0">
+            <a:schemeClr val="accent6"/>
+          </a:effectRef>
+          <a:fontRef idx="minor">
+            <a:schemeClr val="dk1"/>
+          </a:fontRef>
+        </p:style>
+        <p:txBody>
+          <a:bodyPr rtlCol="0" anchor="t"/>
+          <a:lstStyle/>
+          <a:p>
+            <a:r>
+              <a:rPr lang="ja-JP" altLang="en-US" sz="1400" dirty="0" smtClean="0">
+                <a:latin typeface="HGPｺﾞｼｯｸE" pitchFamily="50" charset="-128"/>
+                <a:ea typeface="HGPｺﾞｼｯｸE" pitchFamily="50" charset="-128"/>
+              </a:rPr>
+              <a:t>ブロック</a:t>
+            </a:r>
+            <a:endParaRPr kumimoji="1" lang="ja-JP" altLang="en-US" sz="1400" dirty="0">
+              <a:latin typeface="HGPｺﾞｼｯｸE" pitchFamily="50" charset="-128"/>
+              <a:ea typeface="HGPｺﾞｼｯｸE" pitchFamily="50" charset="-128"/>
+            </a:endParaRPr>
+          </a:p>
+        </p:txBody>
+      </p:sp>
+      <p:sp>
+        <p:nvSpPr>
+          <p:cNvPr id="59" name="正方形/長方形 58"/>
+          <p:cNvSpPr/>
+          <p:nvPr/>
+        </p:nvSpPr>
+        <p:spPr>
+          <a:xfrm>
+            <a:off x="5940152" y="4293096"/>
+            <a:ext cx="1008112" cy="288032"/>
+          </a:xfrm>
+          <a:prstGeom prst="rect">
+            <a:avLst/>
+          </a:prstGeom>
+          <a:solidFill>
+            <a:schemeClr val="bg1">
+              <a:lumMod val="95000"/>
+            </a:schemeClr>
+          </a:solidFill>
+        </p:spPr>
+        <p:style>
+          <a:lnRef idx="2">
+            <a:schemeClr val="accent2"/>
+          </a:lnRef>
+          <a:fillRef idx="1">
+            <a:schemeClr val="lt1"/>
+          </a:fillRef>
+          <a:effectRef idx="0">
+            <a:schemeClr val="accent2"/>
+          </a:effectRef>
+          <a:fontRef idx="minor">
+            <a:schemeClr val="dk1"/>
+          </a:fontRef>
+        </p:style>
+        <p:txBody>
+          <a:bodyPr rtlCol="0" anchor="t"/>
+          <a:lstStyle/>
+          <a:p>
+            <a:r>
+              <a:rPr kumimoji="1" lang="ja-JP" altLang="en-US" sz="1400" dirty="0" smtClean="0">
+                <a:latin typeface="HGPｺﾞｼｯｸE" pitchFamily="50" charset="-128"/>
+                <a:ea typeface="HGPｺﾞｼｯｸE" pitchFamily="50" charset="-128"/>
+              </a:rPr>
+              <a:t>コンテンツ</a:t>
+            </a:r>
+            <a:endParaRPr kumimoji="1" lang="ja-JP" altLang="en-US" sz="1400" dirty="0">
+              <a:latin typeface="HGPｺﾞｼｯｸE" pitchFamily="50" charset="-128"/>
+              <a:ea typeface="HGPｺﾞｼｯｸE" pitchFamily="50" charset="-128"/>
+            </a:endParaRPr>
+          </a:p>
+        </p:txBody>
+      </p:sp>
+      <p:sp>
+        <p:nvSpPr>
+          <p:cNvPr id="60" name="正方形/長方形 59"/>
+          <p:cNvSpPr/>
+          <p:nvPr/>
+        </p:nvSpPr>
+        <p:spPr>
+          <a:xfrm>
+            <a:off x="5940152" y="4653136"/>
+            <a:ext cx="1008112" cy="288032"/>
+          </a:xfrm>
+          <a:prstGeom prst="rect">
+            <a:avLst/>
+          </a:prstGeom>
+          <a:solidFill>
+            <a:schemeClr val="bg1">
+              <a:lumMod val="95000"/>
+            </a:schemeClr>
+          </a:solidFill>
+        </p:spPr>
+        <p:style>
+          <a:lnRef idx="2">
+            <a:schemeClr val="accent2"/>
+          </a:lnRef>
+          <a:fillRef idx="1">
+            <a:schemeClr val="lt1"/>
+          </a:fillRef>
+          <a:effectRef idx="0">
+            <a:schemeClr val="accent2"/>
+          </a:effectRef>
+          <a:fontRef idx="minor">
+            <a:schemeClr val="dk1"/>
+          </a:fontRef>
+        </p:style>
+        <p:txBody>
+          <a:bodyPr rtlCol="0" anchor="t"/>
+          <a:lstStyle/>
+          <a:p>
+            <a:r>
+              <a:rPr kumimoji="1" lang="ja-JP" altLang="en-US" sz="1400" dirty="0" smtClean="0">
+                <a:latin typeface="HGPｺﾞｼｯｸE" pitchFamily="50" charset="-128"/>
+                <a:ea typeface="HGPｺﾞｼｯｸE" pitchFamily="50" charset="-128"/>
+              </a:rPr>
+              <a:t>コンテンツ</a:t>
+            </a:r>
+            <a:endParaRPr kumimoji="1" lang="ja-JP" altLang="en-US" sz="1400" dirty="0">
+              <a:latin typeface="HGPｺﾞｼｯｸE" pitchFamily="50" charset="-128"/>
+              <a:ea typeface="HGPｺﾞｼｯｸE" pitchFamily="50" charset="-128"/>
+            </a:endParaRPr>
+          </a:p>
+        </p:txBody>
+      </p:sp>
+      <p:sp>
+        <p:nvSpPr>
+          <p:cNvPr id="61" name="正方形/長方形 60"/>
+          <p:cNvSpPr/>
+          <p:nvPr/>
+        </p:nvSpPr>
+        <p:spPr>
+          <a:xfrm>
+            <a:off x="4283968" y="908720"/>
+            <a:ext cx="2808312" cy="576064"/>
+          </a:xfrm>
+          <a:prstGeom prst="rect">
+            <a:avLst/>
+          </a:prstGeom>
+          <a:solidFill>
+            <a:schemeClr val="bg1">
+              <a:lumMod val="95000"/>
+            </a:schemeClr>
+          </a:solidFill>
+        </p:spPr>
+        <p:style>
+          <a:lnRef idx="2">
+            <a:schemeClr val="accent3"/>
+          </a:lnRef>
+          <a:fillRef idx="1">
+            <a:schemeClr val="lt1"/>
+          </a:fillRef>
+          <a:effectRef idx="0">
+            <a:schemeClr val="accent3"/>
+          </a:effectRef>
+          <a:fontRef idx="minor">
+            <a:schemeClr val="dk1"/>
+          </a:fontRef>
+        </p:style>
+        <p:txBody>
+          <a:bodyPr rtlCol="0" anchor="t"/>
+          <a:lstStyle/>
+          <a:p>
+            <a:r>
+              <a:rPr kumimoji="1" lang="ja-JP" altLang="en-US" sz="1400" dirty="0" smtClean="0">
+                <a:latin typeface="HGPｺﾞｼｯｸE" pitchFamily="50" charset="-128"/>
+                <a:ea typeface="HGPｺﾞｼｯｸE" pitchFamily="50" charset="-128"/>
+              </a:rPr>
+              <a:t>フレーム</a:t>
+            </a:r>
+            <a:endParaRPr kumimoji="1" lang="ja-JP" altLang="en-US" sz="1400" dirty="0">
+              <a:latin typeface="HGPｺﾞｼｯｸE" pitchFamily="50" charset="-128"/>
+              <a:ea typeface="HGPｺﾞｼｯｸE" pitchFamily="50" charset="-128"/>
+            </a:endParaRPr>
+          </a:p>
+        </p:txBody>
+      </p:sp>
+      <p:sp>
+        <p:nvSpPr>
+          <p:cNvPr id="62" name="正方形/長方形 61"/>
+          <p:cNvSpPr/>
+          <p:nvPr/>
+        </p:nvSpPr>
+        <p:spPr>
+          <a:xfrm>
+            <a:off x="5148064" y="980728"/>
+            <a:ext cx="1872208" cy="432048"/>
+          </a:xfrm>
+          <a:prstGeom prst="rect">
+            <a:avLst/>
+          </a:prstGeom>
+        </p:spPr>
+        <p:style>
+          <a:lnRef idx="2">
+            <a:schemeClr val="accent6"/>
+          </a:lnRef>
+          <a:fillRef idx="1">
+            <a:schemeClr val="lt1"/>
+          </a:fillRef>
+          <a:effectRef idx="0">
+            <a:schemeClr val="accent6"/>
+          </a:effectRef>
+          <a:fontRef idx="minor">
+            <a:schemeClr val="dk1"/>
+          </a:fontRef>
+        </p:style>
+        <p:txBody>
+          <a:bodyPr rtlCol="0" anchor="t"/>
+          <a:lstStyle/>
+          <a:p>
+            <a:r>
+              <a:rPr lang="ja-JP" altLang="en-US" sz="1400" dirty="0" smtClean="0">
+                <a:latin typeface="HGPｺﾞｼｯｸE" pitchFamily="50" charset="-128"/>
+                <a:ea typeface="HGPｺﾞｼｯｸE" pitchFamily="50" charset="-128"/>
+              </a:rPr>
+              <a:t>ブロック</a:t>
+            </a:r>
+            <a:endParaRPr kumimoji="1" lang="ja-JP" altLang="en-US" sz="1400" dirty="0">
+              <a:latin typeface="HGPｺﾞｼｯｸE" pitchFamily="50" charset="-128"/>
+              <a:ea typeface="HGPｺﾞｼｯｸE" pitchFamily="50" charset="-128"/>
+            </a:endParaRPr>
+          </a:p>
+        </p:txBody>
+      </p:sp>
+      <p:sp>
+        <p:nvSpPr>
+          <p:cNvPr id="63" name="正方形/長方形 62"/>
+          <p:cNvSpPr/>
+          <p:nvPr/>
+        </p:nvSpPr>
+        <p:spPr>
+          <a:xfrm>
+            <a:off x="5940152" y="1052736"/>
+            <a:ext cx="1008112" cy="288032"/>
+          </a:xfrm>
+          <a:prstGeom prst="rect">
+            <a:avLst/>
+          </a:prstGeom>
+          <a:solidFill>
+            <a:schemeClr val="bg1">
+              <a:lumMod val="95000"/>
+            </a:schemeClr>
+          </a:solidFill>
+        </p:spPr>
+        <p:style>
+          <a:lnRef idx="2">
+            <a:schemeClr val="accent2"/>
+          </a:lnRef>
+          <a:fillRef idx="1">
+            <a:schemeClr val="lt1"/>
+          </a:fillRef>
+          <a:effectRef idx="0">
+            <a:schemeClr val="accent2"/>
+          </a:effectRef>
+          <a:fontRef idx="minor">
+            <a:schemeClr val="dk1"/>
+          </a:fontRef>
+        </p:style>
+        <p:txBody>
+          <a:bodyPr rtlCol="0" anchor="t"/>
+          <a:lstStyle/>
+          <a:p>
+            <a:r>
+              <a:rPr kumimoji="1" lang="ja-JP" altLang="en-US" sz="1400" dirty="0" smtClean="0">
+                <a:latin typeface="HGPｺﾞｼｯｸE" pitchFamily="50" charset="-128"/>
+                <a:ea typeface="HGPｺﾞｼｯｸE" pitchFamily="50" charset="-128"/>
+              </a:rPr>
+              <a:t>コンテンツ</a:t>
+            </a:r>
+            <a:endParaRPr kumimoji="1" lang="ja-JP" altLang="en-US" sz="1400" dirty="0">
+              <a:latin typeface="HGPｺﾞｼｯｸE" pitchFamily="50" charset="-128"/>
+              <a:ea typeface="HGPｺﾞｼｯｸE" pitchFamily="50" charset="-128"/>
+            </a:endParaRPr>
+          </a:p>
+        </p:txBody>
+      </p:sp>
+      <p:sp>
+        <p:nvSpPr>
+          <p:cNvPr id="64" name="正方形/長方形 63"/>
+          <p:cNvSpPr/>
+          <p:nvPr/>
+        </p:nvSpPr>
+        <p:spPr>
+          <a:xfrm>
+            <a:off x="1259631" y="5301208"/>
+            <a:ext cx="5976665" cy="1296144"/>
+          </a:xfrm>
+          <a:prstGeom prst="rect">
+            <a:avLst/>
+          </a:prstGeom>
+          <a:solidFill>
+            <a:schemeClr val="bg1">
+              <a:lumMod val="95000"/>
+            </a:schemeClr>
+          </a:solidFill>
+        </p:spPr>
+        <p:style>
+          <a:lnRef idx="2">
+            <a:schemeClr val="accent1"/>
+          </a:lnRef>
+          <a:fillRef idx="1">
+            <a:schemeClr val="lt1"/>
+          </a:fillRef>
+          <a:effectRef idx="0">
+            <a:schemeClr val="accent1"/>
+          </a:effectRef>
+          <a:fontRef idx="minor">
+            <a:schemeClr val="dk1"/>
+          </a:fontRef>
+        </p:style>
+        <p:txBody>
+          <a:bodyPr rtlCol="0" anchor="t"/>
+          <a:lstStyle/>
+          <a:p>
+            <a:r>
+              <a:rPr lang="ja-JP" altLang="en-US" sz="1400" dirty="0" smtClean="0">
+                <a:latin typeface="HGPｺﾞｼｯｸE" pitchFamily="50" charset="-128"/>
+                <a:ea typeface="HGPｺﾞｼｯｸE" pitchFamily="50" charset="-128"/>
+              </a:rPr>
+              <a:t>フッターコンテナー</a:t>
+            </a:r>
+          </a:p>
+        </p:txBody>
+      </p:sp>
+      <p:sp>
+        <p:nvSpPr>
+          <p:cNvPr id="65" name="正方形/長方形 64"/>
+          <p:cNvSpPr/>
+          <p:nvPr/>
+        </p:nvSpPr>
+        <p:spPr>
+          <a:xfrm>
+            <a:off x="1331640" y="5589240"/>
+            <a:ext cx="5832648" cy="936104"/>
+          </a:xfrm>
+          <a:prstGeom prst="rect">
+            <a:avLst/>
+          </a:prstGeom>
+        </p:spPr>
+        <p:style>
+          <a:lnRef idx="2">
+            <a:schemeClr val="accent5"/>
+          </a:lnRef>
+          <a:fillRef idx="1">
+            <a:schemeClr val="lt1"/>
+          </a:fillRef>
+          <a:effectRef idx="0">
+            <a:schemeClr val="accent5"/>
+          </a:effectRef>
+          <a:fontRef idx="minor">
+            <a:schemeClr val="dk1"/>
+          </a:fontRef>
+        </p:style>
+        <p:txBody>
+          <a:bodyPr rtlCol="0" anchor="t"/>
+          <a:lstStyle/>
+          <a:p>
+            <a:r>
+              <a:rPr kumimoji="1" lang="ja-JP" altLang="en-US" sz="1400" dirty="0" smtClean="0">
+                <a:latin typeface="HGPｺﾞｼｯｸE" pitchFamily="50" charset="-128"/>
+                <a:ea typeface="HGPｺﾞｼｯｸE" pitchFamily="50" charset="-128"/>
+              </a:rPr>
+              <a:t>ボックス</a:t>
+            </a:r>
+            <a:endParaRPr kumimoji="1" lang="ja-JP" altLang="en-US" sz="1400" dirty="0">
+              <a:latin typeface="HGPｺﾞｼｯｸE" pitchFamily="50" charset="-128"/>
+              <a:ea typeface="HGPｺﾞｼｯｸE" pitchFamily="50" charset="-128"/>
+            </a:endParaRPr>
+          </a:p>
+        </p:txBody>
+      </p:sp>
+      <p:sp>
+        <p:nvSpPr>
+          <p:cNvPr id="66" name="正方形/長方形 65"/>
+          <p:cNvSpPr/>
+          <p:nvPr/>
+        </p:nvSpPr>
+        <p:spPr>
+          <a:xfrm>
+            <a:off x="1403648" y="5877272"/>
+            <a:ext cx="2808312" cy="576064"/>
+          </a:xfrm>
+          <a:prstGeom prst="rect">
+            <a:avLst/>
+          </a:prstGeom>
+          <a:solidFill>
+            <a:schemeClr val="bg1">
+              <a:lumMod val="95000"/>
+            </a:schemeClr>
+          </a:solidFill>
+        </p:spPr>
+        <p:style>
+          <a:lnRef idx="2">
+            <a:schemeClr val="accent3"/>
+          </a:lnRef>
+          <a:fillRef idx="1">
+            <a:schemeClr val="lt1"/>
+          </a:fillRef>
+          <a:effectRef idx="0">
+            <a:schemeClr val="accent3"/>
+          </a:effectRef>
+          <a:fontRef idx="minor">
+            <a:schemeClr val="dk1"/>
+          </a:fontRef>
+        </p:style>
+        <p:txBody>
+          <a:bodyPr rtlCol="0" anchor="t"/>
+          <a:lstStyle/>
+          <a:p>
+            <a:r>
+              <a:rPr kumimoji="1" lang="ja-JP" altLang="en-US" sz="1400" dirty="0" smtClean="0">
+                <a:latin typeface="HGPｺﾞｼｯｸE" pitchFamily="50" charset="-128"/>
+                <a:ea typeface="HGPｺﾞｼｯｸE" pitchFamily="50" charset="-128"/>
+              </a:rPr>
+              <a:t>フレーム</a:t>
+            </a:r>
+            <a:endParaRPr kumimoji="1" lang="ja-JP" altLang="en-US" sz="1400" dirty="0">
+              <a:latin typeface="HGPｺﾞｼｯｸE" pitchFamily="50" charset="-128"/>
+              <a:ea typeface="HGPｺﾞｼｯｸE" pitchFamily="50" charset="-128"/>
+            </a:endParaRPr>
+          </a:p>
+        </p:txBody>
+      </p:sp>
+      <p:sp>
+        <p:nvSpPr>
+          <p:cNvPr id="67" name="正方形/長方形 66"/>
+          <p:cNvSpPr/>
+          <p:nvPr/>
+        </p:nvSpPr>
+        <p:spPr>
+          <a:xfrm>
+            <a:off x="2267744" y="5949280"/>
+            <a:ext cx="1872208" cy="432048"/>
+          </a:xfrm>
+          <a:prstGeom prst="rect">
+            <a:avLst/>
+          </a:prstGeom>
+        </p:spPr>
+        <p:style>
+          <a:lnRef idx="2">
+            <a:schemeClr val="accent6"/>
+          </a:lnRef>
+          <a:fillRef idx="1">
+            <a:schemeClr val="lt1"/>
+          </a:fillRef>
+          <a:effectRef idx="0">
+            <a:schemeClr val="accent6"/>
+          </a:effectRef>
+          <a:fontRef idx="minor">
+            <a:schemeClr val="dk1"/>
+          </a:fontRef>
+        </p:style>
+        <p:txBody>
+          <a:bodyPr rtlCol="0" anchor="t"/>
+          <a:lstStyle/>
+          <a:p>
+            <a:r>
+              <a:rPr lang="ja-JP" altLang="en-US" sz="1400" dirty="0" smtClean="0">
+                <a:latin typeface="HGPｺﾞｼｯｸE" pitchFamily="50" charset="-128"/>
+                <a:ea typeface="HGPｺﾞｼｯｸE" pitchFamily="50" charset="-128"/>
+              </a:rPr>
+              <a:t>ブロック</a:t>
+            </a:r>
+            <a:endParaRPr kumimoji="1" lang="ja-JP" altLang="en-US" sz="1400" dirty="0">
+              <a:latin typeface="HGPｺﾞｼｯｸE" pitchFamily="50" charset="-128"/>
+              <a:ea typeface="HGPｺﾞｼｯｸE" pitchFamily="50" charset="-128"/>
+            </a:endParaRPr>
+          </a:p>
+        </p:txBody>
+      </p:sp>
+      <p:sp>
+        <p:nvSpPr>
+          <p:cNvPr id="68" name="正方形/長方形 67"/>
+          <p:cNvSpPr/>
+          <p:nvPr/>
+        </p:nvSpPr>
+        <p:spPr>
+          <a:xfrm>
+            <a:off x="3059832" y="6021288"/>
+            <a:ext cx="1008112" cy="288032"/>
+          </a:xfrm>
+          <a:prstGeom prst="rect">
+            <a:avLst/>
+          </a:prstGeom>
+          <a:solidFill>
+            <a:schemeClr val="bg1">
+              <a:lumMod val="95000"/>
+            </a:schemeClr>
+          </a:solidFill>
+        </p:spPr>
+        <p:style>
+          <a:lnRef idx="2">
+            <a:schemeClr val="accent2"/>
+          </a:lnRef>
+          <a:fillRef idx="1">
+            <a:schemeClr val="lt1"/>
+          </a:fillRef>
+          <a:effectRef idx="0">
+            <a:schemeClr val="accent2"/>
+          </a:effectRef>
+          <a:fontRef idx="minor">
+            <a:schemeClr val="dk1"/>
+          </a:fontRef>
+        </p:style>
+        <p:txBody>
+          <a:bodyPr rtlCol="0" anchor="t"/>
+          <a:lstStyle/>
+          <a:p>
+            <a:r>
+              <a:rPr kumimoji="1" lang="ja-JP" altLang="en-US" sz="1400" dirty="0" smtClean="0">
+                <a:latin typeface="HGPｺﾞｼｯｸE" pitchFamily="50" charset="-128"/>
+                <a:ea typeface="HGPｺﾞｼｯｸE" pitchFamily="50" charset="-128"/>
+              </a:rPr>
+              <a:t>コンテンツ</a:t>
+            </a:r>
+            <a:endParaRPr kumimoji="1" lang="ja-JP" altLang="en-US" sz="1400" dirty="0">
+              <a:latin typeface="HGPｺﾞｼｯｸE" pitchFamily="50" charset="-128"/>
+              <a:ea typeface="HGPｺﾞｼｯｸE" pitchFamily="50" charset="-128"/>
+            </a:endParaRPr>
+          </a:p>
+        </p:txBody>
+      </p:sp>
+      <p:sp>
+        <p:nvSpPr>
+          <p:cNvPr id="69" name="正方形/長方形 68"/>
+          <p:cNvSpPr/>
+          <p:nvPr/>
+        </p:nvSpPr>
+        <p:spPr>
+          <a:xfrm>
+            <a:off x="4283968" y="5877272"/>
+            <a:ext cx="2808312" cy="576064"/>
+          </a:xfrm>
+          <a:prstGeom prst="rect">
+            <a:avLst/>
+          </a:prstGeom>
+          <a:solidFill>
+            <a:schemeClr val="bg1">
+              <a:lumMod val="95000"/>
+            </a:schemeClr>
+          </a:solidFill>
+        </p:spPr>
+        <p:style>
+          <a:lnRef idx="2">
+            <a:schemeClr val="accent3"/>
+          </a:lnRef>
+          <a:fillRef idx="1">
+            <a:schemeClr val="lt1"/>
+          </a:fillRef>
+          <a:effectRef idx="0">
+            <a:schemeClr val="accent3"/>
+          </a:effectRef>
+          <a:fontRef idx="minor">
+            <a:schemeClr val="dk1"/>
+          </a:fontRef>
+        </p:style>
+        <p:txBody>
+          <a:bodyPr rtlCol="0" anchor="t"/>
+          <a:lstStyle/>
+          <a:p>
+            <a:r>
+              <a:rPr kumimoji="1" lang="ja-JP" altLang="en-US" sz="1400" dirty="0" smtClean="0">
+                <a:latin typeface="HGPｺﾞｼｯｸE" pitchFamily="50" charset="-128"/>
+                <a:ea typeface="HGPｺﾞｼｯｸE" pitchFamily="50" charset="-128"/>
+              </a:rPr>
+              <a:t>フレーム</a:t>
+            </a:r>
+            <a:endParaRPr kumimoji="1" lang="ja-JP" altLang="en-US" sz="1400" dirty="0">
+              <a:latin typeface="HGPｺﾞｼｯｸE" pitchFamily="50" charset="-128"/>
+              <a:ea typeface="HGPｺﾞｼｯｸE" pitchFamily="50" charset="-128"/>
+            </a:endParaRPr>
+          </a:p>
+        </p:txBody>
+      </p:sp>
+      <p:sp>
+        <p:nvSpPr>
+          <p:cNvPr id="70" name="正方形/長方形 69"/>
+          <p:cNvSpPr/>
+          <p:nvPr/>
+        </p:nvSpPr>
+        <p:spPr>
+          <a:xfrm>
+            <a:off x="5148064" y="5949280"/>
+            <a:ext cx="1872208" cy="432048"/>
+          </a:xfrm>
+          <a:prstGeom prst="rect">
+            <a:avLst/>
+          </a:prstGeom>
+        </p:spPr>
+        <p:style>
+          <a:lnRef idx="2">
+            <a:schemeClr val="accent6"/>
+          </a:lnRef>
+          <a:fillRef idx="1">
+            <a:schemeClr val="lt1"/>
+          </a:fillRef>
+          <a:effectRef idx="0">
+            <a:schemeClr val="accent6"/>
+          </a:effectRef>
+          <a:fontRef idx="minor">
+            <a:schemeClr val="dk1"/>
+          </a:fontRef>
+        </p:style>
+        <p:txBody>
+          <a:bodyPr rtlCol="0" anchor="t"/>
+          <a:lstStyle/>
+          <a:p>
+            <a:r>
+              <a:rPr lang="ja-JP" altLang="en-US" sz="1400" dirty="0" smtClean="0">
+                <a:latin typeface="HGPｺﾞｼｯｸE" pitchFamily="50" charset="-128"/>
+                <a:ea typeface="HGPｺﾞｼｯｸE" pitchFamily="50" charset="-128"/>
+              </a:rPr>
+              <a:t>ブロック</a:t>
+            </a:r>
+            <a:endParaRPr kumimoji="1" lang="ja-JP" altLang="en-US" sz="1400" dirty="0">
+              <a:latin typeface="HGPｺﾞｼｯｸE" pitchFamily="50" charset="-128"/>
+              <a:ea typeface="HGPｺﾞｼｯｸE" pitchFamily="50" charset="-128"/>
+            </a:endParaRPr>
+          </a:p>
+        </p:txBody>
+      </p:sp>
+      <p:sp>
+        <p:nvSpPr>
+          <p:cNvPr id="71" name="正方形/長方形 70"/>
+          <p:cNvSpPr/>
+          <p:nvPr/>
+        </p:nvSpPr>
+        <p:spPr>
+          <a:xfrm>
+            <a:off x="5940152" y="6021288"/>
+            <a:ext cx="1008112" cy="288032"/>
+          </a:xfrm>
+          <a:prstGeom prst="rect">
+            <a:avLst/>
+          </a:prstGeom>
+          <a:solidFill>
+            <a:schemeClr val="bg1">
+              <a:lumMod val="95000"/>
+            </a:schemeClr>
+          </a:solidFill>
+        </p:spPr>
+        <p:style>
+          <a:lnRef idx="2">
+            <a:schemeClr val="accent2"/>
+          </a:lnRef>
+          <a:fillRef idx="1">
+            <a:schemeClr val="lt1"/>
+          </a:fillRef>
+          <a:effectRef idx="0">
+            <a:schemeClr val="accent2"/>
+          </a:effectRef>
+          <a:fontRef idx="minor">
+            <a:schemeClr val="dk1"/>
+          </a:fontRef>
+        </p:style>
+        <p:txBody>
+          <a:bodyPr rtlCol="0" anchor="t"/>
+          <a:lstStyle/>
+          <a:p>
+            <a:r>
+              <a:rPr kumimoji="1" lang="ja-JP" altLang="en-US" sz="1400" dirty="0" smtClean="0">
+                <a:latin typeface="HGPｺﾞｼｯｸE" pitchFamily="50" charset="-128"/>
+                <a:ea typeface="HGPｺﾞｼｯｸE" pitchFamily="50" charset="-128"/>
+              </a:rPr>
+              <a:t>コンテンツ</a:t>
+            </a:r>
+            <a:endParaRPr kumimoji="1" lang="ja-JP" altLang="en-US" sz="1400" dirty="0">
+              <a:latin typeface="HGPｺﾞｼｯｸE" pitchFamily="50" charset="-128"/>
+              <a:ea typeface="HGPｺﾞｼｯｸE" pitchFamily="50" charset="-128"/>
+            </a:endParaRPr>
+          </a:p>
+        </p:txBody>
+      </p:sp>
+      <p:sp>
+        <p:nvSpPr>
+          <p:cNvPr id="72" name="正方形/長方形 71"/>
+          <p:cNvSpPr/>
+          <p:nvPr/>
+        </p:nvSpPr>
+        <p:spPr>
+          <a:xfrm>
+            <a:off x="3059832" y="3717031"/>
+            <a:ext cx="2376264" cy="1368153"/>
+          </a:xfrm>
+          <a:prstGeom prst="rect">
+            <a:avLst/>
+          </a:prstGeom>
+          <a:solidFill>
+            <a:schemeClr val="bg1">
+              <a:lumMod val="95000"/>
+            </a:schemeClr>
+          </a:solidFill>
+        </p:spPr>
+        <p:style>
+          <a:lnRef idx="2">
+            <a:schemeClr val="accent3"/>
+          </a:lnRef>
+          <a:fillRef idx="1">
+            <a:schemeClr val="lt1"/>
+          </a:fillRef>
+          <a:effectRef idx="0">
+            <a:schemeClr val="accent3"/>
+          </a:effectRef>
+          <a:fontRef idx="minor">
+            <a:schemeClr val="dk1"/>
+          </a:fontRef>
+        </p:style>
+        <p:txBody>
+          <a:bodyPr rtlCol="0" anchor="t"/>
+          <a:lstStyle/>
+          <a:p>
+            <a:r>
+              <a:rPr kumimoji="1" lang="ja-JP" altLang="en-US" sz="1400" dirty="0" smtClean="0">
+                <a:latin typeface="HGPｺﾞｼｯｸE" pitchFamily="50" charset="-128"/>
+                <a:ea typeface="HGPｺﾞｼｯｸE" pitchFamily="50" charset="-128"/>
+              </a:rPr>
+              <a:t>フレーム</a:t>
+            </a:r>
+            <a:endParaRPr kumimoji="1" lang="ja-JP" altLang="en-US" sz="1400" dirty="0">
+              <a:latin typeface="HGPｺﾞｼｯｸE" pitchFamily="50" charset="-128"/>
+              <a:ea typeface="HGPｺﾞｼｯｸE" pitchFamily="50" charset="-128"/>
+            </a:endParaRPr>
+          </a:p>
+        </p:txBody>
+      </p:sp>
+      <p:sp>
+        <p:nvSpPr>
+          <p:cNvPr id="73" name="正方形/長方形 72"/>
+          <p:cNvSpPr/>
+          <p:nvPr/>
+        </p:nvSpPr>
+        <p:spPr>
+          <a:xfrm>
+            <a:off x="3131840" y="4005064"/>
+            <a:ext cx="2232248" cy="1008112"/>
+          </a:xfrm>
+          <a:prstGeom prst="rect">
+            <a:avLst/>
+          </a:prstGeom>
+        </p:spPr>
+        <p:style>
+          <a:lnRef idx="2">
+            <a:schemeClr val="accent6"/>
+          </a:lnRef>
+          <a:fillRef idx="1">
+            <a:schemeClr val="lt1"/>
+          </a:fillRef>
+          <a:effectRef idx="0">
+            <a:schemeClr val="accent6"/>
+          </a:effectRef>
+          <a:fontRef idx="minor">
+            <a:schemeClr val="dk1"/>
+          </a:fontRef>
+        </p:style>
+        <p:txBody>
+          <a:bodyPr rtlCol="0" anchor="t"/>
+          <a:lstStyle/>
+          <a:p>
+            <a:r>
+              <a:rPr lang="ja-JP" altLang="en-US" sz="1400" dirty="0" smtClean="0">
+                <a:latin typeface="HGPｺﾞｼｯｸE" pitchFamily="50" charset="-128"/>
+                <a:ea typeface="HGPｺﾞｼｯｸE" pitchFamily="50" charset="-128"/>
+              </a:rPr>
+              <a:t>ブロック</a:t>
+            </a:r>
+            <a:endParaRPr kumimoji="1" lang="ja-JP" altLang="en-US" sz="1400" dirty="0">
+              <a:latin typeface="HGPｺﾞｼｯｸE" pitchFamily="50" charset="-128"/>
+              <a:ea typeface="HGPｺﾞｼｯｸE" pitchFamily="50" charset="-128"/>
+            </a:endParaRPr>
+          </a:p>
+        </p:txBody>
+      </p:sp>
+      <p:sp>
+        <p:nvSpPr>
+          <p:cNvPr id="74" name="正方形/長方形 73"/>
+          <p:cNvSpPr/>
+          <p:nvPr/>
+        </p:nvSpPr>
+        <p:spPr>
+          <a:xfrm>
+            <a:off x="3203848" y="4293096"/>
+            <a:ext cx="2088232" cy="288032"/>
+          </a:xfrm>
+          <a:prstGeom prst="rect">
+            <a:avLst/>
+          </a:prstGeom>
+          <a:solidFill>
+            <a:schemeClr val="bg1">
+              <a:lumMod val="95000"/>
+            </a:schemeClr>
+          </a:solidFill>
+        </p:spPr>
+        <p:style>
+          <a:lnRef idx="2">
+            <a:schemeClr val="accent2"/>
+          </a:lnRef>
+          <a:fillRef idx="1">
+            <a:schemeClr val="lt1"/>
+          </a:fillRef>
+          <a:effectRef idx="0">
+            <a:schemeClr val="accent2"/>
+          </a:effectRef>
+          <a:fontRef idx="minor">
+            <a:schemeClr val="dk1"/>
+          </a:fontRef>
+        </p:style>
+        <p:txBody>
+          <a:bodyPr rtlCol="0" anchor="t"/>
+          <a:lstStyle/>
+          <a:p>
+            <a:pPr algn="ctr"/>
+            <a:r>
+              <a:rPr kumimoji="1" lang="ja-JP" altLang="en-US" sz="1400" dirty="0" smtClean="0">
+                <a:latin typeface="HGPｺﾞｼｯｸE" pitchFamily="50" charset="-128"/>
+                <a:ea typeface="HGPｺﾞｼｯｸE" pitchFamily="50" charset="-128"/>
+              </a:rPr>
+              <a:t>コンテンツ</a:t>
+            </a:r>
+            <a:endParaRPr kumimoji="1" lang="ja-JP" altLang="en-US" sz="1400" dirty="0">
+              <a:latin typeface="HGPｺﾞｼｯｸE" pitchFamily="50" charset="-128"/>
+              <a:ea typeface="HGPｺﾞｼｯｸE" pitchFamily="50" charset="-128"/>
+            </a:endParaRPr>
+          </a:p>
+        </p:txBody>
+      </p:sp>
+      <p:sp>
+        <p:nvSpPr>
+          <p:cNvPr id="75" name="正方形/長方形 74"/>
+          <p:cNvSpPr/>
+          <p:nvPr/>
+        </p:nvSpPr>
+        <p:spPr>
+          <a:xfrm>
+            <a:off x="3203848" y="4653136"/>
+            <a:ext cx="2088232" cy="288032"/>
+          </a:xfrm>
+          <a:prstGeom prst="rect">
+            <a:avLst/>
+          </a:prstGeom>
+          <a:solidFill>
+            <a:schemeClr val="bg1">
+              <a:lumMod val="95000"/>
+            </a:schemeClr>
+          </a:solidFill>
+        </p:spPr>
+        <p:style>
+          <a:lnRef idx="2">
+            <a:schemeClr val="accent2"/>
+          </a:lnRef>
+          <a:fillRef idx="1">
+            <a:schemeClr val="lt1"/>
+          </a:fillRef>
+          <a:effectRef idx="0">
+            <a:schemeClr val="accent2"/>
+          </a:effectRef>
+          <a:fontRef idx="minor">
+            <a:schemeClr val="dk1"/>
+          </a:fontRef>
+        </p:style>
+        <p:txBody>
+          <a:bodyPr rtlCol="0" anchor="t"/>
+          <a:lstStyle/>
+          <a:p>
+            <a:pPr algn="ctr"/>
+            <a:r>
+              <a:rPr kumimoji="1" lang="ja-JP" altLang="en-US" sz="1400" dirty="0" smtClean="0">
+                <a:latin typeface="HGPｺﾞｼｯｸE" pitchFamily="50" charset="-128"/>
+                <a:ea typeface="HGPｺﾞｼｯｸE" pitchFamily="50" charset="-128"/>
+              </a:rPr>
+              <a:t>コンテンツ</a:t>
+            </a:r>
+            <a:endParaRPr kumimoji="1" lang="ja-JP" altLang="en-US" sz="1400" dirty="0">
+              <a:latin typeface="HGPｺﾞｼｯｸE" pitchFamily="50" charset="-128"/>
+              <a:ea typeface="HGPｺﾞｼｯｸE" pitchFamily="50" charset="-128"/>
+            </a:endParaRPr>
+          </a:p>
+        </p:txBody>
+      </p:sp>
+      <p:sp>
+        <p:nvSpPr>
+          <p:cNvPr id="49" name="スライド番号プレースホルダ 48"/>
+          <p:cNvSpPr>
+            <a:spLocks noGrp="1"/>
+          </p:cNvSpPr>
+          <p:nvPr>
+            <p:ph type="sldNum" sz="quarter" idx="12"/>
+          </p:nvPr>
+        </p:nvSpPr>
+        <p:spPr/>
+        <p:txBody>
+          <a:bodyPr/>
+          <a:lstStyle/>
+          <a:p>
+            <a:fld id="{D2D8002D-B5B0-4BAC-B1F6-782DDCCE6D9C}" type="slidenum">
+              <a:rPr kumimoji="1" lang="ja-JP" altLang="en-US" smtClean="0"/>
+              <a:pPr/>
+              <a:t>16</a:t>
+            </a:fld>
+            <a:endParaRPr kumimoji="1" lang="ja-JP" altLang="en-US" dirty="0"/>
+          </a:p>
+        </p:txBody>
+      </p:sp>
+    </p:spTree>
+  </p:cSld>
+  <p:clrMapOvr>
+    <a:masterClrMapping/>
+  </p:clrMapOvr>
+  <p:transition/>
+  <p:timing>
+    <p:tnLst>
+      <p:par>
+        <p:cTn id="1" dur="indefinite" restart="never" nodeType="tmRoot"/>
+      </p:par>
+    </p:tnLst>
+  </p:timing>
+</p:sld>
+</file>
+
+<file path=ppt/slides/slide17.xml><?xml version="1.0" encoding="utf-8"?>
+<p:sld xmlns:a="http://schemas.openxmlformats.org/drawingml/2006/main" xmlns:r="http://schemas.openxmlformats.org/officeDocument/2006/relationships" xmlns:p="http://schemas.openxmlformats.org/presentationml/2006/main">
+  <p:cSld>
+    <p:spTree>
+      <p:nvGrpSpPr>
+        <p:cNvPr id="1" name=""/>
+        <p:cNvGrpSpPr/>
+        <p:nvPr/>
+      </p:nvGrpSpPr>
+      <p:grpSpPr>
+        <a:xfrm>
+          <a:off x="0" y="0"/>
+          <a:ext cx="0" cy="0"/>
+          <a:chOff x="0" y="0"/>
+          <a:chExt cx="0" cy="0"/>
+        </a:xfrm>
+      </p:grpSpPr>
+      <p:sp>
+        <p:nvSpPr>
           <p:cNvPr id="9" name="正方形/長方形 8"/>
           <p:cNvSpPr/>
           <p:nvPr/>
@@ -25153,7 +25616,7 @@
             <a:fld id="{D2D8002D-B5B0-4BAC-B1F6-782DDCCE6D9C}" type="slidenum">
               <a:rPr kumimoji="1" lang="ja-JP" altLang="en-US" smtClean="0"/>
               <a:pPr/>
-              <a:t>16</a:t>
+              <a:t>17</a:t>
             </a:fld>
             <a:endParaRPr kumimoji="1" lang="ja-JP" altLang="en-US" dirty="0"/>
           </a:p>
@@ -25175,7 +25638,7 @@
 </p:sld>
 </file>
 
-<file path=ppt/slides/slide17.xml><?xml version="1.0" encoding="utf-8"?>
+<file path=ppt/slides/slide18.xml><?xml version="1.0" encoding="utf-8"?>
 <p:sld xmlns:a="http://schemas.openxmlformats.org/drawingml/2006/main" xmlns:r="http://schemas.openxmlformats.org/officeDocument/2006/relationships" xmlns:p="http://schemas.openxmlformats.org/presentationml/2006/main">
   <p:cSld>
     <p:spTree>
@@ -26451,7 +26914,7 @@
             <a:fld id="{D2D8002D-B5B0-4BAC-B1F6-782DDCCE6D9C}" type="slidenum">
               <a:rPr kumimoji="1" lang="ja-JP" altLang="en-US" smtClean="0"/>
               <a:pPr/>
-              <a:t>17</a:t>
+              <a:t>18</a:t>
             </a:fld>
             <a:endParaRPr kumimoji="1" lang="ja-JP" altLang="en-US" dirty="0"/>
           </a:p>
@@ -26473,7 +26936,7 @@
 </p:sld>
 </file>
 
-<file path=ppt/slides/slide18.xml><?xml version="1.0" encoding="utf-8"?>
+<file path=ppt/slides/slide19.xml><?xml version="1.0" encoding="utf-8"?>
 <p:sld xmlns:a="http://schemas.openxmlformats.org/drawingml/2006/main" xmlns:r="http://schemas.openxmlformats.org/officeDocument/2006/relationships" xmlns:p="http://schemas.openxmlformats.org/presentationml/2006/main">
   <p:cSld>
     <p:spTree>
@@ -26550,7 +27013,7 @@
             <a:fld id="{D2D8002D-B5B0-4BAC-B1F6-782DDCCE6D9C}" type="slidenum">
               <a:rPr kumimoji="1" lang="ja-JP" altLang="en-US" smtClean="0"/>
               <a:pPr/>
-              <a:t>18</a:t>
+              <a:t>19</a:t>
             </a:fld>
             <a:endParaRPr kumimoji="1" lang="ja-JP" altLang="en-US" dirty="0"/>
           </a:p>
@@ -26612,7 +27075,312 @@
 </p:sld>
 </file>
 
-<file path=ppt/slides/slide19.xml><?xml version="1.0" encoding="utf-8"?>
+<file path=ppt/slides/slide2.xml><?xml version="1.0" encoding="utf-8"?>
+<p:sld xmlns:a="http://schemas.openxmlformats.org/drawingml/2006/main" xmlns:r="http://schemas.openxmlformats.org/officeDocument/2006/relationships" xmlns:p="http://schemas.openxmlformats.org/presentationml/2006/main">
+  <p:cSld>
+    <p:spTree>
+      <p:nvGrpSpPr>
+        <p:cNvPr id="1" name=""/>
+        <p:cNvGrpSpPr/>
+        <p:nvPr/>
+      </p:nvGrpSpPr>
+      <p:grpSpPr>
+        <a:xfrm>
+          <a:off x="0" y="0"/>
+          <a:ext cx="0" cy="0"/>
+          <a:chOff x="0" y="0"/>
+          <a:chExt cx="0" cy="0"/>
+        </a:xfrm>
+      </p:grpSpPr>
+      <p:sp>
+        <p:nvSpPr>
+          <p:cNvPr id="2" name="タイトル 1"/>
+          <p:cNvSpPr>
+            <a:spLocks noGrp="1"/>
+          </p:cNvSpPr>
+          <p:nvPr>
+            <p:ph type="title"/>
+          </p:nvPr>
+        </p:nvSpPr>
+        <p:spPr/>
+        <p:txBody>
+          <a:bodyPr/>
+          <a:lstStyle/>
+          <a:p>
+            <a:r>
+              <a:rPr kumimoji="1" lang="ja-JP" altLang="en-US" dirty="0" smtClean="0"/>
+              <a:t>各スペースによる機能</a:t>
+            </a:r>
+            <a:endParaRPr kumimoji="1" lang="ja-JP" altLang="en-US" dirty="0"/>
+          </a:p>
+        </p:txBody>
+      </p:sp>
+      <p:graphicFrame>
+        <p:nvGraphicFramePr>
+          <p:cNvPr id="4" name="コンテンツ プレースホルダ 3"/>
+          <p:cNvGraphicFramePr>
+            <a:graphicFrameLocks noGrp="1"/>
+          </p:cNvGraphicFramePr>
+          <p:nvPr>
+            <p:ph idx="1"/>
+          </p:nvPr>
+        </p:nvGraphicFramePr>
+        <p:xfrm>
+          <a:off x="323528" y="2132856"/>
+          <a:ext cx="8208912" cy="4509120"/>
+        </p:xfrm>
+        <a:graphic>
+          <a:graphicData uri="http://schemas.openxmlformats.org/drawingml/2006/diagram">
+            <dgm:relIds xmlns:dgm="http://schemas.openxmlformats.org/drawingml/2006/diagram" xmlns:r="http://schemas.openxmlformats.org/officeDocument/2006/relationships" r:dm="rId2" r:lo="rId3" r:qs="rId4" r:cs="rId5"/>
+          </a:graphicData>
+        </a:graphic>
+      </p:graphicFrame>
+      <p:sp>
+        <p:nvSpPr>
+          <p:cNvPr id="5" name="線吹き出し 2 (枠付き) 4"/>
+          <p:cNvSpPr/>
+          <p:nvPr/>
+        </p:nvSpPr>
+        <p:spPr>
+          <a:xfrm>
+            <a:off x="6300192" y="2132856"/>
+            <a:ext cx="2520280" cy="360040"/>
+          </a:xfrm>
+          <a:prstGeom prst="borderCallout2">
+            <a:avLst>
+              <a:gd name="adj1" fmla="val 18750"/>
+              <a:gd name="adj2" fmla="val -8333"/>
+              <a:gd name="adj3" fmla="val 21216"/>
+              <a:gd name="adj4" fmla="val -32518"/>
+              <a:gd name="adj5" fmla="val 126473"/>
+              <a:gd name="adj6" fmla="val -58781"/>
+            </a:avLst>
+          </a:prstGeom>
+          <a:ln>
+            <a:solidFill>
+              <a:schemeClr val="accent3">
+                <a:lumMod val="75000"/>
+              </a:schemeClr>
+            </a:solidFill>
+          </a:ln>
+        </p:spPr>
+        <p:style>
+          <a:lnRef idx="2">
+            <a:schemeClr val="accent6"/>
+          </a:lnRef>
+          <a:fillRef idx="1">
+            <a:schemeClr val="lt1"/>
+          </a:fillRef>
+          <a:effectRef idx="0">
+            <a:schemeClr val="accent6"/>
+          </a:effectRef>
+          <a:fontRef idx="minor">
+            <a:schemeClr val="dk1"/>
+          </a:fontRef>
+        </p:style>
+        <p:txBody>
+          <a:bodyPr rtlCol="0" anchor="ctr"/>
+          <a:lstStyle/>
+          <a:p>
+            <a:pPr algn="ctr"/>
+            <a:r>
+              <a:rPr kumimoji="1" lang="ja-JP" altLang="en-US" sz="1600" dirty="0" smtClean="0">
+                <a:solidFill>
+                  <a:schemeClr val="tx1"/>
+                </a:solidFill>
+                <a:latin typeface="HGPｺﾞｼｯｸE" pitchFamily="50" charset="-128"/>
+                <a:ea typeface="HGPｺﾞｼｯｸE" pitchFamily="50" charset="-128"/>
+              </a:rPr>
+              <a:t>個人のバーチャルオフィス</a:t>
+            </a:r>
+            <a:endParaRPr kumimoji="1" lang="ja-JP" altLang="en-US" sz="1600" dirty="0">
+              <a:solidFill>
+                <a:schemeClr val="tx1"/>
+              </a:solidFill>
+              <a:latin typeface="HGPｺﾞｼｯｸE" pitchFamily="50" charset="-128"/>
+              <a:ea typeface="HGPｺﾞｼｯｸE" pitchFamily="50" charset="-128"/>
+            </a:endParaRPr>
+          </a:p>
+        </p:txBody>
+      </p:sp>
+      <p:sp>
+        <p:nvSpPr>
+          <p:cNvPr id="6" name="線吹き出し 2 (枠付き) 5"/>
+          <p:cNvSpPr/>
+          <p:nvPr/>
+        </p:nvSpPr>
+        <p:spPr>
+          <a:xfrm>
+            <a:off x="395536" y="2780928"/>
+            <a:ext cx="1584176" cy="360040"/>
+          </a:xfrm>
+          <a:prstGeom prst="borderCallout2">
+            <a:avLst>
+              <a:gd name="adj1" fmla="val 43649"/>
+              <a:gd name="adj2" fmla="val 105047"/>
+              <a:gd name="adj3" fmla="val 43672"/>
+              <a:gd name="adj4" fmla="val 117244"/>
+              <a:gd name="adj5" fmla="val 249873"/>
+              <a:gd name="adj6" fmla="val 137143"/>
+            </a:avLst>
+          </a:prstGeom>
+          <a:ln>
+            <a:solidFill>
+              <a:schemeClr val="tx2">
+                <a:lumMod val="60000"/>
+                <a:lumOff val="40000"/>
+              </a:schemeClr>
+            </a:solidFill>
+          </a:ln>
+        </p:spPr>
+        <p:style>
+          <a:lnRef idx="2">
+            <a:schemeClr val="accent5"/>
+          </a:lnRef>
+          <a:fillRef idx="1">
+            <a:schemeClr val="lt1"/>
+          </a:fillRef>
+          <a:effectRef idx="0">
+            <a:schemeClr val="accent5"/>
+          </a:effectRef>
+          <a:fontRef idx="minor">
+            <a:schemeClr val="dk1"/>
+          </a:fontRef>
+        </p:style>
+        <p:txBody>
+          <a:bodyPr rtlCol="0" anchor="ctr"/>
+          <a:lstStyle/>
+          <a:p>
+            <a:pPr algn="ctr"/>
+            <a:r>
+              <a:rPr kumimoji="1" lang="ja-JP" altLang="en-US" sz="1600" dirty="0" smtClean="0">
+                <a:solidFill>
+                  <a:schemeClr val="tx1"/>
+                </a:solidFill>
+                <a:latin typeface="HGPｺﾞｼｯｸE" pitchFamily="50" charset="-128"/>
+                <a:ea typeface="HGPｺﾞｼｯｸE" pitchFamily="50" charset="-128"/>
+              </a:rPr>
+              <a:t>外部配信</a:t>
+            </a:r>
+            <a:endParaRPr kumimoji="1" lang="ja-JP" altLang="en-US" sz="1600" dirty="0">
+              <a:solidFill>
+                <a:schemeClr val="tx1"/>
+              </a:solidFill>
+              <a:latin typeface="HGPｺﾞｼｯｸE" pitchFamily="50" charset="-128"/>
+              <a:ea typeface="HGPｺﾞｼｯｸE" pitchFamily="50" charset="-128"/>
+            </a:endParaRPr>
+          </a:p>
+        </p:txBody>
+      </p:sp>
+      <p:sp>
+        <p:nvSpPr>
+          <p:cNvPr id="8" name="線吹き出し 2 (枠付き) 7"/>
+          <p:cNvSpPr/>
+          <p:nvPr/>
+        </p:nvSpPr>
+        <p:spPr>
+          <a:xfrm>
+            <a:off x="7452320" y="5157192"/>
+            <a:ext cx="1584176" cy="360040"/>
+          </a:xfrm>
+          <a:prstGeom prst="borderCallout2">
+            <a:avLst>
+              <a:gd name="adj1" fmla="val 23682"/>
+              <a:gd name="adj2" fmla="val -8333"/>
+              <a:gd name="adj3" fmla="val 23682"/>
+              <a:gd name="adj4" fmla="val -16227"/>
+              <a:gd name="adj5" fmla="val -185764"/>
+              <a:gd name="adj6" fmla="val -58433"/>
+            </a:avLst>
+          </a:prstGeom>
+          <a:ln>
+            <a:solidFill>
+              <a:schemeClr val="accent6">
+                <a:lumMod val="75000"/>
+              </a:schemeClr>
+            </a:solidFill>
+          </a:ln>
+        </p:spPr>
+        <p:style>
+          <a:lnRef idx="2">
+            <a:schemeClr val="accent6"/>
+          </a:lnRef>
+          <a:fillRef idx="1">
+            <a:schemeClr val="lt1"/>
+          </a:fillRef>
+          <a:effectRef idx="0">
+            <a:schemeClr val="accent6"/>
+          </a:effectRef>
+          <a:fontRef idx="minor">
+            <a:schemeClr val="dk1"/>
+          </a:fontRef>
+        </p:style>
+        <p:txBody>
+          <a:bodyPr rtlCol="0" anchor="ctr"/>
+          <a:lstStyle/>
+          <a:p>
+            <a:pPr algn="ctr"/>
+            <a:r>
+              <a:rPr kumimoji="1" lang="ja-JP" altLang="en-US" sz="1600" dirty="0" smtClean="0">
+                <a:solidFill>
+                  <a:schemeClr val="tx1"/>
+                </a:solidFill>
+                <a:latin typeface="HGPｺﾞｼｯｸE" pitchFamily="50" charset="-128"/>
+                <a:ea typeface="HGPｺﾞｼｯｸE" pitchFamily="50" charset="-128"/>
+              </a:rPr>
+              <a:t>情報共有</a:t>
+            </a:r>
+            <a:endParaRPr kumimoji="1" lang="ja-JP" altLang="en-US" sz="1600" dirty="0">
+              <a:solidFill>
+                <a:schemeClr val="tx1"/>
+              </a:solidFill>
+              <a:latin typeface="HGPｺﾞｼｯｸE" pitchFamily="50" charset="-128"/>
+              <a:ea typeface="HGPｺﾞｼｯｸE" pitchFamily="50" charset="-128"/>
+            </a:endParaRPr>
+          </a:p>
+        </p:txBody>
+      </p:sp>
+      <p:sp>
+        <p:nvSpPr>
+          <p:cNvPr id="7" name="スライド番号プレースホルダ 6"/>
+          <p:cNvSpPr>
+            <a:spLocks noGrp="1"/>
+          </p:cNvSpPr>
+          <p:nvPr>
+            <p:ph type="sldNum" sz="quarter" idx="12"/>
+          </p:nvPr>
+        </p:nvSpPr>
+        <p:spPr/>
+        <p:txBody>
+          <a:bodyPr/>
+          <a:lstStyle/>
+          <a:p>
+            <a:fld id="{D2D8002D-B5B0-4BAC-B1F6-782DDCCE6D9C}" type="slidenum">
+              <a:rPr kumimoji="1" lang="ja-JP" altLang="en-US" smtClean="0"/>
+              <a:pPr/>
+              <a:t>2</a:t>
+            </a:fld>
+            <a:endParaRPr kumimoji="1" lang="ja-JP" altLang="en-US" dirty="0"/>
+          </a:p>
+        </p:txBody>
+      </p:sp>
+    </p:spTree>
+  </p:cSld>
+  <p:clrMapOvr>
+    <a:masterClrMapping/>
+  </p:clrMapOvr>
+  <p:transition/>
+  <p:timing>
+    <p:tnLst>
+      <p:par>
+        <p:cTn id="1" dur="indefinite" restart="never" nodeType="tmRoot"/>
+      </p:par>
+    </p:tnLst>
+  </p:timing>
+</p:sld>
+</file>
+
+<file path=ppt/slides/slide20.xml><?xml version="1.0" encoding="utf-8"?>
 <p:sld xmlns:a="http://schemas.openxmlformats.org/drawingml/2006/main" xmlns:r="http://schemas.openxmlformats.org/officeDocument/2006/relationships" xmlns:p="http://schemas.openxmlformats.org/presentationml/2006/main">
   <p:cSld>
     <p:spTree>
@@ -26685,7 +27453,7 @@
             <a:fld id="{D2D8002D-B5B0-4BAC-B1F6-782DDCCE6D9C}" type="slidenum">
               <a:rPr lang="ja-JP" altLang="en-US" smtClean="0"/>
               <a:pPr/>
-              <a:t>19</a:t>
+              <a:t>20</a:t>
             </a:fld>
             <a:endParaRPr lang="ja-JP" altLang="en-US" dirty="0"/>
           </a:p>
@@ -29720,311 +30488,6 @@
 </p:sld>
 </file>
 
-<file path=ppt/slides/slide2.xml><?xml version="1.0" encoding="utf-8"?>
-<p:sld xmlns:a="http://schemas.openxmlformats.org/drawingml/2006/main" xmlns:r="http://schemas.openxmlformats.org/officeDocument/2006/relationships" xmlns:p="http://schemas.openxmlformats.org/presentationml/2006/main">
-  <p:cSld>
-    <p:spTree>
-      <p:nvGrpSpPr>
-        <p:cNvPr id="1" name=""/>
-        <p:cNvGrpSpPr/>
-        <p:nvPr/>
-      </p:nvGrpSpPr>
-      <p:grpSpPr>
-        <a:xfrm>
-          <a:off x="0" y="0"/>
-          <a:ext cx="0" cy="0"/>
-          <a:chOff x="0" y="0"/>
-          <a:chExt cx="0" cy="0"/>
-        </a:xfrm>
-      </p:grpSpPr>
-      <p:sp>
-        <p:nvSpPr>
-          <p:cNvPr id="2" name="タイトル 1"/>
-          <p:cNvSpPr>
-            <a:spLocks noGrp="1"/>
-          </p:cNvSpPr>
-          <p:nvPr>
-            <p:ph type="title"/>
-          </p:nvPr>
-        </p:nvSpPr>
-        <p:spPr/>
-        <p:txBody>
-          <a:bodyPr/>
-          <a:lstStyle/>
-          <a:p>
-            <a:r>
-              <a:rPr kumimoji="1" lang="ja-JP" altLang="en-US" dirty="0" smtClean="0"/>
-              <a:t>各スペースによる機能</a:t>
-            </a:r>
-            <a:endParaRPr kumimoji="1" lang="ja-JP" altLang="en-US" dirty="0"/>
-          </a:p>
-        </p:txBody>
-      </p:sp>
-      <p:graphicFrame>
-        <p:nvGraphicFramePr>
-          <p:cNvPr id="4" name="コンテンツ プレースホルダ 3"/>
-          <p:cNvGraphicFramePr>
-            <a:graphicFrameLocks noGrp="1"/>
-          </p:cNvGraphicFramePr>
-          <p:nvPr>
-            <p:ph idx="1"/>
-          </p:nvPr>
-        </p:nvGraphicFramePr>
-        <p:xfrm>
-          <a:off x="323528" y="2132856"/>
-          <a:ext cx="8208912" cy="4509120"/>
-        </p:xfrm>
-        <a:graphic>
-          <a:graphicData uri="http://schemas.openxmlformats.org/drawingml/2006/diagram">
-            <dgm:relIds xmlns:dgm="http://schemas.openxmlformats.org/drawingml/2006/diagram" xmlns:r="http://schemas.openxmlformats.org/officeDocument/2006/relationships" r:dm="rId2" r:lo="rId3" r:qs="rId4" r:cs="rId5"/>
-          </a:graphicData>
-        </a:graphic>
-      </p:graphicFrame>
-      <p:sp>
-        <p:nvSpPr>
-          <p:cNvPr id="5" name="線吹き出し 2 (枠付き) 4"/>
-          <p:cNvSpPr/>
-          <p:nvPr/>
-        </p:nvSpPr>
-        <p:spPr>
-          <a:xfrm>
-            <a:off x="6300192" y="2132856"/>
-            <a:ext cx="2520280" cy="360040"/>
-          </a:xfrm>
-          <a:prstGeom prst="borderCallout2">
-            <a:avLst>
-              <a:gd name="adj1" fmla="val 18750"/>
-              <a:gd name="adj2" fmla="val -8333"/>
-              <a:gd name="adj3" fmla="val 21216"/>
-              <a:gd name="adj4" fmla="val -32518"/>
-              <a:gd name="adj5" fmla="val 126473"/>
-              <a:gd name="adj6" fmla="val -58781"/>
-            </a:avLst>
-          </a:prstGeom>
-          <a:ln>
-            <a:solidFill>
-              <a:schemeClr val="accent3">
-                <a:lumMod val="75000"/>
-              </a:schemeClr>
-            </a:solidFill>
-          </a:ln>
-        </p:spPr>
-        <p:style>
-          <a:lnRef idx="2">
-            <a:schemeClr val="accent6"/>
-          </a:lnRef>
-          <a:fillRef idx="1">
-            <a:schemeClr val="lt1"/>
-          </a:fillRef>
-          <a:effectRef idx="0">
-            <a:schemeClr val="accent6"/>
-          </a:effectRef>
-          <a:fontRef idx="minor">
-            <a:schemeClr val="dk1"/>
-          </a:fontRef>
-        </p:style>
-        <p:txBody>
-          <a:bodyPr rtlCol="0" anchor="ctr"/>
-          <a:lstStyle/>
-          <a:p>
-            <a:pPr algn="ctr"/>
-            <a:r>
-              <a:rPr kumimoji="1" lang="ja-JP" altLang="en-US" sz="1600" dirty="0" smtClean="0">
-                <a:solidFill>
-                  <a:schemeClr val="tx1"/>
-                </a:solidFill>
-                <a:latin typeface="HGPｺﾞｼｯｸE" pitchFamily="50" charset="-128"/>
-                <a:ea typeface="HGPｺﾞｼｯｸE" pitchFamily="50" charset="-128"/>
-              </a:rPr>
-              <a:t>個人のバーチャルオフィス</a:t>
-            </a:r>
-            <a:endParaRPr kumimoji="1" lang="ja-JP" altLang="en-US" sz="1600" dirty="0">
-              <a:solidFill>
-                <a:schemeClr val="tx1"/>
-              </a:solidFill>
-              <a:latin typeface="HGPｺﾞｼｯｸE" pitchFamily="50" charset="-128"/>
-              <a:ea typeface="HGPｺﾞｼｯｸE" pitchFamily="50" charset="-128"/>
-            </a:endParaRPr>
-          </a:p>
-        </p:txBody>
-      </p:sp>
-      <p:sp>
-        <p:nvSpPr>
-          <p:cNvPr id="6" name="線吹き出し 2 (枠付き) 5"/>
-          <p:cNvSpPr/>
-          <p:nvPr/>
-        </p:nvSpPr>
-        <p:spPr>
-          <a:xfrm>
-            <a:off x="395536" y="2780928"/>
-            <a:ext cx="1584176" cy="360040"/>
-          </a:xfrm>
-          <a:prstGeom prst="borderCallout2">
-            <a:avLst>
-              <a:gd name="adj1" fmla="val 43649"/>
-              <a:gd name="adj2" fmla="val 105047"/>
-              <a:gd name="adj3" fmla="val 43672"/>
-              <a:gd name="adj4" fmla="val 117244"/>
-              <a:gd name="adj5" fmla="val 249873"/>
-              <a:gd name="adj6" fmla="val 137143"/>
-            </a:avLst>
-          </a:prstGeom>
-          <a:ln>
-            <a:solidFill>
-              <a:schemeClr val="tx2">
-                <a:lumMod val="60000"/>
-                <a:lumOff val="40000"/>
-              </a:schemeClr>
-            </a:solidFill>
-          </a:ln>
-        </p:spPr>
-        <p:style>
-          <a:lnRef idx="2">
-            <a:schemeClr val="accent5"/>
-          </a:lnRef>
-          <a:fillRef idx="1">
-            <a:schemeClr val="lt1"/>
-          </a:fillRef>
-          <a:effectRef idx="0">
-            <a:schemeClr val="accent5"/>
-          </a:effectRef>
-          <a:fontRef idx="minor">
-            <a:schemeClr val="dk1"/>
-          </a:fontRef>
-        </p:style>
-        <p:txBody>
-          <a:bodyPr rtlCol="0" anchor="ctr"/>
-          <a:lstStyle/>
-          <a:p>
-            <a:pPr algn="ctr"/>
-            <a:r>
-              <a:rPr kumimoji="1" lang="ja-JP" altLang="en-US" sz="1600" dirty="0" smtClean="0">
-                <a:solidFill>
-                  <a:schemeClr val="tx1"/>
-                </a:solidFill>
-                <a:latin typeface="HGPｺﾞｼｯｸE" pitchFamily="50" charset="-128"/>
-                <a:ea typeface="HGPｺﾞｼｯｸE" pitchFamily="50" charset="-128"/>
-              </a:rPr>
-              <a:t>外部配信</a:t>
-            </a:r>
-            <a:endParaRPr kumimoji="1" lang="ja-JP" altLang="en-US" sz="1600" dirty="0">
-              <a:solidFill>
-                <a:schemeClr val="tx1"/>
-              </a:solidFill>
-              <a:latin typeface="HGPｺﾞｼｯｸE" pitchFamily="50" charset="-128"/>
-              <a:ea typeface="HGPｺﾞｼｯｸE" pitchFamily="50" charset="-128"/>
-            </a:endParaRPr>
-          </a:p>
-        </p:txBody>
-      </p:sp>
-      <p:sp>
-        <p:nvSpPr>
-          <p:cNvPr id="8" name="線吹き出し 2 (枠付き) 7"/>
-          <p:cNvSpPr/>
-          <p:nvPr/>
-        </p:nvSpPr>
-        <p:spPr>
-          <a:xfrm>
-            <a:off x="7452320" y="5157192"/>
-            <a:ext cx="1584176" cy="360040"/>
-          </a:xfrm>
-          <a:prstGeom prst="borderCallout2">
-            <a:avLst>
-              <a:gd name="adj1" fmla="val 23682"/>
-              <a:gd name="adj2" fmla="val -8333"/>
-              <a:gd name="adj3" fmla="val 23682"/>
-              <a:gd name="adj4" fmla="val -16227"/>
-              <a:gd name="adj5" fmla="val -185764"/>
-              <a:gd name="adj6" fmla="val -58433"/>
-            </a:avLst>
-          </a:prstGeom>
-          <a:ln>
-            <a:solidFill>
-              <a:schemeClr val="accent6">
-                <a:lumMod val="75000"/>
-              </a:schemeClr>
-            </a:solidFill>
-          </a:ln>
-        </p:spPr>
-        <p:style>
-          <a:lnRef idx="2">
-            <a:schemeClr val="accent6"/>
-          </a:lnRef>
-          <a:fillRef idx="1">
-            <a:schemeClr val="lt1"/>
-          </a:fillRef>
-          <a:effectRef idx="0">
-            <a:schemeClr val="accent6"/>
-          </a:effectRef>
-          <a:fontRef idx="minor">
-            <a:schemeClr val="dk1"/>
-          </a:fontRef>
-        </p:style>
-        <p:txBody>
-          <a:bodyPr rtlCol="0" anchor="ctr"/>
-          <a:lstStyle/>
-          <a:p>
-            <a:pPr algn="ctr"/>
-            <a:r>
-              <a:rPr kumimoji="1" lang="ja-JP" altLang="en-US" sz="1600" dirty="0" smtClean="0">
-                <a:solidFill>
-                  <a:schemeClr val="tx1"/>
-                </a:solidFill>
-                <a:latin typeface="HGPｺﾞｼｯｸE" pitchFamily="50" charset="-128"/>
-                <a:ea typeface="HGPｺﾞｼｯｸE" pitchFamily="50" charset="-128"/>
-              </a:rPr>
-              <a:t>情報共有</a:t>
-            </a:r>
-            <a:endParaRPr kumimoji="1" lang="ja-JP" altLang="en-US" sz="1600" dirty="0">
-              <a:solidFill>
-                <a:schemeClr val="tx1"/>
-              </a:solidFill>
-              <a:latin typeface="HGPｺﾞｼｯｸE" pitchFamily="50" charset="-128"/>
-              <a:ea typeface="HGPｺﾞｼｯｸE" pitchFamily="50" charset="-128"/>
-            </a:endParaRPr>
-          </a:p>
-        </p:txBody>
-      </p:sp>
-      <p:sp>
-        <p:nvSpPr>
-          <p:cNvPr id="7" name="スライド番号プレースホルダ 6"/>
-          <p:cNvSpPr>
-            <a:spLocks noGrp="1"/>
-          </p:cNvSpPr>
-          <p:nvPr>
-            <p:ph type="sldNum" sz="quarter" idx="12"/>
-          </p:nvPr>
-        </p:nvSpPr>
-        <p:spPr/>
-        <p:txBody>
-          <a:bodyPr/>
-          <a:lstStyle/>
-          <a:p>
-            <a:fld id="{D2D8002D-B5B0-4BAC-B1F6-782DDCCE6D9C}" type="slidenum">
-              <a:rPr kumimoji="1" lang="ja-JP" altLang="en-US" smtClean="0"/>
-              <a:pPr/>
-              <a:t>2</a:t>
-            </a:fld>
-            <a:endParaRPr kumimoji="1" lang="ja-JP" altLang="en-US" dirty="0"/>
-          </a:p>
-        </p:txBody>
-      </p:sp>
-    </p:spTree>
-  </p:cSld>
-  <p:clrMapOvr>
-    <a:masterClrMapping/>
-  </p:clrMapOvr>
-  <p:transition/>
-  <p:timing>
-    <p:tnLst>
-      <p:par>
-        <p:cTn id="1" dur="indefinite" restart="never" nodeType="tmRoot"/>
-      </p:par>
-    </p:tnLst>
-  </p:timing>
-</p:sld>
-</file>
-
 <file path=ppt/slides/slide3.xml><?xml version="1.0" encoding="utf-8"?>
 <p:sld xmlns:a="http://schemas.openxmlformats.org/drawingml/2006/main" xmlns:r="http://schemas.openxmlformats.org/officeDocument/2006/relationships" xmlns:p="http://schemas.openxmlformats.org/presentationml/2006/main">
   <p:cSld>
@@ -33620,6 +34083,1651 @@
 </file>
 
 <file path=ppt/slides/slide7.xml><?xml version="1.0" encoding="utf-8"?>
+<p:sld xmlns:a="http://schemas.openxmlformats.org/drawingml/2006/main" xmlns:r="http://schemas.openxmlformats.org/officeDocument/2006/relationships" xmlns:p="http://schemas.openxmlformats.org/presentationml/2006/main">
+  <p:cSld>
+    <p:spTree>
+      <p:nvGrpSpPr>
+        <p:cNvPr id="1" name=""/>
+        <p:cNvGrpSpPr/>
+        <p:nvPr/>
+      </p:nvGrpSpPr>
+      <p:grpSpPr>
+        <a:xfrm>
+          <a:off x="0" y="0"/>
+          <a:ext cx="0" cy="0"/>
+          <a:chOff x="0" y="0"/>
+          <a:chExt cx="0" cy="0"/>
+        </a:xfrm>
+      </p:grpSpPr>
+      <p:sp>
+        <p:nvSpPr>
+          <p:cNvPr id="42" name="正方形/長方形 41"/>
+          <p:cNvSpPr/>
+          <p:nvPr/>
+        </p:nvSpPr>
+        <p:spPr>
+          <a:xfrm>
+            <a:off x="3707904" y="1412776"/>
+            <a:ext cx="4608512" cy="3744416"/>
+          </a:xfrm>
+          <a:prstGeom prst="rect">
+            <a:avLst/>
+          </a:prstGeom>
+          <a:ln>
+            <a:solidFill>
+              <a:schemeClr val="tx2">
+                <a:lumMod val="40000"/>
+                <a:lumOff val="60000"/>
+              </a:schemeClr>
+            </a:solidFill>
+          </a:ln>
+        </p:spPr>
+        <p:style>
+          <a:lnRef idx="2">
+            <a:schemeClr val="accent1"/>
+          </a:lnRef>
+          <a:fillRef idx="1">
+            <a:schemeClr val="lt1"/>
+          </a:fillRef>
+          <a:effectRef idx="0">
+            <a:schemeClr val="accent1"/>
+          </a:effectRef>
+          <a:fontRef idx="minor">
+            <a:schemeClr val="dk1"/>
+          </a:fontRef>
+        </p:style>
+        <p:txBody>
+          <a:bodyPr rtlCol="0" anchor="ctr"/>
+          <a:lstStyle/>
+          <a:p>
+            <a:pPr algn="ctr"/>
+            <a:endParaRPr kumimoji="1" lang="ja-JP" altLang="en-US" dirty="0">
+              <a:solidFill>
+                <a:schemeClr val="tx2">
+                  <a:lumMod val="60000"/>
+                  <a:lumOff val="40000"/>
+                </a:schemeClr>
+              </a:solidFill>
+            </a:endParaRPr>
+          </a:p>
+        </p:txBody>
+      </p:sp>
+      <p:sp>
+        <p:nvSpPr>
+          <p:cNvPr id="19" name="正方形/長方形 18"/>
+          <p:cNvSpPr/>
+          <p:nvPr/>
+        </p:nvSpPr>
+        <p:spPr>
+          <a:xfrm>
+            <a:off x="4283968" y="1462426"/>
+            <a:ext cx="3960440" cy="576064"/>
+          </a:xfrm>
+          <a:prstGeom prst="rect">
+            <a:avLst/>
+          </a:prstGeom>
+        </p:spPr>
+        <p:style>
+          <a:lnRef idx="1">
+            <a:schemeClr val="accent1"/>
+          </a:lnRef>
+          <a:fillRef idx="2">
+            <a:schemeClr val="accent1"/>
+          </a:fillRef>
+          <a:effectRef idx="1">
+            <a:schemeClr val="accent1"/>
+          </a:effectRef>
+          <a:fontRef idx="minor">
+            <a:schemeClr val="dk1"/>
+          </a:fontRef>
+        </p:style>
+        <p:txBody>
+          <a:bodyPr rtlCol="0" anchor="ctr"/>
+          <a:lstStyle/>
+          <a:p>
+            <a:pPr algn="ctr"/>
+            <a:endParaRPr kumimoji="1" lang="ja-JP" altLang="en-US" sz="2400" dirty="0"/>
+          </a:p>
+        </p:txBody>
+      </p:sp>
+      <p:sp>
+        <p:nvSpPr>
+          <p:cNvPr id="8" name="正方形/長方形 7"/>
+          <p:cNvSpPr/>
+          <p:nvPr/>
+        </p:nvSpPr>
+        <p:spPr>
+          <a:xfrm>
+            <a:off x="467544" y="2132856"/>
+            <a:ext cx="2088232" cy="2592288"/>
+          </a:xfrm>
+          <a:prstGeom prst="rect">
+            <a:avLst/>
+          </a:prstGeom>
+        </p:spPr>
+        <p:style>
+          <a:lnRef idx="1">
+            <a:schemeClr val="accent1"/>
+          </a:lnRef>
+          <a:fillRef idx="2">
+            <a:schemeClr val="accent1"/>
+          </a:fillRef>
+          <a:effectRef idx="1">
+            <a:schemeClr val="accent1"/>
+          </a:effectRef>
+          <a:fontRef idx="minor">
+            <a:schemeClr val="dk1"/>
+          </a:fontRef>
+        </p:style>
+        <p:txBody>
+          <a:bodyPr rtlCol="0" anchor="t"/>
+          <a:lstStyle/>
+          <a:p>
+            <a:pPr algn="ctr"/>
+            <a:r>
+              <a:rPr kumimoji="1" lang="ja-JP" altLang="en-US" dirty="0" smtClean="0">
+                <a:latin typeface="HGPｺﾞｼｯｸE" pitchFamily="50" charset="-128"/>
+                <a:ea typeface="HGPｺﾞｼｯｸE" pitchFamily="50" charset="-128"/>
+              </a:rPr>
+              <a:t>ローカル開発環境</a:t>
+            </a:r>
+            <a:r>
+              <a:rPr lang="en-US" altLang="ja-JP" sz="1200" dirty="0" smtClean="0">
+                <a:latin typeface="HGPｺﾞｼｯｸE" pitchFamily="50" charset="-128"/>
+                <a:ea typeface="HGPｺﾞｼｯｸE" pitchFamily="50" charset="-128"/>
+              </a:rPr>
+              <a:t>※</a:t>
+            </a:r>
+            <a:endParaRPr kumimoji="1" lang="ja-JP" altLang="en-US" dirty="0">
+              <a:latin typeface="HGPｺﾞｼｯｸE" pitchFamily="50" charset="-128"/>
+              <a:ea typeface="HGPｺﾞｼｯｸE" pitchFamily="50" charset="-128"/>
+            </a:endParaRPr>
+          </a:p>
+        </p:txBody>
+      </p:sp>
+      <p:sp>
+        <p:nvSpPr>
+          <p:cNvPr id="9" name="正方形/長方形 8"/>
+          <p:cNvSpPr/>
+          <p:nvPr/>
+        </p:nvSpPr>
+        <p:spPr>
+          <a:xfrm>
+            <a:off x="3779912" y="2038490"/>
+            <a:ext cx="4464496" cy="2542638"/>
+          </a:xfrm>
+          <a:prstGeom prst="rect">
+            <a:avLst/>
+          </a:prstGeom>
+        </p:spPr>
+        <p:style>
+          <a:lnRef idx="1">
+            <a:schemeClr val="accent1"/>
+          </a:lnRef>
+          <a:fillRef idx="2">
+            <a:schemeClr val="accent1"/>
+          </a:fillRef>
+          <a:effectRef idx="1">
+            <a:schemeClr val="accent1"/>
+          </a:effectRef>
+          <a:fontRef idx="minor">
+            <a:schemeClr val="dk1"/>
+          </a:fontRef>
+        </p:style>
+        <p:txBody>
+          <a:bodyPr rtlCol="0" anchor="t"/>
+          <a:lstStyle/>
+          <a:p>
+            <a:r>
+              <a:rPr kumimoji="1" lang="ja-JP" altLang="en-US" sz="2000" dirty="0" smtClean="0">
+                <a:latin typeface="+mj-lt"/>
+              </a:rPr>
+              <a:t>　　</a:t>
+            </a:r>
+            <a:r>
+              <a:rPr kumimoji="1" lang="en-US" altLang="ja-JP" sz="2000" dirty="0" smtClean="0">
+                <a:latin typeface="+mj-lt"/>
+              </a:rPr>
+              <a:t>NC3</a:t>
+            </a:r>
+            <a:r>
+              <a:rPr kumimoji="1" lang="ja-JP" altLang="en-US" sz="2000" dirty="0" smtClean="0">
+                <a:latin typeface="HGPｺﾞｼｯｸE" pitchFamily="50" charset="-128"/>
+                <a:ea typeface="HGPｺﾞｼｯｸE" pitchFamily="50" charset="-128"/>
+              </a:rPr>
+              <a:t>レポジトリ</a:t>
+            </a:r>
+            <a:endParaRPr kumimoji="1" lang="ja-JP" altLang="en-US" sz="2000" dirty="0">
+              <a:latin typeface="HGPｺﾞｼｯｸE" pitchFamily="50" charset="-128"/>
+              <a:ea typeface="HGPｺﾞｼｯｸE" pitchFamily="50" charset="-128"/>
+            </a:endParaRPr>
+          </a:p>
+        </p:txBody>
+      </p:sp>
+      <p:sp>
+        <p:nvSpPr>
+          <p:cNvPr id="21" name="角丸四角形 20"/>
+          <p:cNvSpPr/>
+          <p:nvPr/>
+        </p:nvSpPr>
+        <p:spPr>
+          <a:xfrm>
+            <a:off x="6084168" y="2326522"/>
+            <a:ext cx="1800200" cy="576064"/>
+          </a:xfrm>
+          <a:prstGeom prst="roundRect">
+            <a:avLst/>
+          </a:prstGeom>
+        </p:spPr>
+        <p:style>
+          <a:lnRef idx="1">
+            <a:schemeClr val="accent6"/>
+          </a:lnRef>
+          <a:fillRef idx="2">
+            <a:schemeClr val="accent6"/>
+          </a:fillRef>
+          <a:effectRef idx="1">
+            <a:schemeClr val="accent6"/>
+          </a:effectRef>
+          <a:fontRef idx="minor">
+            <a:schemeClr val="dk1"/>
+          </a:fontRef>
+        </p:style>
+        <p:txBody>
+          <a:bodyPr rtlCol="0" anchor="ctr"/>
+          <a:lstStyle/>
+          <a:p>
+            <a:pPr algn="ctr"/>
+            <a:r>
+              <a:rPr kumimoji="1" lang="ja-JP" altLang="en-US" dirty="0" smtClean="0"/>
+              <a:t>ソース</a:t>
+            </a:r>
+            <a:r>
+              <a:rPr kumimoji="1" lang="en-US" altLang="ja-JP" dirty="0" smtClean="0"/>
+              <a:t>A</a:t>
+            </a:r>
+            <a:r>
+              <a:rPr kumimoji="1" lang="ja-JP" altLang="en-US" dirty="0" smtClean="0"/>
+              <a:t> </a:t>
+            </a:r>
+            <a:r>
+              <a:rPr kumimoji="1" lang="en-US" altLang="ja-JP" dirty="0" smtClean="0"/>
+              <a:t>ver.1</a:t>
+            </a:r>
+            <a:endParaRPr kumimoji="1" lang="ja-JP" altLang="en-US" dirty="0"/>
+          </a:p>
+        </p:txBody>
+      </p:sp>
+      <p:sp>
+        <p:nvSpPr>
+          <p:cNvPr id="20" name="角丸四角形 19"/>
+          <p:cNvSpPr/>
+          <p:nvPr/>
+        </p:nvSpPr>
+        <p:spPr>
+          <a:xfrm>
+            <a:off x="5940152" y="2254514"/>
+            <a:ext cx="1800200" cy="576064"/>
+          </a:xfrm>
+          <a:prstGeom prst="roundRect">
+            <a:avLst/>
+          </a:prstGeom>
+        </p:spPr>
+        <p:style>
+          <a:lnRef idx="1">
+            <a:schemeClr val="accent6"/>
+          </a:lnRef>
+          <a:fillRef idx="2">
+            <a:schemeClr val="accent6"/>
+          </a:fillRef>
+          <a:effectRef idx="1">
+            <a:schemeClr val="accent6"/>
+          </a:effectRef>
+          <a:fontRef idx="minor">
+            <a:schemeClr val="dk1"/>
+          </a:fontRef>
+        </p:style>
+        <p:txBody>
+          <a:bodyPr rtlCol="0" anchor="ctr"/>
+          <a:lstStyle/>
+          <a:p>
+            <a:pPr algn="ctr"/>
+            <a:r>
+              <a:rPr kumimoji="1" lang="ja-JP" altLang="en-US" dirty="0" smtClean="0">
+                <a:latin typeface="HGPｺﾞｼｯｸE" pitchFamily="50" charset="-128"/>
+                <a:ea typeface="HGPｺﾞｼｯｸE" pitchFamily="50" charset="-128"/>
+              </a:rPr>
+              <a:t>ソース</a:t>
+            </a:r>
+            <a:r>
+              <a:rPr kumimoji="1" lang="en-US" altLang="ja-JP" dirty="0" smtClean="0"/>
+              <a:t>A</a:t>
+            </a:r>
+            <a:r>
+              <a:rPr kumimoji="1" lang="ja-JP" altLang="en-US" dirty="0" smtClean="0"/>
+              <a:t> </a:t>
+            </a:r>
+            <a:r>
+              <a:rPr kumimoji="1" lang="en-US" altLang="ja-JP" dirty="0" smtClean="0"/>
+              <a:t>ver.2</a:t>
+            </a:r>
+            <a:endParaRPr kumimoji="1" lang="ja-JP" altLang="en-US" dirty="0"/>
+          </a:p>
+        </p:txBody>
+      </p:sp>
+      <p:sp>
+        <p:nvSpPr>
+          <p:cNvPr id="35" name="角丸四角形 34"/>
+          <p:cNvSpPr/>
+          <p:nvPr/>
+        </p:nvSpPr>
+        <p:spPr>
+          <a:xfrm>
+            <a:off x="6372200" y="3140968"/>
+            <a:ext cx="1800200" cy="576064"/>
+          </a:xfrm>
+          <a:prstGeom prst="roundRect">
+            <a:avLst/>
+          </a:prstGeom>
+        </p:spPr>
+        <p:style>
+          <a:lnRef idx="1">
+            <a:schemeClr val="accent4"/>
+          </a:lnRef>
+          <a:fillRef idx="2">
+            <a:schemeClr val="accent4"/>
+          </a:fillRef>
+          <a:effectRef idx="1">
+            <a:schemeClr val="accent4"/>
+          </a:effectRef>
+          <a:fontRef idx="minor">
+            <a:schemeClr val="dk1"/>
+          </a:fontRef>
+        </p:style>
+        <p:txBody>
+          <a:bodyPr rtlCol="0" anchor="ctr"/>
+          <a:lstStyle/>
+          <a:p>
+            <a:pPr algn="ctr"/>
+            <a:r>
+              <a:rPr kumimoji="1" lang="ja-JP" altLang="en-US" dirty="0" smtClean="0"/>
+              <a:t>ソース</a:t>
+            </a:r>
+            <a:r>
+              <a:rPr kumimoji="1" lang="en-US" altLang="ja-JP" dirty="0" smtClean="0"/>
+              <a:t>B</a:t>
+            </a:r>
+            <a:r>
+              <a:rPr kumimoji="1" lang="ja-JP" altLang="en-US" dirty="0" smtClean="0"/>
+              <a:t> </a:t>
+            </a:r>
+            <a:r>
+              <a:rPr kumimoji="1" lang="en-US" altLang="ja-JP" dirty="0" smtClean="0"/>
+              <a:t>ver.6</a:t>
+            </a:r>
+            <a:endParaRPr kumimoji="1" lang="ja-JP" altLang="en-US" dirty="0"/>
+          </a:p>
+        </p:txBody>
+      </p:sp>
+      <p:sp>
+        <p:nvSpPr>
+          <p:cNvPr id="36" name="角丸四角形 35"/>
+          <p:cNvSpPr/>
+          <p:nvPr/>
+        </p:nvSpPr>
+        <p:spPr>
+          <a:xfrm>
+            <a:off x="6228184" y="3068960"/>
+            <a:ext cx="1800200" cy="576064"/>
+          </a:xfrm>
+          <a:prstGeom prst="roundRect">
+            <a:avLst/>
+          </a:prstGeom>
+        </p:spPr>
+        <p:style>
+          <a:lnRef idx="1">
+            <a:schemeClr val="accent4"/>
+          </a:lnRef>
+          <a:fillRef idx="2">
+            <a:schemeClr val="accent4"/>
+          </a:fillRef>
+          <a:effectRef idx="1">
+            <a:schemeClr val="accent4"/>
+          </a:effectRef>
+          <a:fontRef idx="minor">
+            <a:schemeClr val="dk1"/>
+          </a:fontRef>
+        </p:style>
+        <p:txBody>
+          <a:bodyPr rtlCol="0" anchor="ctr"/>
+          <a:lstStyle/>
+          <a:p>
+            <a:pPr algn="ctr"/>
+            <a:r>
+              <a:rPr kumimoji="1" lang="ja-JP" altLang="en-US" dirty="0" smtClean="0"/>
+              <a:t>ソース</a:t>
+            </a:r>
+            <a:r>
+              <a:rPr kumimoji="1" lang="en-US" altLang="ja-JP" dirty="0" smtClean="0"/>
+              <a:t>B</a:t>
+            </a:r>
+            <a:r>
+              <a:rPr kumimoji="1" lang="ja-JP" altLang="en-US" dirty="0" smtClean="0"/>
+              <a:t> </a:t>
+            </a:r>
+            <a:r>
+              <a:rPr kumimoji="1" lang="en-US" altLang="ja-JP" dirty="0" smtClean="0"/>
+              <a:t>ver.6</a:t>
+            </a:r>
+            <a:endParaRPr kumimoji="1" lang="ja-JP" altLang="en-US" dirty="0"/>
+          </a:p>
+        </p:txBody>
+      </p:sp>
+      <p:sp>
+        <p:nvSpPr>
+          <p:cNvPr id="37" name="角丸四角形 36"/>
+          <p:cNvSpPr/>
+          <p:nvPr/>
+        </p:nvSpPr>
+        <p:spPr>
+          <a:xfrm>
+            <a:off x="6084168" y="2996952"/>
+            <a:ext cx="1800200" cy="576064"/>
+          </a:xfrm>
+          <a:prstGeom prst="roundRect">
+            <a:avLst/>
+          </a:prstGeom>
+        </p:spPr>
+        <p:style>
+          <a:lnRef idx="1">
+            <a:schemeClr val="accent4"/>
+          </a:lnRef>
+          <a:fillRef idx="2">
+            <a:schemeClr val="accent4"/>
+          </a:fillRef>
+          <a:effectRef idx="1">
+            <a:schemeClr val="accent4"/>
+          </a:effectRef>
+          <a:fontRef idx="minor">
+            <a:schemeClr val="dk1"/>
+          </a:fontRef>
+        </p:style>
+        <p:txBody>
+          <a:bodyPr rtlCol="0" anchor="ctr"/>
+          <a:lstStyle/>
+          <a:p>
+            <a:pPr algn="ctr"/>
+            <a:r>
+              <a:rPr kumimoji="1" lang="ja-JP" altLang="en-US" dirty="0" smtClean="0"/>
+              <a:t>ソース</a:t>
+            </a:r>
+            <a:r>
+              <a:rPr kumimoji="1" lang="en-US" altLang="ja-JP" dirty="0" smtClean="0"/>
+              <a:t>B</a:t>
+            </a:r>
+            <a:r>
+              <a:rPr kumimoji="1" lang="ja-JP" altLang="en-US" dirty="0" smtClean="0"/>
+              <a:t> </a:t>
+            </a:r>
+            <a:r>
+              <a:rPr kumimoji="1" lang="en-US" altLang="ja-JP" dirty="0" smtClean="0"/>
+              <a:t>ver.6</a:t>
+            </a:r>
+            <a:endParaRPr kumimoji="1" lang="ja-JP" altLang="en-US" dirty="0"/>
+          </a:p>
+        </p:txBody>
+      </p:sp>
+      <p:sp>
+        <p:nvSpPr>
+          <p:cNvPr id="38" name="角丸四角形 37"/>
+          <p:cNvSpPr/>
+          <p:nvPr/>
+        </p:nvSpPr>
+        <p:spPr>
+          <a:xfrm>
+            <a:off x="5940152" y="2924944"/>
+            <a:ext cx="1800200" cy="576064"/>
+          </a:xfrm>
+          <a:prstGeom prst="roundRect">
+            <a:avLst/>
+          </a:prstGeom>
+        </p:spPr>
+        <p:style>
+          <a:lnRef idx="1">
+            <a:schemeClr val="accent4"/>
+          </a:lnRef>
+          <a:fillRef idx="2">
+            <a:schemeClr val="accent4"/>
+          </a:fillRef>
+          <a:effectRef idx="1">
+            <a:schemeClr val="accent4"/>
+          </a:effectRef>
+          <a:fontRef idx="minor">
+            <a:schemeClr val="dk1"/>
+          </a:fontRef>
+        </p:style>
+        <p:txBody>
+          <a:bodyPr rtlCol="0" anchor="ctr"/>
+          <a:lstStyle/>
+          <a:p>
+            <a:pPr algn="ctr"/>
+            <a:r>
+              <a:rPr kumimoji="1" lang="ja-JP" altLang="en-US" dirty="0" smtClean="0">
+                <a:latin typeface="HGPｺﾞｼｯｸE" pitchFamily="50" charset="-128"/>
+                <a:ea typeface="HGPｺﾞｼｯｸE" pitchFamily="50" charset="-128"/>
+              </a:rPr>
+              <a:t>ソース</a:t>
+            </a:r>
+            <a:r>
+              <a:rPr kumimoji="1" lang="en-US" altLang="ja-JP" dirty="0" smtClean="0"/>
+              <a:t>B</a:t>
+            </a:r>
+            <a:r>
+              <a:rPr kumimoji="1" lang="ja-JP" altLang="en-US" dirty="0" smtClean="0"/>
+              <a:t> </a:t>
+            </a:r>
+            <a:r>
+              <a:rPr kumimoji="1" lang="en-US" altLang="ja-JP" dirty="0" smtClean="0"/>
+              <a:t>ver.4</a:t>
+            </a:r>
+            <a:endParaRPr kumimoji="1" lang="ja-JP" altLang="en-US" dirty="0"/>
+          </a:p>
+        </p:txBody>
+      </p:sp>
+      <p:sp>
+        <p:nvSpPr>
+          <p:cNvPr id="40" name="角丸四角形 39"/>
+          <p:cNvSpPr/>
+          <p:nvPr/>
+        </p:nvSpPr>
+        <p:spPr>
+          <a:xfrm>
+            <a:off x="6228184" y="3861048"/>
+            <a:ext cx="1800200" cy="576064"/>
+          </a:xfrm>
+          <a:prstGeom prst="roundRect">
+            <a:avLst/>
+          </a:prstGeom>
+        </p:spPr>
+        <p:style>
+          <a:lnRef idx="1">
+            <a:schemeClr val="accent3"/>
+          </a:lnRef>
+          <a:fillRef idx="2">
+            <a:schemeClr val="accent3"/>
+          </a:fillRef>
+          <a:effectRef idx="1">
+            <a:schemeClr val="accent3"/>
+          </a:effectRef>
+          <a:fontRef idx="minor">
+            <a:schemeClr val="dk1"/>
+          </a:fontRef>
+        </p:style>
+        <p:txBody>
+          <a:bodyPr rtlCol="0" anchor="ctr"/>
+          <a:lstStyle/>
+          <a:p>
+            <a:pPr algn="ctr"/>
+            <a:r>
+              <a:rPr kumimoji="1" lang="ja-JP" altLang="en-US" dirty="0" smtClean="0"/>
+              <a:t>ソース</a:t>
+            </a:r>
+            <a:r>
+              <a:rPr kumimoji="1" lang="en-US" altLang="ja-JP" dirty="0" smtClean="0"/>
+              <a:t>C</a:t>
+            </a:r>
+            <a:r>
+              <a:rPr kumimoji="1" lang="ja-JP" altLang="en-US" dirty="0" smtClean="0"/>
+              <a:t> </a:t>
+            </a:r>
+            <a:r>
+              <a:rPr kumimoji="1" lang="en-US" altLang="ja-JP" dirty="0" smtClean="0"/>
+              <a:t>ver.5</a:t>
+            </a:r>
+            <a:endParaRPr kumimoji="1" lang="ja-JP" altLang="en-US" dirty="0"/>
+          </a:p>
+        </p:txBody>
+      </p:sp>
+      <p:sp>
+        <p:nvSpPr>
+          <p:cNvPr id="41" name="角丸四角形 40"/>
+          <p:cNvSpPr/>
+          <p:nvPr/>
+        </p:nvSpPr>
+        <p:spPr>
+          <a:xfrm>
+            <a:off x="6084168" y="3789040"/>
+            <a:ext cx="1800200" cy="576064"/>
+          </a:xfrm>
+          <a:prstGeom prst="roundRect">
+            <a:avLst/>
+          </a:prstGeom>
+        </p:spPr>
+        <p:style>
+          <a:lnRef idx="1">
+            <a:schemeClr val="accent3"/>
+          </a:lnRef>
+          <a:fillRef idx="2">
+            <a:schemeClr val="accent3"/>
+          </a:fillRef>
+          <a:effectRef idx="1">
+            <a:schemeClr val="accent3"/>
+          </a:effectRef>
+          <a:fontRef idx="minor">
+            <a:schemeClr val="dk1"/>
+          </a:fontRef>
+        </p:style>
+        <p:txBody>
+          <a:bodyPr rtlCol="0" anchor="ctr"/>
+          <a:lstStyle/>
+          <a:p>
+            <a:pPr algn="ctr"/>
+            <a:r>
+              <a:rPr kumimoji="1" lang="ja-JP" altLang="en-US" dirty="0" smtClean="0"/>
+              <a:t>ソース</a:t>
+            </a:r>
+            <a:r>
+              <a:rPr kumimoji="1" lang="en-US" altLang="ja-JP" dirty="0" smtClean="0"/>
+              <a:t>C</a:t>
+            </a:r>
+            <a:r>
+              <a:rPr kumimoji="1" lang="ja-JP" altLang="en-US" dirty="0" smtClean="0"/>
+              <a:t> </a:t>
+            </a:r>
+            <a:r>
+              <a:rPr kumimoji="1" lang="en-US" altLang="ja-JP" dirty="0" smtClean="0"/>
+              <a:t>ver.5</a:t>
+            </a:r>
+            <a:endParaRPr kumimoji="1" lang="ja-JP" altLang="en-US" dirty="0"/>
+          </a:p>
+        </p:txBody>
+      </p:sp>
+      <p:sp>
+        <p:nvSpPr>
+          <p:cNvPr id="43" name="角丸四角形 42"/>
+          <p:cNvSpPr/>
+          <p:nvPr/>
+        </p:nvSpPr>
+        <p:spPr>
+          <a:xfrm>
+            <a:off x="5940152" y="3717032"/>
+            <a:ext cx="1800200" cy="576064"/>
+          </a:xfrm>
+          <a:prstGeom prst="roundRect">
+            <a:avLst/>
+          </a:prstGeom>
+        </p:spPr>
+        <p:style>
+          <a:lnRef idx="1">
+            <a:schemeClr val="accent3"/>
+          </a:lnRef>
+          <a:fillRef idx="2">
+            <a:schemeClr val="accent3"/>
+          </a:fillRef>
+          <a:effectRef idx="1">
+            <a:schemeClr val="accent3"/>
+          </a:effectRef>
+          <a:fontRef idx="minor">
+            <a:schemeClr val="dk1"/>
+          </a:fontRef>
+        </p:style>
+        <p:txBody>
+          <a:bodyPr rtlCol="0" anchor="ctr"/>
+          <a:lstStyle/>
+          <a:p>
+            <a:pPr algn="ctr"/>
+            <a:r>
+              <a:rPr kumimoji="1" lang="ja-JP" altLang="en-US" dirty="0" smtClean="0">
+                <a:latin typeface="HGPｺﾞｼｯｸE" pitchFamily="50" charset="-128"/>
+                <a:ea typeface="HGPｺﾞｼｯｸE" pitchFamily="50" charset="-128"/>
+              </a:rPr>
+              <a:t>ソース</a:t>
+            </a:r>
+            <a:r>
+              <a:rPr kumimoji="1" lang="en-US" altLang="ja-JP" dirty="0" smtClean="0"/>
+              <a:t>C</a:t>
+            </a:r>
+            <a:r>
+              <a:rPr kumimoji="1" lang="ja-JP" altLang="en-US" dirty="0" smtClean="0"/>
+              <a:t> </a:t>
+            </a:r>
+            <a:r>
+              <a:rPr kumimoji="1" lang="en-US" altLang="ja-JP" dirty="0" smtClean="0"/>
+              <a:t>ver.3</a:t>
+            </a:r>
+            <a:endParaRPr kumimoji="1" lang="ja-JP" altLang="en-US" dirty="0"/>
+          </a:p>
+        </p:txBody>
+      </p:sp>
+      <p:sp>
+        <p:nvSpPr>
+          <p:cNvPr id="45" name="角丸四角形 44"/>
+          <p:cNvSpPr/>
+          <p:nvPr/>
+        </p:nvSpPr>
+        <p:spPr>
+          <a:xfrm>
+            <a:off x="683568" y="3356992"/>
+            <a:ext cx="1656184" cy="576064"/>
+          </a:xfrm>
+          <a:prstGeom prst="roundRect">
+            <a:avLst/>
+          </a:prstGeom>
+        </p:spPr>
+        <p:style>
+          <a:lnRef idx="1">
+            <a:schemeClr val="accent4"/>
+          </a:lnRef>
+          <a:fillRef idx="2">
+            <a:schemeClr val="accent4"/>
+          </a:fillRef>
+          <a:effectRef idx="1">
+            <a:schemeClr val="accent4"/>
+          </a:effectRef>
+          <a:fontRef idx="minor">
+            <a:schemeClr val="dk1"/>
+          </a:fontRef>
+        </p:style>
+        <p:txBody>
+          <a:bodyPr rtlCol="0" anchor="ctr"/>
+          <a:lstStyle/>
+          <a:p>
+            <a:pPr algn="ctr"/>
+            <a:r>
+              <a:rPr kumimoji="1" lang="ja-JP" altLang="en-US" dirty="0" smtClean="0">
+                <a:latin typeface="HGPｺﾞｼｯｸE" pitchFamily="50" charset="-128"/>
+                <a:ea typeface="HGPｺﾞｼｯｸE" pitchFamily="50" charset="-128"/>
+              </a:rPr>
+              <a:t>ソース</a:t>
+            </a:r>
+            <a:r>
+              <a:rPr kumimoji="1" lang="en-US" altLang="ja-JP" dirty="0" smtClean="0"/>
+              <a:t>B</a:t>
+            </a:r>
+            <a:r>
+              <a:rPr kumimoji="1" lang="ja-JP" altLang="en-US" dirty="0" smtClean="0"/>
+              <a:t> </a:t>
+            </a:r>
+            <a:r>
+              <a:rPr kumimoji="1" lang="en-US" altLang="ja-JP" dirty="0" smtClean="0"/>
+              <a:t>ver.5</a:t>
+            </a:r>
+            <a:endParaRPr kumimoji="1" lang="ja-JP" altLang="en-US" dirty="0"/>
+          </a:p>
+        </p:txBody>
+      </p:sp>
+      <p:sp>
+        <p:nvSpPr>
+          <p:cNvPr id="46" name="角丸四角形 45"/>
+          <p:cNvSpPr/>
+          <p:nvPr/>
+        </p:nvSpPr>
+        <p:spPr>
+          <a:xfrm>
+            <a:off x="683568" y="4005064"/>
+            <a:ext cx="1656184" cy="576064"/>
+          </a:xfrm>
+          <a:prstGeom prst="roundRect">
+            <a:avLst/>
+          </a:prstGeom>
+        </p:spPr>
+        <p:style>
+          <a:lnRef idx="1">
+            <a:schemeClr val="accent3"/>
+          </a:lnRef>
+          <a:fillRef idx="2">
+            <a:schemeClr val="accent3"/>
+          </a:fillRef>
+          <a:effectRef idx="1">
+            <a:schemeClr val="accent3"/>
+          </a:effectRef>
+          <a:fontRef idx="minor">
+            <a:schemeClr val="dk1"/>
+          </a:fontRef>
+        </p:style>
+        <p:txBody>
+          <a:bodyPr rtlCol="0" anchor="ctr"/>
+          <a:lstStyle/>
+          <a:p>
+            <a:pPr algn="ctr"/>
+            <a:r>
+              <a:rPr kumimoji="1" lang="ja-JP" altLang="en-US" dirty="0" smtClean="0">
+                <a:latin typeface="HGPｺﾞｼｯｸE" pitchFamily="50" charset="-128"/>
+                <a:ea typeface="HGPｺﾞｼｯｸE" pitchFamily="50" charset="-128"/>
+              </a:rPr>
+              <a:t>ソース</a:t>
+            </a:r>
+            <a:r>
+              <a:rPr kumimoji="1" lang="en-US" altLang="ja-JP" dirty="0" smtClean="0"/>
+              <a:t>C</a:t>
+            </a:r>
+            <a:r>
+              <a:rPr kumimoji="1" lang="ja-JP" altLang="en-US" dirty="0" smtClean="0"/>
+              <a:t> </a:t>
+            </a:r>
+            <a:r>
+              <a:rPr kumimoji="1" lang="en-US" altLang="ja-JP" dirty="0" smtClean="0"/>
+              <a:t>ver.4</a:t>
+            </a:r>
+            <a:endParaRPr kumimoji="1" lang="ja-JP" altLang="en-US" dirty="0"/>
+          </a:p>
+        </p:txBody>
+      </p:sp>
+      <p:sp>
+        <p:nvSpPr>
+          <p:cNvPr id="14" name="角丸四角形 13"/>
+          <p:cNvSpPr/>
+          <p:nvPr/>
+        </p:nvSpPr>
+        <p:spPr>
+          <a:xfrm>
+            <a:off x="683568" y="2686562"/>
+            <a:ext cx="1656184" cy="576064"/>
+          </a:xfrm>
+          <a:prstGeom prst="roundRect">
+            <a:avLst/>
+          </a:prstGeom>
+        </p:spPr>
+        <p:style>
+          <a:lnRef idx="1">
+            <a:schemeClr val="accent6"/>
+          </a:lnRef>
+          <a:fillRef idx="2">
+            <a:schemeClr val="accent6"/>
+          </a:fillRef>
+          <a:effectRef idx="1">
+            <a:schemeClr val="accent6"/>
+          </a:effectRef>
+          <a:fontRef idx="minor">
+            <a:schemeClr val="dk1"/>
+          </a:fontRef>
+        </p:style>
+        <p:txBody>
+          <a:bodyPr rtlCol="0" anchor="ctr"/>
+          <a:lstStyle/>
+          <a:p>
+            <a:pPr algn="ctr"/>
+            <a:r>
+              <a:rPr kumimoji="1" lang="ja-JP" altLang="en-US" dirty="0" smtClean="0">
+                <a:latin typeface="HGPｺﾞｼｯｸE" pitchFamily="50" charset="-128"/>
+                <a:ea typeface="HGPｺﾞｼｯｸE" pitchFamily="50" charset="-128"/>
+              </a:rPr>
+              <a:t>ソース</a:t>
+            </a:r>
+            <a:r>
+              <a:rPr kumimoji="1" lang="en-US" altLang="ja-JP" dirty="0" smtClean="0"/>
+              <a:t>A</a:t>
+            </a:r>
+            <a:r>
+              <a:rPr kumimoji="1" lang="ja-JP" altLang="en-US" dirty="0" smtClean="0"/>
+              <a:t> </a:t>
+            </a:r>
+            <a:r>
+              <a:rPr kumimoji="1" lang="en-US" altLang="ja-JP" dirty="0" smtClean="0"/>
+              <a:t>ver.3</a:t>
+            </a:r>
+            <a:endParaRPr kumimoji="1" lang="ja-JP" altLang="en-US" dirty="0"/>
+          </a:p>
+        </p:txBody>
+      </p:sp>
+      <p:sp>
+        <p:nvSpPr>
+          <p:cNvPr id="51" name="正方形/長方形 50"/>
+          <p:cNvSpPr/>
+          <p:nvPr/>
+        </p:nvSpPr>
+        <p:spPr>
+          <a:xfrm>
+            <a:off x="3908274" y="2542546"/>
+            <a:ext cx="1887862" cy="2038582"/>
+          </a:xfrm>
+          <a:prstGeom prst="rect">
+            <a:avLst/>
+          </a:prstGeom>
+        </p:spPr>
+        <p:style>
+          <a:lnRef idx="1">
+            <a:schemeClr val="dk1"/>
+          </a:lnRef>
+          <a:fillRef idx="2">
+            <a:schemeClr val="dk1"/>
+          </a:fillRef>
+          <a:effectRef idx="1">
+            <a:schemeClr val="dk1"/>
+          </a:effectRef>
+          <a:fontRef idx="minor">
+            <a:schemeClr val="dk1"/>
+          </a:fontRef>
+        </p:style>
+        <p:txBody>
+          <a:bodyPr rtlCol="0" anchor="b"/>
+          <a:lstStyle/>
+          <a:p>
+            <a:pPr algn="ctr"/>
+            <a:endParaRPr kumimoji="1" lang="ja-JP" altLang="en-US" sz="2400" dirty="0"/>
+          </a:p>
+        </p:txBody>
+      </p:sp>
+      <p:sp>
+        <p:nvSpPr>
+          <p:cNvPr id="15" name="角丸四角形 14"/>
+          <p:cNvSpPr/>
+          <p:nvPr/>
+        </p:nvSpPr>
+        <p:spPr>
+          <a:xfrm>
+            <a:off x="4124298" y="2668356"/>
+            <a:ext cx="1527822" cy="576064"/>
+          </a:xfrm>
+          <a:prstGeom prst="roundRect">
+            <a:avLst/>
+          </a:prstGeom>
+        </p:spPr>
+        <p:style>
+          <a:lnRef idx="1">
+            <a:schemeClr val="accent6"/>
+          </a:lnRef>
+          <a:fillRef idx="2">
+            <a:schemeClr val="accent6"/>
+          </a:fillRef>
+          <a:effectRef idx="1">
+            <a:schemeClr val="accent6"/>
+          </a:effectRef>
+          <a:fontRef idx="minor">
+            <a:schemeClr val="dk1"/>
+          </a:fontRef>
+        </p:style>
+        <p:txBody>
+          <a:bodyPr rtlCol="0" anchor="ctr"/>
+          <a:lstStyle/>
+          <a:p>
+            <a:pPr algn="ctr"/>
+            <a:r>
+              <a:rPr kumimoji="1" lang="ja-JP" altLang="en-US" dirty="0" smtClean="0">
+                <a:latin typeface="HGPｺﾞｼｯｸE" pitchFamily="50" charset="-128"/>
+                <a:ea typeface="HGPｺﾞｼｯｸE" pitchFamily="50" charset="-128"/>
+              </a:rPr>
+              <a:t>ソース</a:t>
+            </a:r>
+            <a:r>
+              <a:rPr kumimoji="1" lang="en-US" altLang="ja-JP" dirty="0" smtClean="0"/>
+              <a:t>A</a:t>
+            </a:r>
+            <a:r>
+              <a:rPr kumimoji="1" lang="ja-JP" altLang="en-US" dirty="0" smtClean="0"/>
+              <a:t> </a:t>
+            </a:r>
+            <a:r>
+              <a:rPr kumimoji="1" lang="en-US" altLang="ja-JP" dirty="0" smtClean="0"/>
+              <a:t>ver.3</a:t>
+            </a:r>
+            <a:endParaRPr kumimoji="1" lang="ja-JP" altLang="en-US" dirty="0"/>
+          </a:p>
+        </p:txBody>
+      </p:sp>
+      <p:sp>
+        <p:nvSpPr>
+          <p:cNvPr id="31" name="角丸四角形 30"/>
+          <p:cNvSpPr/>
+          <p:nvPr/>
+        </p:nvSpPr>
+        <p:spPr>
+          <a:xfrm>
+            <a:off x="4124298" y="3284984"/>
+            <a:ext cx="1527822" cy="576064"/>
+          </a:xfrm>
+          <a:prstGeom prst="roundRect">
+            <a:avLst/>
+          </a:prstGeom>
+        </p:spPr>
+        <p:style>
+          <a:lnRef idx="1">
+            <a:schemeClr val="accent4"/>
+          </a:lnRef>
+          <a:fillRef idx="2">
+            <a:schemeClr val="accent4"/>
+          </a:fillRef>
+          <a:effectRef idx="1">
+            <a:schemeClr val="accent4"/>
+          </a:effectRef>
+          <a:fontRef idx="minor">
+            <a:schemeClr val="dk1"/>
+          </a:fontRef>
+        </p:style>
+        <p:txBody>
+          <a:bodyPr rtlCol="0" anchor="ctr"/>
+          <a:lstStyle/>
+          <a:p>
+            <a:pPr algn="ctr"/>
+            <a:r>
+              <a:rPr kumimoji="1" lang="ja-JP" altLang="en-US" dirty="0" smtClean="0">
+                <a:latin typeface="HGPｺﾞｼｯｸE" pitchFamily="50" charset="-128"/>
+                <a:ea typeface="HGPｺﾞｼｯｸE" pitchFamily="50" charset="-128"/>
+              </a:rPr>
+              <a:t>ソース</a:t>
+            </a:r>
+            <a:r>
+              <a:rPr kumimoji="1" lang="en-US" altLang="ja-JP" dirty="0" smtClean="0"/>
+              <a:t>B</a:t>
+            </a:r>
+            <a:r>
+              <a:rPr kumimoji="1" lang="ja-JP" altLang="en-US" dirty="0" smtClean="0"/>
+              <a:t> </a:t>
+            </a:r>
+            <a:r>
+              <a:rPr kumimoji="1" lang="en-US" altLang="ja-JP" dirty="0" smtClean="0"/>
+              <a:t>ver.5</a:t>
+            </a:r>
+            <a:endParaRPr kumimoji="1" lang="ja-JP" altLang="en-US" dirty="0"/>
+          </a:p>
+        </p:txBody>
+      </p:sp>
+      <p:sp>
+        <p:nvSpPr>
+          <p:cNvPr id="32" name="角丸四角形 31"/>
+          <p:cNvSpPr/>
+          <p:nvPr/>
+        </p:nvSpPr>
+        <p:spPr>
+          <a:xfrm>
+            <a:off x="4124298" y="3933056"/>
+            <a:ext cx="1527822" cy="576064"/>
+          </a:xfrm>
+          <a:prstGeom prst="roundRect">
+            <a:avLst/>
+          </a:prstGeom>
+        </p:spPr>
+        <p:style>
+          <a:lnRef idx="1">
+            <a:schemeClr val="accent3"/>
+          </a:lnRef>
+          <a:fillRef idx="2">
+            <a:schemeClr val="accent3"/>
+          </a:fillRef>
+          <a:effectRef idx="1">
+            <a:schemeClr val="accent3"/>
+          </a:effectRef>
+          <a:fontRef idx="minor">
+            <a:schemeClr val="dk1"/>
+          </a:fontRef>
+        </p:style>
+        <p:txBody>
+          <a:bodyPr rtlCol="0" anchor="ctr"/>
+          <a:lstStyle/>
+          <a:p>
+            <a:pPr algn="ctr"/>
+            <a:r>
+              <a:rPr kumimoji="1" lang="ja-JP" altLang="en-US" dirty="0" smtClean="0">
+                <a:latin typeface="HGPｺﾞｼｯｸE" pitchFamily="50" charset="-128"/>
+                <a:ea typeface="HGPｺﾞｼｯｸE" pitchFamily="50" charset="-128"/>
+              </a:rPr>
+              <a:t>ソース</a:t>
+            </a:r>
+            <a:r>
+              <a:rPr kumimoji="1" lang="en-US" altLang="ja-JP" dirty="0" smtClean="0"/>
+              <a:t>C</a:t>
+            </a:r>
+            <a:r>
+              <a:rPr kumimoji="1" lang="ja-JP" altLang="en-US" dirty="0" smtClean="0"/>
+              <a:t> </a:t>
+            </a:r>
+            <a:r>
+              <a:rPr kumimoji="1" lang="en-US" altLang="ja-JP" dirty="0" smtClean="0"/>
+              <a:t>ver.4</a:t>
+            </a:r>
+            <a:endParaRPr kumimoji="1" lang="ja-JP" altLang="en-US" dirty="0"/>
+          </a:p>
+        </p:txBody>
+      </p:sp>
+      <p:cxnSp>
+        <p:nvCxnSpPr>
+          <p:cNvPr id="17" name="直線矢印コネクタ 16"/>
+          <p:cNvCxnSpPr>
+            <a:stCxn id="14" idx="3"/>
+            <a:endCxn id="15" idx="1"/>
+          </p:cNvCxnSpPr>
+          <p:nvPr/>
+        </p:nvCxnSpPr>
+        <p:spPr>
+          <a:xfrm flipV="1">
+            <a:off x="2339752" y="2956388"/>
+            <a:ext cx="1784546" cy="18206"/>
+          </a:xfrm>
+          <a:prstGeom prst="straightConnector1">
+            <a:avLst/>
+          </a:prstGeom>
+          <a:ln>
+            <a:tailEnd type="arrow"/>
+          </a:ln>
+        </p:spPr>
+        <p:style>
+          <a:lnRef idx="3">
+            <a:schemeClr val="accent6"/>
+          </a:lnRef>
+          <a:fillRef idx="0">
+            <a:schemeClr val="accent6"/>
+          </a:fillRef>
+          <a:effectRef idx="2">
+            <a:schemeClr val="accent6"/>
+          </a:effectRef>
+          <a:fontRef idx="minor">
+            <a:schemeClr val="tx1"/>
+          </a:fontRef>
+        </p:style>
+      </p:cxnSp>
+      <p:sp>
+        <p:nvSpPr>
+          <p:cNvPr id="53" name="正方形/長方形 52"/>
+          <p:cNvSpPr/>
+          <p:nvPr/>
+        </p:nvSpPr>
+        <p:spPr>
+          <a:xfrm>
+            <a:off x="3908274" y="4581128"/>
+            <a:ext cx="1887862" cy="522262"/>
+          </a:xfrm>
+          <a:prstGeom prst="rect">
+            <a:avLst/>
+          </a:prstGeom>
+        </p:spPr>
+        <p:style>
+          <a:lnRef idx="1">
+            <a:schemeClr val="dk1"/>
+          </a:lnRef>
+          <a:fillRef idx="2">
+            <a:schemeClr val="dk1"/>
+          </a:fillRef>
+          <a:effectRef idx="1">
+            <a:schemeClr val="dk1"/>
+          </a:effectRef>
+          <a:fontRef idx="minor">
+            <a:schemeClr val="dk1"/>
+          </a:fontRef>
+        </p:style>
+        <p:txBody>
+          <a:bodyPr rtlCol="0" anchor="b"/>
+          <a:lstStyle/>
+          <a:p>
+            <a:pPr algn="ctr"/>
+            <a:endParaRPr kumimoji="1" lang="ja-JP" altLang="en-US" sz="2400" dirty="0"/>
+          </a:p>
+        </p:txBody>
+      </p:sp>
+      <p:sp>
+        <p:nvSpPr>
+          <p:cNvPr id="18" name="正方形/長方形 17"/>
+          <p:cNvSpPr/>
+          <p:nvPr/>
+        </p:nvSpPr>
+        <p:spPr>
+          <a:xfrm>
+            <a:off x="2627784" y="2758570"/>
+            <a:ext cx="1008112" cy="504056"/>
+          </a:xfrm>
+          <a:prstGeom prst="rect">
+            <a:avLst/>
+          </a:prstGeom>
+        </p:spPr>
+        <p:style>
+          <a:lnRef idx="1">
+            <a:schemeClr val="accent6"/>
+          </a:lnRef>
+          <a:fillRef idx="2">
+            <a:schemeClr val="accent6"/>
+          </a:fillRef>
+          <a:effectRef idx="1">
+            <a:schemeClr val="accent6"/>
+          </a:effectRef>
+          <a:fontRef idx="minor">
+            <a:schemeClr val="dk1"/>
+          </a:fontRef>
+        </p:style>
+        <p:txBody>
+          <a:bodyPr rtlCol="0" anchor="ctr"/>
+          <a:lstStyle/>
+          <a:p>
+            <a:pPr algn="ctr"/>
+            <a:endParaRPr kumimoji="1" lang="ja-JP" altLang="en-US" sz="2400" dirty="0"/>
+          </a:p>
+        </p:txBody>
+      </p:sp>
+      <p:pic>
+        <p:nvPicPr>
+          <p:cNvPr id="5122" name="Picture 2"/>
+          <p:cNvPicPr>
+            <a:picLocks noChangeAspect="1" noChangeArrowheads="1"/>
+          </p:cNvPicPr>
+          <p:nvPr/>
+        </p:nvPicPr>
+        <p:blipFill>
+          <a:blip r:embed="rId2" cstate="print"/>
+          <a:srcRect/>
+          <a:stretch>
+            <a:fillRect/>
+          </a:stretch>
+        </p:blipFill>
+        <p:spPr bwMode="auto">
+          <a:xfrm>
+            <a:off x="4427985" y="4640978"/>
+            <a:ext cx="792088" cy="419902"/>
+          </a:xfrm>
+          <a:prstGeom prst="rect">
+            <a:avLst/>
+          </a:prstGeom>
+          <a:noFill/>
+          <a:ln w="9525">
+            <a:noFill/>
+            <a:miter lim="800000"/>
+            <a:headEnd/>
+            <a:tailEnd/>
+          </a:ln>
+        </p:spPr>
+      </p:pic>
+      <p:pic>
+        <p:nvPicPr>
+          <p:cNvPr id="5124" name="Picture 4"/>
+          <p:cNvPicPr>
+            <a:picLocks noChangeAspect="1" noChangeArrowheads="1"/>
+          </p:cNvPicPr>
+          <p:nvPr/>
+        </p:nvPicPr>
+        <p:blipFill>
+          <a:blip r:embed="rId3" cstate="print"/>
+          <a:srcRect/>
+          <a:stretch>
+            <a:fillRect/>
+          </a:stretch>
+        </p:blipFill>
+        <p:spPr bwMode="auto">
+          <a:xfrm>
+            <a:off x="2699792" y="2818373"/>
+            <a:ext cx="864096" cy="395434"/>
+          </a:xfrm>
+          <a:prstGeom prst="rect">
+            <a:avLst/>
+          </a:prstGeom>
+          <a:noFill/>
+          <a:ln w="9525">
+            <a:noFill/>
+            <a:miter lim="800000"/>
+            <a:headEnd/>
+            <a:tailEnd/>
+          </a:ln>
+        </p:spPr>
+      </p:pic>
+      <p:sp>
+        <p:nvSpPr>
+          <p:cNvPr id="73" name="タイトル 1"/>
+          <p:cNvSpPr>
+            <a:spLocks noGrp="1"/>
+          </p:cNvSpPr>
+          <p:nvPr>
+            <p:ph type="title"/>
+          </p:nvPr>
+        </p:nvSpPr>
+        <p:spPr>
+          <a:xfrm>
+            <a:off x="395536" y="0"/>
+            <a:ext cx="8229600" cy="1143000"/>
+          </a:xfrm>
+        </p:spPr>
+        <p:txBody>
+          <a:bodyPr>
+            <a:normAutofit fontScale="90000"/>
+          </a:bodyPr>
+          <a:lstStyle/>
+          <a:p>
+            <a:r>
+              <a:rPr kumimoji="1" lang="ja-JP" altLang="en-US" dirty="0" smtClean="0"/>
+              <a:t>開発に利用するアプリケーション</a:t>
+            </a:r>
+            <a:endParaRPr kumimoji="1" lang="ja-JP" altLang="en-US" dirty="0"/>
+          </a:p>
+        </p:txBody>
+      </p:sp>
+      <p:sp>
+        <p:nvSpPr>
+          <p:cNvPr id="74" name="四角形吹き出し 73"/>
+          <p:cNvSpPr/>
+          <p:nvPr/>
+        </p:nvSpPr>
+        <p:spPr>
+          <a:xfrm>
+            <a:off x="5940152" y="4725144"/>
+            <a:ext cx="2160240" cy="337682"/>
+          </a:xfrm>
+          <a:prstGeom prst="wedgeRectCallout">
+            <a:avLst>
+              <a:gd name="adj1" fmla="val -81557"/>
+              <a:gd name="adj2" fmla="val 11783"/>
+            </a:avLst>
+          </a:prstGeom>
+        </p:spPr>
+        <p:style>
+          <a:lnRef idx="1">
+            <a:schemeClr val="dk1"/>
+          </a:lnRef>
+          <a:fillRef idx="2">
+            <a:schemeClr val="dk1"/>
+          </a:fillRef>
+          <a:effectRef idx="1">
+            <a:schemeClr val="dk1"/>
+          </a:effectRef>
+          <a:fontRef idx="minor">
+            <a:schemeClr val="dk1"/>
+          </a:fontRef>
+        </p:style>
+        <p:txBody>
+          <a:bodyPr rtlCol="0" anchor="ctr"/>
+          <a:lstStyle/>
+          <a:p>
+            <a:r>
+              <a:rPr kumimoji="1" lang="ja-JP" altLang="en-US" sz="1400" dirty="0" smtClean="0">
+                <a:latin typeface="HGPｺﾞｼｯｸE" pitchFamily="50" charset="-128"/>
+                <a:ea typeface="HGPｺﾞｼｯｸE" pitchFamily="50" charset="-128"/>
+              </a:rPr>
+              <a:t>継続的インテグレーション</a:t>
+            </a:r>
+            <a:endParaRPr kumimoji="1" lang="ja-JP" altLang="en-US" sz="1400" dirty="0">
+              <a:latin typeface="HGPｺﾞｼｯｸE" pitchFamily="50" charset="-128"/>
+              <a:ea typeface="HGPｺﾞｼｯｸE" pitchFamily="50" charset="-128"/>
+            </a:endParaRPr>
+          </a:p>
+        </p:txBody>
+      </p:sp>
+      <p:sp>
+        <p:nvSpPr>
+          <p:cNvPr id="75" name="四角形吹き出し 74"/>
+          <p:cNvSpPr/>
+          <p:nvPr/>
+        </p:nvSpPr>
+        <p:spPr>
+          <a:xfrm>
+            <a:off x="6156176" y="1556792"/>
+            <a:ext cx="2016224" cy="432048"/>
+          </a:xfrm>
+          <a:prstGeom prst="wedgeRectCallout">
+            <a:avLst>
+              <a:gd name="adj1" fmla="val -67413"/>
+              <a:gd name="adj2" fmla="val 2461"/>
+            </a:avLst>
+          </a:prstGeom>
+        </p:spPr>
+        <p:style>
+          <a:lnRef idx="1">
+            <a:schemeClr val="accent1"/>
+          </a:lnRef>
+          <a:fillRef idx="2">
+            <a:schemeClr val="accent1"/>
+          </a:fillRef>
+          <a:effectRef idx="1">
+            <a:schemeClr val="accent1"/>
+          </a:effectRef>
+          <a:fontRef idx="minor">
+            <a:schemeClr val="dk1"/>
+          </a:fontRef>
+        </p:style>
+        <p:txBody>
+          <a:bodyPr rtlCol="0" anchor="ctr"/>
+          <a:lstStyle/>
+          <a:p>
+            <a:pPr algn="ctr"/>
+            <a:r>
+              <a:rPr lang="ja-JP" altLang="en-US" sz="1400" dirty="0" smtClean="0">
+                <a:solidFill>
+                  <a:schemeClr val="dk1"/>
+                </a:solidFill>
+                <a:latin typeface="HGPｺﾞｼｯｸE" pitchFamily="50" charset="-128"/>
+                <a:ea typeface="HGPｺﾞｼｯｸE" pitchFamily="50" charset="-128"/>
+              </a:rPr>
+              <a:t>プロジェクトホスティング</a:t>
+            </a:r>
+            <a:endParaRPr lang="en-US" altLang="ja-JP" sz="1400" dirty="0" smtClean="0">
+              <a:solidFill>
+                <a:schemeClr val="dk1"/>
+              </a:solidFill>
+              <a:latin typeface="HGPｺﾞｼｯｸE" pitchFamily="50" charset="-128"/>
+              <a:ea typeface="HGPｺﾞｼｯｸE" pitchFamily="50" charset="-128"/>
+            </a:endParaRPr>
+          </a:p>
+          <a:p>
+            <a:pPr algn="ctr"/>
+            <a:r>
+              <a:rPr lang="ja-JP" altLang="en-US" sz="1400" dirty="0" smtClean="0">
+                <a:solidFill>
+                  <a:schemeClr val="dk1"/>
+                </a:solidFill>
+                <a:latin typeface="HGPｺﾞｼｯｸE" pitchFamily="50" charset="-128"/>
+                <a:ea typeface="HGPｺﾞｼｯｸE" pitchFamily="50" charset="-128"/>
+              </a:rPr>
+              <a:t>サービス</a:t>
+            </a:r>
+            <a:endParaRPr lang="ja-JP" altLang="en-US" sz="1600" dirty="0">
+              <a:solidFill>
+                <a:schemeClr val="dk1"/>
+              </a:solidFill>
+              <a:latin typeface="HGPｺﾞｼｯｸE" pitchFamily="50" charset="-128"/>
+              <a:ea typeface="HGPｺﾞｼｯｸE" pitchFamily="50" charset="-128"/>
+            </a:endParaRPr>
+          </a:p>
+        </p:txBody>
+      </p:sp>
+      <p:sp>
+        <p:nvSpPr>
+          <p:cNvPr id="77" name="四角形吹き出し 76"/>
+          <p:cNvSpPr/>
+          <p:nvPr/>
+        </p:nvSpPr>
+        <p:spPr>
+          <a:xfrm>
+            <a:off x="2411760" y="3478650"/>
+            <a:ext cx="1224136" cy="504056"/>
+          </a:xfrm>
+          <a:prstGeom prst="wedgeRectCallout">
+            <a:avLst>
+              <a:gd name="adj1" fmla="val -17622"/>
+              <a:gd name="adj2" fmla="val -87120"/>
+            </a:avLst>
+          </a:prstGeom>
+        </p:spPr>
+        <p:style>
+          <a:lnRef idx="1">
+            <a:schemeClr val="accent6"/>
+          </a:lnRef>
+          <a:fillRef idx="2">
+            <a:schemeClr val="accent6"/>
+          </a:fillRef>
+          <a:effectRef idx="1">
+            <a:schemeClr val="accent6"/>
+          </a:effectRef>
+          <a:fontRef idx="minor">
+            <a:schemeClr val="dk1"/>
+          </a:fontRef>
+        </p:style>
+        <p:txBody>
+          <a:bodyPr rtlCol="0" anchor="ctr"/>
+          <a:lstStyle/>
+          <a:p>
+            <a:pPr algn="ctr"/>
+            <a:r>
+              <a:rPr lang="ja-JP" altLang="en-US" sz="1400" dirty="0" smtClean="0">
+                <a:latin typeface="HGPｺﾞｼｯｸE" pitchFamily="50" charset="-128"/>
+                <a:ea typeface="HGPｺﾞｼｯｸE" pitchFamily="50" charset="-128"/>
+              </a:rPr>
+              <a:t>バージョン</a:t>
+            </a:r>
+            <a:endParaRPr lang="en-US" altLang="ja-JP" sz="1400" dirty="0" smtClean="0">
+              <a:latin typeface="HGPｺﾞｼｯｸE" pitchFamily="50" charset="-128"/>
+              <a:ea typeface="HGPｺﾞｼｯｸE" pitchFamily="50" charset="-128"/>
+            </a:endParaRPr>
+          </a:p>
+          <a:p>
+            <a:pPr algn="ctr"/>
+            <a:r>
+              <a:rPr lang="ja-JP" altLang="en-US" sz="1400" dirty="0" smtClean="0">
+                <a:latin typeface="HGPｺﾞｼｯｸE" pitchFamily="50" charset="-128"/>
+                <a:ea typeface="HGPｺﾞｼｯｸE" pitchFamily="50" charset="-128"/>
+              </a:rPr>
+              <a:t>管理システム</a:t>
+            </a:r>
+            <a:endParaRPr lang="ja-JP" altLang="en-US" sz="1400" dirty="0">
+              <a:latin typeface="HGPｺﾞｼｯｸE" pitchFamily="50" charset="-128"/>
+              <a:ea typeface="HGPｺﾞｼｯｸE" pitchFamily="50" charset="-128"/>
+            </a:endParaRPr>
+          </a:p>
+        </p:txBody>
+      </p:sp>
+      <p:pic>
+        <p:nvPicPr>
+          <p:cNvPr id="1026" name="Picture 2" descr="http://msp.c.yimg.jp/yjimage?q=QNGmjAUXyLF.B7Re0wxPAhdlXTzGESECcMI8.1Eud3cVq7u.LvtVF8Ao627vo02FiVKMttby.cu273Wl1CKH2x.LyPA5iO7F1lpiG.NMY5wAoItt4uxcXyP8hH5YZNz.xGA-&amp;sig=12tvnc4ps&amp;x=170&amp;y=170"/>
+          <p:cNvPicPr>
+            <a:picLocks noChangeAspect="1" noChangeArrowheads="1"/>
+          </p:cNvPicPr>
+          <p:nvPr/>
+        </p:nvPicPr>
+        <p:blipFill>
+          <a:blip r:embed="rId4" cstate="print"/>
+          <a:srcRect/>
+          <a:stretch>
+            <a:fillRect/>
+          </a:stretch>
+        </p:blipFill>
+        <p:spPr bwMode="auto">
+          <a:xfrm>
+            <a:off x="3779912" y="1534433"/>
+            <a:ext cx="432048" cy="432049"/>
+          </a:xfrm>
+          <a:prstGeom prst="rect">
+            <a:avLst/>
+          </a:prstGeom>
+          <a:noFill/>
+        </p:spPr>
+      </p:pic>
+      <p:pic>
+        <p:nvPicPr>
+          <p:cNvPr id="1038" name="Picture 14" descr="http://msp.c.yimg.jp/yjimage?q=NsHtctYXyLEVnnlIQRbUFq.F9Ouz6NedbLfhSpmuWJ78Gv9CeXWEHQrwsnUwAVvjcrgSbcDKJc_8p2YlBGQgt4nfEScbc.X5.xv4HxG4ocghk3qKiZjBpyAqJGGjhQSp&amp;sig=12riabu85&amp;x=170&amp;y=140"/>
+          <p:cNvPicPr>
+            <a:picLocks noChangeAspect="1" noChangeArrowheads="1"/>
+          </p:cNvPicPr>
+          <p:nvPr/>
+        </p:nvPicPr>
+        <p:blipFill>
+          <a:blip r:embed="rId5" cstate="print"/>
+          <a:srcRect/>
+          <a:stretch>
+            <a:fillRect/>
+          </a:stretch>
+        </p:blipFill>
+        <p:spPr bwMode="auto">
+          <a:xfrm>
+            <a:off x="899592" y="1412776"/>
+            <a:ext cx="817806" cy="673487"/>
+          </a:xfrm>
+          <a:prstGeom prst="rect">
+            <a:avLst/>
+          </a:prstGeom>
+          <a:noFill/>
+        </p:spPr>
+      </p:pic>
+      <p:pic>
+        <p:nvPicPr>
+          <p:cNvPr id="1036" name="Picture 12" descr="http://msp.c.yimg.jp/yjimage?q=Ew17Hg4XyLGQvTO_9yfwR9fHgjKJcOgE_SJEqgSfC6LH1plt_8eIBhvlzteLZU9H_c6QqB9iHH2ZxHaMmHWEWJVWVd.RBEDiuT8K6kKsdpjBDK8mMeSFGvgSUP3FVyuz91M-&amp;sig=12tme4vue&amp;x=76&amp;y=108"/>
+          <p:cNvPicPr>
+            <a:picLocks noChangeAspect="1" noChangeArrowheads="1"/>
+          </p:cNvPicPr>
+          <p:nvPr/>
+        </p:nvPicPr>
+        <p:blipFill>
+          <a:blip r:embed="rId6" cstate="print"/>
+          <a:srcRect/>
+          <a:stretch>
+            <a:fillRect/>
+          </a:stretch>
+        </p:blipFill>
+        <p:spPr bwMode="auto">
+          <a:xfrm>
+            <a:off x="1691680" y="1412776"/>
+            <a:ext cx="390316" cy="554661"/>
+          </a:xfrm>
+          <a:prstGeom prst="rect">
+            <a:avLst/>
+          </a:prstGeom>
+          <a:noFill/>
+        </p:spPr>
+      </p:pic>
+      <p:pic>
+        <p:nvPicPr>
+          <p:cNvPr id="1039" name="Picture 15"/>
+          <p:cNvPicPr>
+            <a:picLocks noChangeAspect="1" noChangeArrowheads="1"/>
+          </p:cNvPicPr>
+          <p:nvPr/>
+        </p:nvPicPr>
+        <p:blipFill>
+          <a:blip r:embed="rId7" cstate="print"/>
+          <a:srcRect/>
+          <a:stretch>
+            <a:fillRect/>
+          </a:stretch>
+        </p:blipFill>
+        <p:spPr bwMode="auto">
+          <a:xfrm>
+            <a:off x="4355976" y="1484784"/>
+            <a:ext cx="1440159" cy="506102"/>
+          </a:xfrm>
+          <a:prstGeom prst="rect">
+            <a:avLst/>
+          </a:prstGeom>
+          <a:noFill/>
+          <a:ln w="9525">
+            <a:noFill/>
+            <a:miter lim="800000"/>
+            <a:headEnd/>
+            <a:tailEnd/>
+          </a:ln>
+        </p:spPr>
+      </p:pic>
+      <p:sp>
+        <p:nvSpPr>
+          <p:cNvPr id="39" name="スライド番号プレースホルダ 38"/>
+          <p:cNvSpPr>
+            <a:spLocks noGrp="1"/>
+          </p:cNvSpPr>
+          <p:nvPr>
+            <p:ph type="sldNum" sz="quarter" idx="12"/>
+          </p:nvPr>
+        </p:nvSpPr>
+        <p:spPr/>
+        <p:txBody>
+          <a:bodyPr/>
+          <a:lstStyle/>
+          <a:p>
+            <a:fld id="{D2D8002D-B5B0-4BAC-B1F6-782DDCCE6D9C}" type="slidenum">
+              <a:rPr kumimoji="1" lang="ja-JP" altLang="en-US" smtClean="0"/>
+              <a:pPr/>
+              <a:t>7</a:t>
+            </a:fld>
+            <a:endParaRPr kumimoji="1" lang="ja-JP" altLang="en-US" dirty="0"/>
+          </a:p>
+        </p:txBody>
+      </p:sp>
+    </p:spTree>
+  </p:cSld>
+  <p:clrMapOvr>
+    <a:masterClrMapping/>
+  </p:clrMapOvr>
+  <p:transition/>
+  <p:timing>
+    <p:tnLst>
+      <p:par>
+        <p:cTn id="1" dur="indefinite" restart="never" nodeType="tmRoot"/>
+      </p:par>
+    </p:tnLst>
+  </p:timing>
+</p:sld>
+</file>
+
+<file path=ppt/slides/slide8.xml><?xml version="1.0" encoding="utf-8"?>
 <p:sld xmlns:a="http://schemas.openxmlformats.org/drawingml/2006/main" xmlns:r="http://schemas.openxmlformats.org/officeDocument/2006/relationships" xmlns:p="http://schemas.openxmlformats.org/presentationml/2006/main">
   <p:cSld>
     <p:spTree>
@@ -34112,7 +36220,7 @@
             <a:fld id="{D2D8002D-B5B0-4BAC-B1F6-782DDCCE6D9C}" type="slidenum">
               <a:rPr kumimoji="1" lang="ja-JP" altLang="en-US" smtClean="0"/>
               <a:pPr/>
-              <a:t>7</a:t>
+              <a:t>8</a:t>
             </a:fld>
             <a:endParaRPr kumimoji="1" lang="ja-JP" altLang="en-US" dirty="0"/>
           </a:p>
@@ -34134,7 +36242,7 @@
 </p:sld>
 </file>
 
-<file path=ppt/slides/slide8.xml><?xml version="1.0" encoding="utf-8"?>
+<file path=ppt/slides/slide9.xml><?xml version="1.0" encoding="utf-8"?>
 <p:sld xmlns:a="http://schemas.openxmlformats.org/drawingml/2006/main" xmlns:r="http://schemas.openxmlformats.org/officeDocument/2006/relationships" xmlns:p="http://schemas.openxmlformats.org/presentationml/2006/main">
   <p:cSld>
     <p:spTree>
@@ -34252,7 +36360,7 @@
             <a:fld id="{D2D8002D-B5B0-4BAC-B1F6-782DDCCE6D9C}" type="slidenum">
               <a:rPr kumimoji="1" lang="ja-JP" altLang="en-US" smtClean="0"/>
               <a:pPr/>
-              <a:t>8</a:t>
+              <a:t>9</a:t>
             </a:fld>
             <a:endParaRPr kumimoji="1" lang="ja-JP" altLang="en-US" dirty="0"/>
           </a:p>
@@ -34322,468 +36430,6 @@
           </a:ln>
         </p:spPr>
       </p:pic>
-    </p:spTree>
-  </p:cSld>
-  <p:clrMapOvr>
-    <a:masterClrMapping/>
-  </p:clrMapOvr>
-  <p:transition/>
-  <p:timing>
-    <p:tnLst>
-      <p:par>
-        <p:cTn id="1" dur="indefinite" restart="never" nodeType="tmRoot"/>
-      </p:par>
-    </p:tnLst>
-  </p:timing>
-</p:sld>
-</file>
-
-<file path=ppt/slides/slide9.xml><?xml version="1.0" encoding="utf-8"?>
-<p:sld xmlns:a="http://schemas.openxmlformats.org/drawingml/2006/main" xmlns:r="http://schemas.openxmlformats.org/officeDocument/2006/relationships" xmlns:p="http://schemas.openxmlformats.org/presentationml/2006/main">
-  <p:cSld>
-    <p:spTree>
-      <p:nvGrpSpPr>
-        <p:cNvPr id="1" name=""/>
-        <p:cNvGrpSpPr/>
-        <p:nvPr/>
-      </p:nvGrpSpPr>
-      <p:grpSpPr>
-        <a:xfrm>
-          <a:off x="0" y="0"/>
-          <a:ext cx="0" cy="0"/>
-          <a:chOff x="0" y="0"/>
-          <a:chExt cx="0" cy="0"/>
-        </a:xfrm>
-      </p:grpSpPr>
-      <p:sp>
-        <p:nvSpPr>
-          <p:cNvPr id="2" name="タイトル 1"/>
-          <p:cNvSpPr>
-            <a:spLocks noGrp="1"/>
-          </p:cNvSpPr>
-          <p:nvPr>
-            <p:ph type="title"/>
-          </p:nvPr>
-        </p:nvSpPr>
-        <p:spPr/>
-        <p:txBody>
-          <a:bodyPr/>
-          <a:lstStyle/>
-          <a:p>
-            <a:r>
-              <a:rPr lang="ja-JP" altLang="en-US" dirty="0" smtClean="0"/>
-              <a:t>双方向データバンディング</a:t>
-            </a:r>
-            <a:endParaRPr kumimoji="1" lang="ja-JP" altLang="en-US" dirty="0"/>
-          </a:p>
-        </p:txBody>
-      </p:sp>
-      <p:graphicFrame>
-        <p:nvGraphicFramePr>
-          <p:cNvPr id="4" name="図表 3"/>
-          <p:cNvGraphicFramePr/>
-          <p:nvPr/>
-        </p:nvGraphicFramePr>
-        <p:xfrm>
-          <a:off x="3203848" y="2204864"/>
-          <a:ext cx="3024336" cy="3312368"/>
-        </p:xfrm>
-        <a:graphic>
-          <a:graphicData uri="http://schemas.openxmlformats.org/drawingml/2006/diagram">
-            <dgm:relIds xmlns:dgm="http://schemas.openxmlformats.org/drawingml/2006/diagram" xmlns:r="http://schemas.openxmlformats.org/officeDocument/2006/relationships" r:dm="rId2" r:lo="rId3" r:qs="rId4" r:cs="rId5"/>
-          </a:graphicData>
-        </a:graphic>
-      </p:graphicFrame>
-      <p:sp>
-        <p:nvSpPr>
-          <p:cNvPr id="5" name="U ターン矢印 4"/>
-          <p:cNvSpPr/>
-          <p:nvPr/>
-        </p:nvSpPr>
-        <p:spPr>
-          <a:xfrm rot="5400000" flipH="1">
-            <a:off x="5832140" y="4113076"/>
-            <a:ext cx="1728192" cy="792088"/>
-          </a:xfrm>
-          <a:prstGeom prst="uturnArrow">
-            <a:avLst>
-              <a:gd name="adj1" fmla="val 37536"/>
-              <a:gd name="adj2" fmla="val 25000"/>
-              <a:gd name="adj3" fmla="val 30879"/>
-              <a:gd name="adj4" fmla="val 60303"/>
-              <a:gd name="adj5" fmla="val 100000"/>
-            </a:avLst>
-          </a:prstGeom>
-          <a:solidFill>
-            <a:srgbClr val="FFC000"/>
-          </a:solidFill>
-          <a:ln>
-            <a:noFill/>
-          </a:ln>
-        </p:spPr>
-        <p:style>
-          <a:lnRef idx="2">
-            <a:schemeClr val="accent1">
-              <a:shade val="50000"/>
-            </a:schemeClr>
-          </a:lnRef>
-          <a:fillRef idx="1">
-            <a:schemeClr val="accent1"/>
-          </a:fillRef>
-          <a:effectRef idx="0">
-            <a:schemeClr val="accent1"/>
-          </a:effectRef>
-          <a:fontRef idx="minor">
-            <a:schemeClr val="lt1"/>
-          </a:fontRef>
-        </p:style>
-        <p:txBody>
-          <a:bodyPr rtlCol="0" anchor="ctr"/>
-          <a:lstStyle/>
-          <a:p>
-            <a:pPr algn="ctr"/>
-            <a:endParaRPr kumimoji="1" lang="ja-JP" altLang="en-US" dirty="0">
-              <a:solidFill>
-                <a:schemeClr val="tx1"/>
-              </a:solidFill>
-            </a:endParaRPr>
-          </a:p>
-        </p:txBody>
-      </p:sp>
-      <p:sp>
-        <p:nvSpPr>
-          <p:cNvPr id="6" name="U ターン矢印 5"/>
-          <p:cNvSpPr/>
-          <p:nvPr/>
-        </p:nvSpPr>
-        <p:spPr>
-          <a:xfrm rot="5400000" flipV="1">
-            <a:off x="1835696" y="4149080"/>
-            <a:ext cx="1728192" cy="864096"/>
-          </a:xfrm>
-          <a:prstGeom prst="uturnArrow">
-            <a:avLst>
-              <a:gd name="adj1" fmla="val 35764"/>
-              <a:gd name="adj2" fmla="val 25000"/>
-              <a:gd name="adj3" fmla="val 35166"/>
-              <a:gd name="adj4" fmla="val 74020"/>
-              <a:gd name="adj5" fmla="val 100000"/>
-            </a:avLst>
-          </a:prstGeom>
-          <a:solidFill>
-            <a:srgbClr val="92D050"/>
-          </a:solidFill>
-          <a:ln>
-            <a:noFill/>
-          </a:ln>
-        </p:spPr>
-        <p:style>
-          <a:lnRef idx="2">
-            <a:schemeClr val="accent1">
-              <a:shade val="50000"/>
-            </a:schemeClr>
-          </a:lnRef>
-          <a:fillRef idx="1">
-            <a:schemeClr val="accent1"/>
-          </a:fillRef>
-          <a:effectRef idx="0">
-            <a:schemeClr val="accent1"/>
-          </a:effectRef>
-          <a:fontRef idx="minor">
-            <a:schemeClr val="lt1"/>
-          </a:fontRef>
-        </p:style>
-        <p:txBody>
-          <a:bodyPr rtlCol="0" anchor="ctr"/>
-          <a:lstStyle/>
-          <a:p>
-            <a:pPr algn="ctr"/>
-            <a:endParaRPr kumimoji="1" lang="ja-JP" altLang="en-US" dirty="0">
-              <a:solidFill>
-                <a:schemeClr val="tx1"/>
-              </a:solidFill>
-            </a:endParaRPr>
-          </a:p>
-        </p:txBody>
-      </p:sp>
-      <p:sp>
-        <p:nvSpPr>
-          <p:cNvPr id="7" name="角丸四角形 6"/>
-          <p:cNvSpPr/>
-          <p:nvPr/>
-        </p:nvSpPr>
-        <p:spPr>
-          <a:xfrm>
-            <a:off x="3203848" y="4149080"/>
-            <a:ext cx="3024336" cy="648072"/>
-          </a:xfrm>
-          <a:prstGeom prst="roundRect">
-            <a:avLst/>
-          </a:prstGeom>
-          <a:ln>
-            <a:solidFill>
-              <a:srgbClr val="00B0F0"/>
-            </a:solidFill>
-            <a:prstDash val="dash"/>
-          </a:ln>
-        </p:spPr>
-        <p:style>
-          <a:lnRef idx="2">
-            <a:schemeClr val="accent6"/>
-          </a:lnRef>
-          <a:fillRef idx="1">
-            <a:schemeClr val="lt1"/>
-          </a:fillRef>
-          <a:effectRef idx="0">
-            <a:schemeClr val="accent6"/>
-          </a:effectRef>
-          <a:fontRef idx="minor">
-            <a:schemeClr val="dk1"/>
-          </a:fontRef>
-        </p:style>
-        <p:txBody>
-          <a:bodyPr rtlCol="0" anchor="ctr"/>
-          <a:lstStyle/>
-          <a:p>
-            <a:pPr algn="ctr"/>
-            <a:r>
-              <a:rPr kumimoji="1" lang="ja-JP" altLang="en-US" sz="2400" b="1" dirty="0" smtClean="0">
-                <a:latin typeface="+mj-ea"/>
-                <a:ea typeface="+mj-ea"/>
-              </a:rPr>
-              <a:t>継続的な更新</a:t>
-            </a:r>
-            <a:endParaRPr kumimoji="1" lang="ja-JP" altLang="en-US" sz="2400" b="1" dirty="0">
-              <a:latin typeface="+mj-ea"/>
-              <a:ea typeface="+mj-ea"/>
-            </a:endParaRPr>
-          </a:p>
-        </p:txBody>
-      </p:sp>
-      <p:sp>
-        <p:nvSpPr>
-          <p:cNvPr id="8" name="角丸四角形 7"/>
-          <p:cNvSpPr/>
-          <p:nvPr/>
-        </p:nvSpPr>
-        <p:spPr>
-          <a:xfrm>
-            <a:off x="6084168" y="2564904"/>
-            <a:ext cx="2808312" cy="1368152"/>
-          </a:xfrm>
-          <a:prstGeom prst="roundRect">
-            <a:avLst/>
-          </a:prstGeom>
-          <a:noFill/>
-          <a:ln>
-            <a:noFill/>
-          </a:ln>
-        </p:spPr>
-        <p:style>
-          <a:lnRef idx="2">
-            <a:schemeClr val="accent1">
-              <a:shade val="50000"/>
-            </a:schemeClr>
-          </a:lnRef>
-          <a:fillRef idx="1">
-            <a:schemeClr val="accent1"/>
-          </a:fillRef>
-          <a:effectRef idx="0">
-            <a:schemeClr val="accent1"/>
-          </a:effectRef>
-          <a:fontRef idx="minor">
-            <a:schemeClr val="lt1"/>
-          </a:fontRef>
-        </p:style>
-        <p:txBody>
-          <a:bodyPr rtlCol="0" anchor="ctr"/>
-          <a:lstStyle/>
-          <a:p>
-            <a:pPr algn="ctr"/>
-            <a:r>
-              <a:rPr lang="en-US" altLang="ja-JP" sz="2400" b="1" dirty="0" smtClean="0">
-                <a:solidFill>
-                  <a:sysClr val="windowText" lastClr="000000"/>
-                </a:solidFill>
-                <a:latin typeface="HGPｺﾞｼｯｸE" pitchFamily="50" charset="-128"/>
-                <a:ea typeface="HGPｺﾞｼｯｸE" pitchFamily="50" charset="-128"/>
-              </a:rPr>
-              <a:t>Model</a:t>
-            </a:r>
-            <a:r>
-              <a:rPr lang="ja-JP" altLang="en-US" sz="2400" b="1" dirty="0" smtClean="0">
-                <a:solidFill>
-                  <a:sysClr val="windowText" lastClr="000000"/>
-                </a:solidFill>
-                <a:latin typeface="HGPｺﾞｼｯｸE" pitchFamily="50" charset="-128"/>
-                <a:ea typeface="HGPｺﾞｼｯｸE" pitchFamily="50" charset="-128"/>
-              </a:rPr>
-              <a:t>の更新を</a:t>
-            </a:r>
-            <a:endParaRPr lang="en-US" altLang="ja-JP" sz="2400" b="1" dirty="0" smtClean="0">
-              <a:solidFill>
-                <a:sysClr val="windowText" lastClr="000000"/>
-              </a:solidFill>
-              <a:latin typeface="HGPｺﾞｼｯｸE" pitchFamily="50" charset="-128"/>
-              <a:ea typeface="HGPｺﾞｼｯｸE" pitchFamily="50" charset="-128"/>
-            </a:endParaRPr>
-          </a:p>
-          <a:p>
-            <a:pPr algn="ctr"/>
-            <a:r>
-              <a:rPr lang="en-US" altLang="ja-JP" sz="2400" b="1" dirty="0" smtClean="0">
-                <a:solidFill>
-                  <a:sysClr val="windowText" lastClr="000000"/>
-                </a:solidFill>
-                <a:latin typeface="HGPｺﾞｼｯｸE" pitchFamily="50" charset="-128"/>
-                <a:ea typeface="HGPｺﾞｼｯｸE" pitchFamily="50" charset="-128"/>
-              </a:rPr>
-              <a:t>View</a:t>
-            </a:r>
-            <a:r>
-              <a:rPr lang="ja-JP" altLang="en-US" sz="2400" b="1" dirty="0" smtClean="0">
-                <a:solidFill>
-                  <a:sysClr val="windowText" lastClr="000000"/>
-                </a:solidFill>
-                <a:latin typeface="HGPｺﾞｼｯｸE" pitchFamily="50" charset="-128"/>
-                <a:ea typeface="HGPｺﾞｼｯｸE" pitchFamily="50" charset="-128"/>
-              </a:rPr>
-              <a:t>に反映</a:t>
-            </a:r>
-            <a:endParaRPr kumimoji="1" lang="ja-JP" altLang="en-US" sz="2400" b="1" dirty="0">
-              <a:solidFill>
-                <a:sysClr val="windowText" lastClr="000000"/>
-              </a:solidFill>
-              <a:latin typeface="HGPｺﾞｼｯｸE" pitchFamily="50" charset="-128"/>
-              <a:ea typeface="HGPｺﾞｼｯｸE" pitchFamily="50" charset="-128"/>
-            </a:endParaRPr>
-          </a:p>
-        </p:txBody>
-      </p:sp>
-      <p:sp>
-        <p:nvSpPr>
-          <p:cNvPr id="9" name="角丸四角形 8"/>
-          <p:cNvSpPr/>
-          <p:nvPr/>
-        </p:nvSpPr>
-        <p:spPr>
-          <a:xfrm>
-            <a:off x="467544" y="2564904"/>
-            <a:ext cx="3096344" cy="1368152"/>
-          </a:xfrm>
-          <a:prstGeom prst="roundRect">
-            <a:avLst/>
-          </a:prstGeom>
-          <a:noFill/>
-          <a:ln>
-            <a:noFill/>
-          </a:ln>
-        </p:spPr>
-        <p:style>
-          <a:lnRef idx="2">
-            <a:schemeClr val="accent1">
-              <a:shade val="50000"/>
-            </a:schemeClr>
-          </a:lnRef>
-          <a:fillRef idx="1">
-            <a:schemeClr val="accent1"/>
-          </a:fillRef>
-          <a:effectRef idx="0">
-            <a:schemeClr val="accent1"/>
-          </a:effectRef>
-          <a:fontRef idx="minor">
-            <a:schemeClr val="lt1"/>
-          </a:fontRef>
-        </p:style>
-        <p:txBody>
-          <a:bodyPr rtlCol="0" anchor="ctr"/>
-          <a:lstStyle/>
-          <a:p>
-            <a:pPr algn="ctr"/>
-            <a:r>
-              <a:rPr lang="en-US" altLang="ja-JP" sz="2400" b="1" dirty="0" smtClean="0">
-                <a:solidFill>
-                  <a:sysClr val="windowText" lastClr="000000"/>
-                </a:solidFill>
-                <a:latin typeface="HGPｺﾞｼｯｸE" pitchFamily="50" charset="-128"/>
-                <a:ea typeface="HGPｺﾞｼｯｸE" pitchFamily="50" charset="-128"/>
-              </a:rPr>
-              <a:t>View</a:t>
-            </a:r>
-            <a:r>
-              <a:rPr lang="ja-JP" altLang="en-US" sz="2400" b="1" dirty="0" smtClean="0">
-                <a:solidFill>
-                  <a:sysClr val="windowText" lastClr="000000"/>
-                </a:solidFill>
-                <a:latin typeface="HGPｺﾞｼｯｸE" pitchFamily="50" charset="-128"/>
-                <a:ea typeface="HGPｺﾞｼｯｸE" pitchFamily="50" charset="-128"/>
-              </a:rPr>
-              <a:t>の更新を</a:t>
-            </a:r>
-            <a:endParaRPr lang="en-US" altLang="ja-JP" sz="2400" b="1" dirty="0" smtClean="0">
-              <a:solidFill>
-                <a:sysClr val="windowText" lastClr="000000"/>
-              </a:solidFill>
-              <a:latin typeface="HGPｺﾞｼｯｸE" pitchFamily="50" charset="-128"/>
-              <a:ea typeface="HGPｺﾞｼｯｸE" pitchFamily="50" charset="-128"/>
-            </a:endParaRPr>
-          </a:p>
-          <a:p>
-            <a:pPr algn="ctr"/>
-            <a:r>
-              <a:rPr lang="en-US" altLang="ja-JP" sz="2400" b="1" dirty="0" smtClean="0">
-                <a:solidFill>
-                  <a:sysClr val="windowText" lastClr="000000"/>
-                </a:solidFill>
-                <a:latin typeface="HGPｺﾞｼｯｸE" pitchFamily="50" charset="-128"/>
-                <a:ea typeface="HGPｺﾞｼｯｸE" pitchFamily="50" charset="-128"/>
-              </a:rPr>
-              <a:t>Model</a:t>
-            </a:r>
-            <a:r>
-              <a:rPr lang="ja-JP" altLang="en-US" sz="2400" b="1" dirty="0" smtClean="0">
-                <a:solidFill>
-                  <a:sysClr val="windowText" lastClr="000000"/>
-                </a:solidFill>
-                <a:latin typeface="HGPｺﾞｼｯｸE" pitchFamily="50" charset="-128"/>
-                <a:ea typeface="HGPｺﾞｼｯｸE" pitchFamily="50" charset="-128"/>
-              </a:rPr>
-              <a:t>に反映</a:t>
-            </a:r>
-            <a:endParaRPr kumimoji="1" lang="ja-JP" altLang="en-US" sz="2400" b="1" dirty="0">
-              <a:solidFill>
-                <a:sysClr val="windowText" lastClr="000000"/>
-              </a:solidFill>
-              <a:latin typeface="HGPｺﾞｼｯｸE" pitchFamily="50" charset="-128"/>
-              <a:ea typeface="HGPｺﾞｼｯｸE" pitchFamily="50" charset="-128"/>
-            </a:endParaRPr>
-          </a:p>
-        </p:txBody>
-      </p:sp>
-      <p:sp>
-        <p:nvSpPr>
-          <p:cNvPr id="10" name="スライド番号プレースホルダ 9"/>
-          <p:cNvSpPr>
-            <a:spLocks noGrp="1"/>
-          </p:cNvSpPr>
-          <p:nvPr>
-            <p:ph type="sldNum" sz="quarter" idx="12"/>
-          </p:nvPr>
-        </p:nvSpPr>
-        <p:spPr/>
-        <p:txBody>
-          <a:bodyPr/>
-          <a:lstStyle/>
-          <a:p>
-            <a:fld id="{D2D8002D-B5B0-4BAC-B1F6-782DDCCE6D9C}" type="slidenum">
-              <a:rPr kumimoji="1" lang="ja-JP" altLang="en-US" smtClean="0"/>
-              <a:pPr/>
-              <a:t>9</a:t>
-            </a:fld>
-            <a:endParaRPr kumimoji="1" lang="ja-JP" altLang="en-US" dirty="0"/>
-          </a:p>
-        </p:txBody>
-      </p:sp>
     </p:spTree>
   </p:cSld>
   <p:clrMapOvr>
